--- a/0.0_3qpK.0_3qrT!attachment!a1_Tool_GUI_20201210.pptx
+++ b/0.0_3qpK.0_3qrT!attachment!a1_Tool_GUI_20201210.pptx
@@ -59,7 +59,7 @@
       </p:grpSpPr>
       <p:sp>
         <p:nvSpPr>
-          <p:cNvPr id="26" name="PlaceHolder 1"/>
+          <p:cNvPr id="23" name="PlaceHolder 1"/>
           <p:cNvSpPr>
             <a:spLocks noGrp="1"/>
           </p:cNvSpPr>
@@ -70,7 +70,7 @@
         <p:spPr>
           <a:xfrm>
             <a:off x="1523880" y="1122480"/>
-            <a:ext cx="9143640" cy="2387160"/>
+            <a:ext cx="9143280" cy="2386800"/>
           </a:xfrm>
           <a:prstGeom prst="rect">
             <a:avLst/>
@@ -79,18 +79,16 @@
         <p:txBody>
           <a:bodyPr lIns="0" rIns="0" tIns="0" bIns="0" anchor="ctr"/>
           <a:p>
-            <a:endParaRPr b="0" lang="en-US" sz="1800" spc="-1" strike="noStrike">
-              <a:solidFill>
-                <a:srgbClr val="000000"/>
-              </a:solidFill>
-              <a:latin typeface="Calibri"/>
+            <a:pPr algn="ctr"/>
+            <a:endParaRPr b="0" lang="en-IN" sz="4400" spc="-1" strike="noStrike">
+              <a:latin typeface="Arial"/>
             </a:endParaRPr>
           </a:p>
         </p:txBody>
       </p:sp>
       <p:sp>
         <p:nvSpPr>
-          <p:cNvPr id="27" name="PlaceHolder 2"/>
+          <p:cNvPr id="24" name="PlaceHolder 2"/>
           <p:cNvSpPr>
             <a:spLocks noGrp="1"/>
           </p:cNvSpPr>
@@ -112,18 +110,15 @@
             <a:normAutofit/>
           </a:bodyPr>
           <a:p>
-            <a:endParaRPr b="0" lang="en-US" sz="2800" spc="-1" strike="noStrike">
-              <a:solidFill>
-                <a:srgbClr val="000000"/>
-              </a:solidFill>
-              <a:latin typeface="Calibri"/>
+            <a:endParaRPr b="0" lang="en-IN" sz="3200" spc="-1" strike="noStrike">
+              <a:latin typeface="Arial"/>
             </a:endParaRPr>
           </a:p>
         </p:txBody>
       </p:sp>
       <p:sp>
         <p:nvSpPr>
-          <p:cNvPr id="28" name="PlaceHolder 3"/>
+          <p:cNvPr id="25" name="PlaceHolder 3"/>
           <p:cNvSpPr>
             <a:spLocks noGrp="1"/>
           </p:cNvSpPr>
@@ -145,11 +140,8 @@
             <a:normAutofit/>
           </a:bodyPr>
           <a:p>
-            <a:endParaRPr b="0" lang="en-US" sz="2800" spc="-1" strike="noStrike">
-              <a:solidFill>
-                <a:srgbClr val="000000"/>
-              </a:solidFill>
-              <a:latin typeface="Calibri"/>
+            <a:endParaRPr b="0" lang="en-IN" sz="3200" spc="-1" strike="noStrike">
+              <a:latin typeface="Arial"/>
             </a:endParaRPr>
           </a:p>
         </p:txBody>
@@ -178,7 +170,7 @@
       </p:grpSpPr>
       <p:sp>
         <p:nvSpPr>
-          <p:cNvPr id="29" name="PlaceHolder 1"/>
+          <p:cNvPr id="26" name="PlaceHolder 1"/>
           <p:cNvSpPr>
             <a:spLocks noGrp="1"/>
           </p:cNvSpPr>
@@ -189,7 +181,7 @@
         <p:spPr>
           <a:xfrm>
             <a:off x="1523880" y="1122480"/>
-            <a:ext cx="9143640" cy="2387160"/>
+            <a:ext cx="9143280" cy="2386800"/>
           </a:xfrm>
           <a:prstGeom prst="rect">
             <a:avLst/>
@@ -198,18 +190,16 @@
         <p:txBody>
           <a:bodyPr lIns="0" rIns="0" tIns="0" bIns="0" anchor="ctr"/>
           <a:p>
-            <a:endParaRPr b="0" lang="en-US" sz="1800" spc="-1" strike="noStrike">
-              <a:solidFill>
-                <a:srgbClr val="000000"/>
-              </a:solidFill>
-              <a:latin typeface="Calibri"/>
+            <a:pPr algn="ctr"/>
+            <a:endParaRPr b="0" lang="en-IN" sz="4400" spc="-1" strike="noStrike">
+              <a:latin typeface="Arial"/>
             </a:endParaRPr>
           </a:p>
         </p:txBody>
       </p:sp>
       <p:sp>
         <p:nvSpPr>
-          <p:cNvPr id="30" name="PlaceHolder 2"/>
+          <p:cNvPr id="27" name="PlaceHolder 2"/>
           <p:cNvSpPr>
             <a:spLocks noGrp="1"/>
           </p:cNvSpPr>
@@ -231,18 +221,15 @@
             <a:normAutofit/>
           </a:bodyPr>
           <a:p>
-            <a:endParaRPr b="0" lang="en-US" sz="2800" spc="-1" strike="noStrike">
-              <a:solidFill>
-                <a:srgbClr val="000000"/>
-              </a:solidFill>
-              <a:latin typeface="Calibri"/>
+            <a:endParaRPr b="0" lang="en-IN" sz="3200" spc="-1" strike="noStrike">
+              <a:latin typeface="Arial"/>
             </a:endParaRPr>
           </a:p>
         </p:txBody>
       </p:sp>
       <p:sp>
         <p:nvSpPr>
-          <p:cNvPr id="31" name="PlaceHolder 3"/>
+          <p:cNvPr id="28" name="PlaceHolder 3"/>
           <p:cNvSpPr>
             <a:spLocks noGrp="1"/>
           </p:cNvSpPr>
@@ -264,18 +251,15 @@
             <a:normAutofit/>
           </a:bodyPr>
           <a:p>
-            <a:endParaRPr b="0" lang="en-US" sz="2800" spc="-1" strike="noStrike">
-              <a:solidFill>
-                <a:srgbClr val="000000"/>
-              </a:solidFill>
-              <a:latin typeface="Calibri"/>
+            <a:endParaRPr b="0" lang="en-IN" sz="3200" spc="-1" strike="noStrike">
+              <a:latin typeface="Arial"/>
             </a:endParaRPr>
           </a:p>
         </p:txBody>
       </p:sp>
       <p:sp>
         <p:nvSpPr>
-          <p:cNvPr id="32" name="PlaceHolder 4"/>
+          <p:cNvPr id="29" name="PlaceHolder 4"/>
           <p:cNvSpPr>
             <a:spLocks noGrp="1"/>
           </p:cNvSpPr>
@@ -297,18 +281,15 @@
             <a:normAutofit/>
           </a:bodyPr>
           <a:p>
-            <a:endParaRPr b="0" lang="en-US" sz="2800" spc="-1" strike="noStrike">
-              <a:solidFill>
-                <a:srgbClr val="000000"/>
-              </a:solidFill>
-              <a:latin typeface="Calibri"/>
+            <a:endParaRPr b="0" lang="en-IN" sz="3200" spc="-1" strike="noStrike">
+              <a:latin typeface="Arial"/>
             </a:endParaRPr>
           </a:p>
         </p:txBody>
       </p:sp>
       <p:sp>
         <p:nvSpPr>
-          <p:cNvPr id="33" name="PlaceHolder 5"/>
+          <p:cNvPr id="30" name="PlaceHolder 5"/>
           <p:cNvSpPr>
             <a:spLocks noGrp="1"/>
           </p:cNvSpPr>
@@ -330,11 +311,8 @@
             <a:normAutofit/>
           </a:bodyPr>
           <a:p>
-            <a:endParaRPr b="0" lang="en-US" sz="2800" spc="-1" strike="noStrike">
-              <a:solidFill>
-                <a:srgbClr val="000000"/>
-              </a:solidFill>
-              <a:latin typeface="Calibri"/>
+            <a:endParaRPr b="0" lang="en-IN" sz="3200" spc="-1" strike="noStrike">
+              <a:latin typeface="Arial"/>
             </a:endParaRPr>
           </a:p>
         </p:txBody>
@@ -363,7 +341,7 @@
       </p:grpSpPr>
       <p:sp>
         <p:nvSpPr>
-          <p:cNvPr id="34" name="PlaceHolder 1"/>
+          <p:cNvPr id="31" name="PlaceHolder 1"/>
           <p:cNvSpPr>
             <a:spLocks noGrp="1"/>
           </p:cNvSpPr>
@@ -374,7 +352,7 @@
         <p:spPr>
           <a:xfrm>
             <a:off x="1523880" y="1122480"/>
-            <a:ext cx="9143640" cy="2387160"/>
+            <a:ext cx="9143280" cy="2386800"/>
           </a:xfrm>
           <a:prstGeom prst="rect">
             <a:avLst/>
@@ -383,18 +361,16 @@
         <p:txBody>
           <a:bodyPr lIns="0" rIns="0" tIns="0" bIns="0" anchor="ctr"/>
           <a:p>
-            <a:endParaRPr b="0" lang="en-US" sz="1800" spc="-1" strike="noStrike">
-              <a:solidFill>
-                <a:srgbClr val="000000"/>
-              </a:solidFill>
-              <a:latin typeface="Calibri"/>
+            <a:pPr algn="ctr"/>
+            <a:endParaRPr b="0" lang="en-IN" sz="4400" spc="-1" strike="noStrike">
+              <a:latin typeface="Arial"/>
             </a:endParaRPr>
           </a:p>
         </p:txBody>
       </p:sp>
       <p:sp>
         <p:nvSpPr>
-          <p:cNvPr id="35" name="PlaceHolder 2"/>
+          <p:cNvPr id="32" name="PlaceHolder 2"/>
           <p:cNvSpPr>
             <a:spLocks noGrp="1"/>
           </p:cNvSpPr>
@@ -416,18 +392,15 @@
             <a:normAutofit/>
           </a:bodyPr>
           <a:p>
-            <a:endParaRPr b="0" lang="en-US" sz="2800" spc="-1" strike="noStrike">
-              <a:solidFill>
-                <a:srgbClr val="000000"/>
-              </a:solidFill>
-              <a:latin typeface="Calibri"/>
+            <a:endParaRPr b="0" lang="en-IN" sz="3200" spc="-1" strike="noStrike">
+              <a:latin typeface="Arial"/>
             </a:endParaRPr>
           </a:p>
         </p:txBody>
       </p:sp>
       <p:sp>
         <p:nvSpPr>
-          <p:cNvPr id="36" name="PlaceHolder 3"/>
+          <p:cNvPr id="33" name="PlaceHolder 3"/>
           <p:cNvSpPr>
             <a:spLocks noGrp="1"/>
           </p:cNvSpPr>
@@ -449,18 +422,15 @@
             <a:normAutofit/>
           </a:bodyPr>
           <a:p>
-            <a:endParaRPr b="0" lang="en-US" sz="2800" spc="-1" strike="noStrike">
-              <a:solidFill>
-                <a:srgbClr val="000000"/>
-              </a:solidFill>
-              <a:latin typeface="Calibri"/>
+            <a:endParaRPr b="0" lang="en-IN" sz="3200" spc="-1" strike="noStrike">
+              <a:latin typeface="Arial"/>
             </a:endParaRPr>
           </a:p>
         </p:txBody>
       </p:sp>
       <p:sp>
         <p:nvSpPr>
-          <p:cNvPr id="37" name="PlaceHolder 4"/>
+          <p:cNvPr id="34" name="PlaceHolder 4"/>
           <p:cNvSpPr>
             <a:spLocks noGrp="1"/>
           </p:cNvSpPr>
@@ -482,18 +452,15 @@
             <a:normAutofit/>
           </a:bodyPr>
           <a:p>
-            <a:endParaRPr b="0" lang="en-US" sz="2800" spc="-1" strike="noStrike">
-              <a:solidFill>
-                <a:srgbClr val="000000"/>
-              </a:solidFill>
-              <a:latin typeface="Calibri"/>
+            <a:endParaRPr b="0" lang="en-IN" sz="3200" spc="-1" strike="noStrike">
+              <a:latin typeface="Arial"/>
             </a:endParaRPr>
           </a:p>
         </p:txBody>
       </p:sp>
       <p:sp>
         <p:nvSpPr>
-          <p:cNvPr id="38" name="PlaceHolder 5"/>
+          <p:cNvPr id="35" name="PlaceHolder 5"/>
           <p:cNvSpPr>
             <a:spLocks noGrp="1"/>
           </p:cNvSpPr>
@@ -515,18 +482,15 @@
             <a:normAutofit/>
           </a:bodyPr>
           <a:p>
-            <a:endParaRPr b="0" lang="en-US" sz="2800" spc="-1" strike="noStrike">
-              <a:solidFill>
-                <a:srgbClr val="000000"/>
-              </a:solidFill>
-              <a:latin typeface="Calibri"/>
+            <a:endParaRPr b="0" lang="en-IN" sz="3200" spc="-1" strike="noStrike">
+              <a:latin typeface="Arial"/>
             </a:endParaRPr>
           </a:p>
         </p:txBody>
       </p:sp>
       <p:sp>
         <p:nvSpPr>
-          <p:cNvPr id="39" name="PlaceHolder 6"/>
+          <p:cNvPr id="36" name="PlaceHolder 6"/>
           <p:cNvSpPr>
             <a:spLocks noGrp="1"/>
           </p:cNvSpPr>
@@ -548,18 +512,15 @@
             <a:normAutofit/>
           </a:bodyPr>
           <a:p>
-            <a:endParaRPr b="0" lang="en-US" sz="2800" spc="-1" strike="noStrike">
-              <a:solidFill>
-                <a:srgbClr val="000000"/>
-              </a:solidFill>
-              <a:latin typeface="Calibri"/>
+            <a:endParaRPr b="0" lang="en-IN" sz="3200" spc="-1" strike="noStrike">
+              <a:latin typeface="Arial"/>
             </a:endParaRPr>
           </a:p>
         </p:txBody>
       </p:sp>
       <p:sp>
         <p:nvSpPr>
-          <p:cNvPr id="40" name="PlaceHolder 7"/>
+          <p:cNvPr id="37" name="PlaceHolder 7"/>
           <p:cNvSpPr>
             <a:spLocks noGrp="1"/>
           </p:cNvSpPr>
@@ -581,11 +542,8 @@
             <a:normAutofit/>
           </a:bodyPr>
           <a:p>
-            <a:endParaRPr b="0" lang="en-US" sz="2800" spc="-1" strike="noStrike">
-              <a:solidFill>
-                <a:srgbClr val="000000"/>
-              </a:solidFill>
-              <a:latin typeface="Calibri"/>
+            <a:endParaRPr b="0" lang="en-IN" sz="3200" spc="-1" strike="noStrike">
+              <a:latin typeface="Arial"/>
             </a:endParaRPr>
           </a:p>
         </p:txBody>
@@ -614,7 +572,7 @@
       </p:grpSpPr>
       <p:sp>
         <p:nvSpPr>
-          <p:cNvPr id="5" name="PlaceHolder 1"/>
+          <p:cNvPr id="2" name="PlaceHolder 1"/>
           <p:cNvSpPr>
             <a:spLocks noGrp="1"/>
           </p:cNvSpPr>
@@ -625,7 +583,7 @@
         <p:spPr>
           <a:xfrm>
             <a:off x="1523880" y="1122480"/>
-            <a:ext cx="9143640" cy="2387160"/>
+            <a:ext cx="9143280" cy="2386800"/>
           </a:xfrm>
           <a:prstGeom prst="rect">
             <a:avLst/>
@@ -634,18 +592,16 @@
         <p:txBody>
           <a:bodyPr lIns="0" rIns="0" tIns="0" bIns="0" anchor="ctr"/>
           <a:p>
-            <a:endParaRPr b="0" lang="en-US" sz="1800" spc="-1" strike="noStrike">
-              <a:solidFill>
-                <a:srgbClr val="000000"/>
-              </a:solidFill>
-              <a:latin typeface="Calibri"/>
+            <a:pPr algn="ctr"/>
+            <a:endParaRPr b="0" lang="en-IN" sz="4400" spc="-1" strike="noStrike">
+              <a:latin typeface="Arial"/>
             </a:endParaRPr>
           </a:p>
         </p:txBody>
       </p:sp>
       <p:sp>
         <p:nvSpPr>
-          <p:cNvPr id="6" name="PlaceHolder 2"/>
+          <p:cNvPr id="3" name="PlaceHolder 2"/>
           <p:cNvSpPr>
             <a:spLocks noGrp="1"/>
           </p:cNvSpPr>
@@ -696,7 +652,7 @@
       </p:grpSpPr>
       <p:sp>
         <p:nvSpPr>
-          <p:cNvPr id="7" name="PlaceHolder 1"/>
+          <p:cNvPr id="4" name="PlaceHolder 1"/>
           <p:cNvSpPr>
             <a:spLocks noGrp="1"/>
           </p:cNvSpPr>
@@ -707,7 +663,7 @@
         <p:spPr>
           <a:xfrm>
             <a:off x="1523880" y="1122480"/>
-            <a:ext cx="9143640" cy="2387160"/>
+            <a:ext cx="9143280" cy="2386800"/>
           </a:xfrm>
           <a:prstGeom prst="rect">
             <a:avLst/>
@@ -716,18 +672,16 @@
         <p:txBody>
           <a:bodyPr lIns="0" rIns="0" tIns="0" bIns="0" anchor="ctr"/>
           <a:p>
-            <a:endParaRPr b="0" lang="en-US" sz="1800" spc="-1" strike="noStrike">
-              <a:solidFill>
-                <a:srgbClr val="000000"/>
-              </a:solidFill>
-              <a:latin typeface="Calibri"/>
+            <a:pPr algn="ctr"/>
+            <a:endParaRPr b="0" lang="en-IN" sz="4400" spc="-1" strike="noStrike">
+              <a:latin typeface="Arial"/>
             </a:endParaRPr>
           </a:p>
         </p:txBody>
       </p:sp>
       <p:sp>
         <p:nvSpPr>
-          <p:cNvPr id="8" name="PlaceHolder 2"/>
+          <p:cNvPr id="5" name="PlaceHolder 2"/>
           <p:cNvSpPr>
             <a:spLocks noGrp="1"/>
           </p:cNvSpPr>
@@ -749,11 +703,8 @@
             <a:normAutofit/>
           </a:bodyPr>
           <a:p>
-            <a:endParaRPr b="0" lang="en-US" sz="2800" spc="-1" strike="noStrike">
-              <a:solidFill>
-                <a:srgbClr val="000000"/>
-              </a:solidFill>
-              <a:latin typeface="Calibri"/>
+            <a:endParaRPr b="0" lang="en-IN" sz="3200" spc="-1" strike="noStrike">
+              <a:latin typeface="Arial"/>
             </a:endParaRPr>
           </a:p>
         </p:txBody>
@@ -782,7 +733,7 @@
       </p:grpSpPr>
       <p:sp>
         <p:nvSpPr>
-          <p:cNvPr id="9" name="PlaceHolder 1"/>
+          <p:cNvPr id="6" name="PlaceHolder 1"/>
           <p:cNvSpPr>
             <a:spLocks noGrp="1"/>
           </p:cNvSpPr>
@@ -793,7 +744,7 @@
         <p:spPr>
           <a:xfrm>
             <a:off x="1523880" y="1122480"/>
-            <a:ext cx="9143640" cy="2387160"/>
+            <a:ext cx="9143280" cy="2386800"/>
           </a:xfrm>
           <a:prstGeom prst="rect">
             <a:avLst/>
@@ -802,18 +753,16 @@
         <p:txBody>
           <a:bodyPr lIns="0" rIns="0" tIns="0" bIns="0" anchor="ctr"/>
           <a:p>
-            <a:endParaRPr b="0" lang="en-US" sz="1800" spc="-1" strike="noStrike">
-              <a:solidFill>
-                <a:srgbClr val="000000"/>
-              </a:solidFill>
-              <a:latin typeface="Calibri"/>
+            <a:pPr algn="ctr"/>
+            <a:endParaRPr b="0" lang="en-IN" sz="4400" spc="-1" strike="noStrike">
+              <a:latin typeface="Arial"/>
             </a:endParaRPr>
           </a:p>
         </p:txBody>
       </p:sp>
       <p:sp>
         <p:nvSpPr>
-          <p:cNvPr id="10" name="PlaceHolder 2"/>
+          <p:cNvPr id="7" name="PlaceHolder 2"/>
           <p:cNvSpPr>
             <a:spLocks noGrp="1"/>
           </p:cNvSpPr>
@@ -835,18 +784,15 @@
             <a:normAutofit/>
           </a:bodyPr>
           <a:p>
-            <a:endParaRPr b="0" lang="en-US" sz="2800" spc="-1" strike="noStrike">
-              <a:solidFill>
-                <a:srgbClr val="000000"/>
-              </a:solidFill>
-              <a:latin typeface="Calibri"/>
+            <a:endParaRPr b="0" lang="en-IN" sz="3200" spc="-1" strike="noStrike">
+              <a:latin typeface="Arial"/>
             </a:endParaRPr>
           </a:p>
         </p:txBody>
       </p:sp>
       <p:sp>
         <p:nvSpPr>
-          <p:cNvPr id="11" name="PlaceHolder 3"/>
+          <p:cNvPr id="8" name="PlaceHolder 3"/>
           <p:cNvSpPr>
             <a:spLocks noGrp="1"/>
           </p:cNvSpPr>
@@ -868,11 +814,8 @@
             <a:normAutofit/>
           </a:bodyPr>
           <a:p>
-            <a:endParaRPr b="0" lang="en-US" sz="2800" spc="-1" strike="noStrike">
-              <a:solidFill>
-                <a:srgbClr val="000000"/>
-              </a:solidFill>
-              <a:latin typeface="Calibri"/>
+            <a:endParaRPr b="0" lang="en-IN" sz="3200" spc="-1" strike="noStrike">
+              <a:latin typeface="Arial"/>
             </a:endParaRPr>
           </a:p>
         </p:txBody>
@@ -901,7 +844,7 @@
       </p:grpSpPr>
       <p:sp>
         <p:nvSpPr>
-          <p:cNvPr id="12" name="PlaceHolder 1"/>
+          <p:cNvPr id="9" name="PlaceHolder 1"/>
           <p:cNvSpPr>
             <a:spLocks noGrp="1"/>
           </p:cNvSpPr>
@@ -912,7 +855,7 @@
         <p:spPr>
           <a:xfrm>
             <a:off x="1523880" y="1122480"/>
-            <a:ext cx="9143640" cy="2387160"/>
+            <a:ext cx="9143280" cy="2386800"/>
           </a:xfrm>
           <a:prstGeom prst="rect">
             <a:avLst/>
@@ -921,11 +864,9 @@
         <p:txBody>
           <a:bodyPr lIns="0" rIns="0" tIns="0" bIns="0" anchor="ctr"/>
           <a:p>
-            <a:endParaRPr b="0" lang="en-US" sz="1800" spc="-1" strike="noStrike">
-              <a:solidFill>
-                <a:srgbClr val="000000"/>
-              </a:solidFill>
-              <a:latin typeface="Calibri"/>
+            <a:pPr algn="ctr"/>
+            <a:endParaRPr b="0" lang="en-IN" sz="4400" spc="-1" strike="noStrike">
+              <a:latin typeface="Arial"/>
             </a:endParaRPr>
           </a:p>
         </p:txBody>
@@ -954,7 +895,7 @@
       </p:grpSpPr>
       <p:sp>
         <p:nvSpPr>
-          <p:cNvPr id="13" name="PlaceHolder 1"/>
+          <p:cNvPr id="10" name="PlaceHolder 1"/>
           <p:cNvSpPr>
             <a:spLocks noGrp="1"/>
           </p:cNvSpPr>
@@ -965,7 +906,7 @@
         <p:spPr>
           <a:xfrm>
             <a:off x="1523880" y="1122480"/>
-            <a:ext cx="9143640" cy="11066760"/>
+            <a:ext cx="9143280" cy="11064960"/>
           </a:xfrm>
           <a:prstGeom prst="rect">
             <a:avLst/>
@@ -1005,7 +946,7 @@
       </p:grpSpPr>
       <p:sp>
         <p:nvSpPr>
-          <p:cNvPr id="14" name="PlaceHolder 1"/>
+          <p:cNvPr id="11" name="PlaceHolder 1"/>
           <p:cNvSpPr>
             <a:spLocks noGrp="1"/>
           </p:cNvSpPr>
@@ -1016,7 +957,7 @@
         <p:spPr>
           <a:xfrm>
             <a:off x="1523880" y="1122480"/>
-            <a:ext cx="9143640" cy="2387160"/>
+            <a:ext cx="9143280" cy="2386800"/>
           </a:xfrm>
           <a:prstGeom prst="rect">
             <a:avLst/>
@@ -1025,18 +966,16 @@
         <p:txBody>
           <a:bodyPr lIns="0" rIns="0" tIns="0" bIns="0" anchor="ctr"/>
           <a:p>
-            <a:endParaRPr b="0" lang="en-US" sz="1800" spc="-1" strike="noStrike">
-              <a:solidFill>
-                <a:srgbClr val="000000"/>
-              </a:solidFill>
-              <a:latin typeface="Calibri"/>
+            <a:pPr algn="ctr"/>
+            <a:endParaRPr b="0" lang="en-IN" sz="4400" spc="-1" strike="noStrike">
+              <a:latin typeface="Arial"/>
             </a:endParaRPr>
           </a:p>
         </p:txBody>
       </p:sp>
       <p:sp>
         <p:nvSpPr>
-          <p:cNvPr id="15" name="PlaceHolder 2"/>
+          <p:cNvPr id="12" name="PlaceHolder 2"/>
           <p:cNvSpPr>
             <a:spLocks noGrp="1"/>
           </p:cNvSpPr>
@@ -1058,18 +997,15 @@
             <a:normAutofit/>
           </a:bodyPr>
           <a:p>
-            <a:endParaRPr b="0" lang="en-US" sz="2800" spc="-1" strike="noStrike">
-              <a:solidFill>
-                <a:srgbClr val="000000"/>
-              </a:solidFill>
-              <a:latin typeface="Calibri"/>
+            <a:endParaRPr b="0" lang="en-IN" sz="3200" spc="-1" strike="noStrike">
+              <a:latin typeface="Arial"/>
             </a:endParaRPr>
           </a:p>
         </p:txBody>
       </p:sp>
       <p:sp>
         <p:nvSpPr>
-          <p:cNvPr id="16" name="PlaceHolder 3"/>
+          <p:cNvPr id="13" name="PlaceHolder 3"/>
           <p:cNvSpPr>
             <a:spLocks noGrp="1"/>
           </p:cNvSpPr>
@@ -1091,18 +1027,15 @@
             <a:normAutofit/>
           </a:bodyPr>
           <a:p>
-            <a:endParaRPr b="0" lang="en-US" sz="2800" spc="-1" strike="noStrike">
-              <a:solidFill>
-                <a:srgbClr val="000000"/>
-              </a:solidFill>
-              <a:latin typeface="Calibri"/>
+            <a:endParaRPr b="0" lang="en-IN" sz="3200" spc="-1" strike="noStrike">
+              <a:latin typeface="Arial"/>
             </a:endParaRPr>
           </a:p>
         </p:txBody>
       </p:sp>
       <p:sp>
         <p:nvSpPr>
-          <p:cNvPr id="17" name="PlaceHolder 4"/>
+          <p:cNvPr id="14" name="PlaceHolder 4"/>
           <p:cNvSpPr>
             <a:spLocks noGrp="1"/>
           </p:cNvSpPr>
@@ -1124,11 +1057,8 @@
             <a:normAutofit/>
           </a:bodyPr>
           <a:p>
-            <a:endParaRPr b="0" lang="en-US" sz="2800" spc="-1" strike="noStrike">
-              <a:solidFill>
-                <a:srgbClr val="000000"/>
-              </a:solidFill>
-              <a:latin typeface="Calibri"/>
+            <a:endParaRPr b="0" lang="en-IN" sz="3200" spc="-1" strike="noStrike">
+              <a:latin typeface="Arial"/>
             </a:endParaRPr>
           </a:p>
         </p:txBody>
@@ -1157,7 +1087,7 @@
       </p:grpSpPr>
       <p:sp>
         <p:nvSpPr>
-          <p:cNvPr id="18" name="PlaceHolder 1"/>
+          <p:cNvPr id="15" name="PlaceHolder 1"/>
           <p:cNvSpPr>
             <a:spLocks noGrp="1"/>
           </p:cNvSpPr>
@@ -1168,7 +1098,7 @@
         <p:spPr>
           <a:xfrm>
             <a:off x="1523880" y="1122480"/>
-            <a:ext cx="9143640" cy="2387160"/>
+            <a:ext cx="9143280" cy="2386800"/>
           </a:xfrm>
           <a:prstGeom prst="rect">
             <a:avLst/>
@@ -1177,18 +1107,16 @@
         <p:txBody>
           <a:bodyPr lIns="0" rIns="0" tIns="0" bIns="0" anchor="ctr"/>
           <a:p>
-            <a:endParaRPr b="0" lang="en-US" sz="1800" spc="-1" strike="noStrike">
-              <a:solidFill>
-                <a:srgbClr val="000000"/>
-              </a:solidFill>
-              <a:latin typeface="Calibri"/>
+            <a:pPr algn="ctr"/>
+            <a:endParaRPr b="0" lang="en-IN" sz="4400" spc="-1" strike="noStrike">
+              <a:latin typeface="Arial"/>
             </a:endParaRPr>
           </a:p>
         </p:txBody>
       </p:sp>
       <p:sp>
         <p:nvSpPr>
-          <p:cNvPr id="19" name="PlaceHolder 2"/>
+          <p:cNvPr id="16" name="PlaceHolder 2"/>
           <p:cNvSpPr>
             <a:spLocks noGrp="1"/>
           </p:cNvSpPr>
@@ -1210,18 +1138,15 @@
             <a:normAutofit/>
           </a:bodyPr>
           <a:p>
-            <a:endParaRPr b="0" lang="en-US" sz="2800" spc="-1" strike="noStrike">
-              <a:solidFill>
-                <a:srgbClr val="000000"/>
-              </a:solidFill>
-              <a:latin typeface="Calibri"/>
+            <a:endParaRPr b="0" lang="en-IN" sz="3200" spc="-1" strike="noStrike">
+              <a:latin typeface="Arial"/>
             </a:endParaRPr>
           </a:p>
         </p:txBody>
       </p:sp>
       <p:sp>
         <p:nvSpPr>
-          <p:cNvPr id="20" name="PlaceHolder 3"/>
+          <p:cNvPr id="17" name="PlaceHolder 3"/>
           <p:cNvSpPr>
             <a:spLocks noGrp="1"/>
           </p:cNvSpPr>
@@ -1243,18 +1168,15 @@
             <a:normAutofit/>
           </a:bodyPr>
           <a:p>
-            <a:endParaRPr b="0" lang="en-US" sz="2800" spc="-1" strike="noStrike">
-              <a:solidFill>
-                <a:srgbClr val="000000"/>
-              </a:solidFill>
-              <a:latin typeface="Calibri"/>
+            <a:endParaRPr b="0" lang="en-IN" sz="3200" spc="-1" strike="noStrike">
+              <a:latin typeface="Arial"/>
             </a:endParaRPr>
           </a:p>
         </p:txBody>
       </p:sp>
       <p:sp>
         <p:nvSpPr>
-          <p:cNvPr id="21" name="PlaceHolder 4"/>
+          <p:cNvPr id="18" name="PlaceHolder 4"/>
           <p:cNvSpPr>
             <a:spLocks noGrp="1"/>
           </p:cNvSpPr>
@@ -1276,11 +1198,8 @@
             <a:normAutofit/>
           </a:bodyPr>
           <a:p>
-            <a:endParaRPr b="0" lang="en-US" sz="2800" spc="-1" strike="noStrike">
-              <a:solidFill>
-                <a:srgbClr val="000000"/>
-              </a:solidFill>
-              <a:latin typeface="Calibri"/>
+            <a:endParaRPr b="0" lang="en-IN" sz="3200" spc="-1" strike="noStrike">
+              <a:latin typeface="Arial"/>
             </a:endParaRPr>
           </a:p>
         </p:txBody>
@@ -1309,7 +1228,7 @@
       </p:grpSpPr>
       <p:sp>
         <p:nvSpPr>
-          <p:cNvPr id="22" name="PlaceHolder 1"/>
+          <p:cNvPr id="19" name="PlaceHolder 1"/>
           <p:cNvSpPr>
             <a:spLocks noGrp="1"/>
           </p:cNvSpPr>
@@ -1320,7 +1239,7 @@
         <p:spPr>
           <a:xfrm>
             <a:off x="1523880" y="1122480"/>
-            <a:ext cx="9143640" cy="2387160"/>
+            <a:ext cx="9143280" cy="2386800"/>
           </a:xfrm>
           <a:prstGeom prst="rect">
             <a:avLst/>
@@ -1329,18 +1248,16 @@
         <p:txBody>
           <a:bodyPr lIns="0" rIns="0" tIns="0" bIns="0" anchor="ctr"/>
           <a:p>
-            <a:endParaRPr b="0" lang="en-US" sz="1800" spc="-1" strike="noStrike">
-              <a:solidFill>
-                <a:srgbClr val="000000"/>
-              </a:solidFill>
-              <a:latin typeface="Calibri"/>
+            <a:pPr algn="ctr"/>
+            <a:endParaRPr b="0" lang="en-IN" sz="4400" spc="-1" strike="noStrike">
+              <a:latin typeface="Arial"/>
             </a:endParaRPr>
           </a:p>
         </p:txBody>
       </p:sp>
       <p:sp>
         <p:nvSpPr>
-          <p:cNvPr id="23" name="PlaceHolder 2"/>
+          <p:cNvPr id="20" name="PlaceHolder 2"/>
           <p:cNvSpPr>
             <a:spLocks noGrp="1"/>
           </p:cNvSpPr>
@@ -1362,18 +1279,15 @@
             <a:normAutofit/>
           </a:bodyPr>
           <a:p>
-            <a:endParaRPr b="0" lang="en-US" sz="2800" spc="-1" strike="noStrike">
-              <a:solidFill>
-                <a:srgbClr val="000000"/>
-              </a:solidFill>
-              <a:latin typeface="Calibri"/>
+            <a:endParaRPr b="0" lang="en-IN" sz="3200" spc="-1" strike="noStrike">
+              <a:latin typeface="Arial"/>
             </a:endParaRPr>
           </a:p>
         </p:txBody>
       </p:sp>
       <p:sp>
         <p:nvSpPr>
-          <p:cNvPr id="24" name="PlaceHolder 3"/>
+          <p:cNvPr id="21" name="PlaceHolder 3"/>
           <p:cNvSpPr>
             <a:spLocks noGrp="1"/>
           </p:cNvSpPr>
@@ -1395,18 +1309,15 @@
             <a:normAutofit/>
           </a:bodyPr>
           <a:p>
-            <a:endParaRPr b="0" lang="en-US" sz="2800" spc="-1" strike="noStrike">
-              <a:solidFill>
-                <a:srgbClr val="000000"/>
-              </a:solidFill>
-              <a:latin typeface="Calibri"/>
+            <a:endParaRPr b="0" lang="en-IN" sz="3200" spc="-1" strike="noStrike">
+              <a:latin typeface="Arial"/>
             </a:endParaRPr>
           </a:p>
         </p:txBody>
       </p:sp>
       <p:sp>
         <p:nvSpPr>
-          <p:cNvPr id="25" name="PlaceHolder 4"/>
+          <p:cNvPr id="22" name="PlaceHolder 4"/>
           <p:cNvSpPr>
             <a:spLocks noGrp="1"/>
           </p:cNvSpPr>
@@ -1428,11 +1339,8 @@
             <a:normAutofit/>
           </a:bodyPr>
           <a:p>
-            <a:endParaRPr b="0" lang="en-US" sz="2800" spc="-1" strike="noStrike">
-              <a:solidFill>
-                <a:srgbClr val="000000"/>
-              </a:solidFill>
-              <a:latin typeface="Calibri"/>
+            <a:endParaRPr b="0" lang="en-IN" sz="3200" spc="-1" strike="noStrike">
+              <a:latin typeface="Arial"/>
             </a:endParaRPr>
           </a:p>
         </p:txBody>
@@ -1479,70 +1387,35 @@
         <p:spPr>
           <a:xfrm>
             <a:off x="1523880" y="1122480"/>
-            <a:ext cx="9143640" cy="2387160"/>
+            <a:ext cx="9143280" cy="2386800"/>
           </a:xfrm>
           <a:prstGeom prst="rect">
             <a:avLst/>
           </a:prstGeom>
         </p:spPr>
         <p:txBody>
-          <a:bodyPr anchor="b"/>
+          <a:bodyPr lIns="0" rIns="0" tIns="0" bIns="0" anchor="ctr"/>
           <a:p>
-            <a:pPr algn="ctr">
-              <a:lnSpc>
-                <a:spcPct val="90000"/>
-              </a:lnSpc>
-            </a:pPr>
             <a:r>
-              <a:rPr b="0" lang="en-US" sz="6000" spc="-1" strike="noStrike">
-                <a:solidFill>
-                  <a:srgbClr val="000000"/>
-                </a:solidFill>
-                <a:latin typeface="Calibri Light"/>
+              <a:rPr b="0" lang="en-IN" sz="1800" spc="-1" strike="noStrike">
+                <a:latin typeface="Arial"/>
               </a:rPr>
-              <a:t>Click </a:t>
+              <a:t>Click to edit </a:t>
             </a:r>
             <a:r>
-              <a:rPr b="0" lang="en-US" sz="6000" spc="-1" strike="noStrike">
-                <a:solidFill>
-                  <a:srgbClr val="000000"/>
-                </a:solidFill>
-                <a:latin typeface="Calibri Light"/>
+              <a:rPr b="0" lang="en-IN" sz="1800" spc="-1" strike="noStrike">
+                <a:latin typeface="Arial"/>
               </a:rPr>
-              <a:t>to edit </a:t>
+              <a:t>the title text </a:t>
             </a:r>
             <a:r>
-              <a:rPr b="0" lang="en-US" sz="6000" spc="-1" strike="noStrike">
-                <a:solidFill>
-                  <a:srgbClr val="000000"/>
-                </a:solidFill>
-                <a:latin typeface="Calibri Light"/>
+              <a:rPr b="0" lang="en-IN" sz="1800" spc="-1" strike="noStrike">
+                <a:latin typeface="Arial"/>
               </a:rPr>
-              <a:t>Maste</a:t>
+              <a:t>format</a:t>
             </a:r>
-            <a:r>
-              <a:rPr b="0" lang="en-US" sz="6000" spc="-1" strike="noStrike">
-                <a:solidFill>
-                  <a:srgbClr val="000000"/>
-                </a:solidFill>
-                <a:latin typeface="Calibri Light"/>
-              </a:rPr>
-              <a:t>r title </a:t>
-            </a:r>
-            <a:r>
-              <a:rPr b="0" lang="en-US" sz="6000" spc="-1" strike="noStrike">
-                <a:solidFill>
-                  <a:srgbClr val="000000"/>
-                </a:solidFill>
-                <a:latin typeface="Calibri Light"/>
-              </a:rPr>
-              <a:t>style</a:t>
-            </a:r>
-            <a:endParaRPr b="0" lang="en-US" sz="6000" spc="-1" strike="noStrike">
-              <a:solidFill>
-                <a:srgbClr val="000000"/>
-              </a:solidFill>
-              <a:latin typeface="Calibri"/>
+            <a:endParaRPr b="0" lang="en-IN" sz="1800" spc="-1" strike="noStrike">
+              <a:latin typeface="Arial"/>
             </a:endParaRPr>
           </a:p>
         </p:txBody>
@@ -1550,118 +1423,6 @@
       <p:sp>
         <p:nvSpPr>
           <p:cNvPr id="1" name="PlaceHolder 2"/>
-          <p:cNvSpPr>
-            <a:spLocks noGrp="1"/>
-          </p:cNvSpPr>
-          <p:nvPr>
-            <p:ph type="dt"/>
-          </p:nvPr>
-        </p:nvSpPr>
-        <p:spPr>
-          <a:xfrm>
-            <a:off x="838080" y="6356520"/>
-            <a:ext cx="2742840" cy="364680"/>
-          </a:xfrm>
-          <a:prstGeom prst="rect">
-            <a:avLst/>
-          </a:prstGeom>
-        </p:spPr>
-        <p:txBody>
-          <a:bodyPr anchor="ctr"/>
-          <a:p>
-            <a:pPr>
-              <a:lnSpc>
-                <a:spcPct val="100000"/>
-              </a:lnSpc>
-            </a:pPr>
-            <a:fld id="{2AD29252-D09C-477F-B571-DF827F49AB04}" type="datetime">
-              <a:rPr b="0" lang="en-IN" sz="1200" spc="-1" strike="noStrike">
-                <a:solidFill>
-                  <a:srgbClr val="8b8b8b"/>
-                </a:solidFill>
-                <a:latin typeface="Calibri"/>
-              </a:rPr>
-              <a:t>14/12/20</a:t>
-            </a:fld>
-            <a:endParaRPr b="0" lang="en-IN" sz="1200" spc="-1" strike="noStrike">
-              <a:latin typeface="Times New Roman"/>
-            </a:endParaRPr>
-          </a:p>
-        </p:txBody>
-      </p:sp>
-      <p:sp>
-        <p:nvSpPr>
-          <p:cNvPr id="2" name="PlaceHolder 3"/>
-          <p:cNvSpPr>
-            <a:spLocks noGrp="1"/>
-          </p:cNvSpPr>
-          <p:nvPr>
-            <p:ph type="ftr"/>
-          </p:nvPr>
-        </p:nvSpPr>
-        <p:spPr>
-          <a:xfrm>
-            <a:off x="4038480" y="6356520"/>
-            <a:ext cx="4114440" cy="364680"/>
-          </a:xfrm>
-          <a:prstGeom prst="rect">
-            <a:avLst/>
-          </a:prstGeom>
-        </p:spPr>
-        <p:txBody>
-          <a:bodyPr anchor="ctr"/>
-          <a:p>
-            <a:endParaRPr b="0" lang="en-IN" sz="2400" spc="-1" strike="noStrike">
-              <a:latin typeface="Times New Roman"/>
-            </a:endParaRPr>
-          </a:p>
-        </p:txBody>
-      </p:sp>
-      <p:sp>
-        <p:nvSpPr>
-          <p:cNvPr id="3" name="PlaceHolder 4"/>
-          <p:cNvSpPr>
-            <a:spLocks noGrp="1"/>
-          </p:cNvSpPr>
-          <p:nvPr>
-            <p:ph type="sldNum"/>
-          </p:nvPr>
-        </p:nvSpPr>
-        <p:spPr>
-          <a:xfrm>
-            <a:off x="8610480" y="6356520"/>
-            <a:ext cx="2742840" cy="364680"/>
-          </a:xfrm>
-          <a:prstGeom prst="rect">
-            <a:avLst/>
-          </a:prstGeom>
-        </p:spPr>
-        <p:txBody>
-          <a:bodyPr anchor="ctr"/>
-          <a:p>
-            <a:pPr algn="r">
-              <a:lnSpc>
-                <a:spcPct val="100000"/>
-              </a:lnSpc>
-            </a:pPr>
-            <a:fld id="{E4F9EC09-1FE4-47E9-87A4-27ECFE6ECEA7}" type="slidenum">
-              <a:rPr b="0" lang="en-IN" sz="1200" spc="-1" strike="noStrike">
-                <a:solidFill>
-                  <a:srgbClr val="8b8b8b"/>
-                </a:solidFill>
-                <a:latin typeface="Calibri"/>
-              </a:rPr>
-              <a:t>&lt;number&gt;</a:t>
-            </a:fld>
-            <a:endParaRPr b="0" lang="en-IN" sz="1200" spc="-1" strike="noStrike">
-              <a:latin typeface="Times New Roman"/>
-            </a:endParaRPr>
-          </a:p>
-        </p:txBody>
-      </p:sp>
-      <p:sp>
-        <p:nvSpPr>
-          <p:cNvPr id="4" name="PlaceHolder 5"/>
           <p:cNvSpPr>
             <a:spLocks noGrp="1"/>
           </p:cNvSpPr>
@@ -1695,19 +1456,13 @@
               <a:buChar char=""/>
             </a:pPr>
             <a:r>
-              <a:rPr b="0" lang="en-US" sz="2800" spc="-1" strike="noStrike">
-                <a:solidFill>
-                  <a:srgbClr val="000000"/>
-                </a:solidFill>
-                <a:latin typeface="Calibri"/>
+              <a:rPr b="0" lang="en-IN" sz="3200" spc="-1" strike="noStrike">
+                <a:latin typeface="Arial"/>
               </a:rPr>
               <a:t>Click to edit the outline text format</a:t>
             </a:r>
-            <a:endParaRPr b="0" lang="en-US" sz="2800" spc="-1" strike="noStrike">
-              <a:solidFill>
-                <a:srgbClr val="000000"/>
-              </a:solidFill>
-              <a:latin typeface="Calibri"/>
+            <a:endParaRPr b="0" lang="en-IN" sz="3200" spc="-1" strike="noStrike">
+              <a:latin typeface="Arial"/>
             </a:endParaRPr>
           </a:p>
           <a:p>
@@ -1723,19 +1478,13 @@
               <a:buChar char=""/>
             </a:pPr>
             <a:r>
-              <a:rPr b="0" lang="en-US" sz="2000" spc="-1" strike="noStrike">
-                <a:solidFill>
-                  <a:srgbClr val="000000"/>
-                </a:solidFill>
-                <a:latin typeface="Calibri"/>
+              <a:rPr b="0" lang="en-IN" sz="2800" spc="-1" strike="noStrike">
+                <a:latin typeface="Arial"/>
               </a:rPr>
               <a:t>Second Outline Level</a:t>
             </a:r>
-            <a:endParaRPr b="0" lang="en-US" sz="2000" spc="-1" strike="noStrike">
-              <a:solidFill>
-                <a:srgbClr val="000000"/>
-              </a:solidFill>
-              <a:latin typeface="Calibri"/>
+            <a:endParaRPr b="0" lang="en-IN" sz="2800" spc="-1" strike="noStrike">
+              <a:latin typeface="Arial"/>
             </a:endParaRPr>
           </a:p>
           <a:p>
@@ -1751,19 +1500,13 @@
               <a:buChar char=""/>
             </a:pPr>
             <a:r>
-              <a:rPr b="0" lang="en-US" sz="1800" spc="-1" strike="noStrike">
-                <a:solidFill>
-                  <a:srgbClr val="000000"/>
-                </a:solidFill>
-                <a:latin typeface="Calibri"/>
+              <a:rPr b="0" lang="en-IN" sz="2400" spc="-1" strike="noStrike">
+                <a:latin typeface="Arial"/>
               </a:rPr>
               <a:t>Third Outline Level</a:t>
             </a:r>
-            <a:endParaRPr b="0" lang="en-US" sz="1800" spc="-1" strike="noStrike">
-              <a:solidFill>
-                <a:srgbClr val="000000"/>
-              </a:solidFill>
-              <a:latin typeface="Calibri"/>
+            <a:endParaRPr b="0" lang="en-IN" sz="2400" spc="-1" strike="noStrike">
+              <a:latin typeface="Arial"/>
             </a:endParaRPr>
           </a:p>
           <a:p>
@@ -1779,19 +1522,13 @@
               <a:buChar char=""/>
             </a:pPr>
             <a:r>
-              <a:rPr b="0" lang="en-US" sz="1800" spc="-1" strike="noStrike">
-                <a:solidFill>
-                  <a:srgbClr val="000000"/>
-                </a:solidFill>
-                <a:latin typeface="Calibri"/>
+              <a:rPr b="0" lang="en-IN" sz="2000" spc="-1" strike="noStrike">
+                <a:latin typeface="Arial"/>
               </a:rPr>
               <a:t>Fourth Outline Level</a:t>
             </a:r>
-            <a:endParaRPr b="0" lang="en-US" sz="1800" spc="-1" strike="noStrike">
-              <a:solidFill>
-                <a:srgbClr val="000000"/>
-              </a:solidFill>
-              <a:latin typeface="Calibri"/>
+            <a:endParaRPr b="0" lang="en-IN" sz="2000" spc="-1" strike="noStrike">
+              <a:latin typeface="Arial"/>
             </a:endParaRPr>
           </a:p>
           <a:p>
@@ -1807,19 +1544,13 @@
               <a:buChar char=""/>
             </a:pPr>
             <a:r>
-              <a:rPr b="0" lang="en-US" sz="2000" spc="-1" strike="noStrike">
-                <a:solidFill>
-                  <a:srgbClr val="000000"/>
-                </a:solidFill>
-                <a:latin typeface="Calibri"/>
+              <a:rPr b="0" lang="en-IN" sz="2000" spc="-1" strike="noStrike">
+                <a:latin typeface="Arial"/>
               </a:rPr>
               <a:t>Fifth Outline Level</a:t>
             </a:r>
-            <a:endParaRPr b="0" lang="en-US" sz="2000" spc="-1" strike="noStrike">
-              <a:solidFill>
-                <a:srgbClr val="000000"/>
-              </a:solidFill>
-              <a:latin typeface="Calibri"/>
+            <a:endParaRPr b="0" lang="en-IN" sz="2000" spc="-1" strike="noStrike">
+              <a:latin typeface="Arial"/>
             </a:endParaRPr>
           </a:p>
           <a:p>
@@ -1835,19 +1566,13 @@
               <a:buChar char=""/>
             </a:pPr>
             <a:r>
-              <a:rPr b="0" lang="en-US" sz="2000" spc="-1" strike="noStrike">
-                <a:solidFill>
-                  <a:srgbClr val="000000"/>
-                </a:solidFill>
-                <a:latin typeface="Calibri"/>
+              <a:rPr b="0" lang="en-IN" sz="2000" spc="-1" strike="noStrike">
+                <a:latin typeface="Arial"/>
               </a:rPr>
               <a:t>Sixth Outline Level</a:t>
             </a:r>
-            <a:endParaRPr b="0" lang="en-US" sz="2000" spc="-1" strike="noStrike">
-              <a:solidFill>
-                <a:srgbClr val="000000"/>
-              </a:solidFill>
-              <a:latin typeface="Calibri"/>
+            <a:endParaRPr b="0" lang="en-IN" sz="2000" spc="-1" strike="noStrike">
+              <a:latin typeface="Arial"/>
             </a:endParaRPr>
           </a:p>
           <a:p>
@@ -1863,19 +1588,13 @@
               <a:buChar char=""/>
             </a:pPr>
             <a:r>
-              <a:rPr b="0" lang="en-US" sz="2000" spc="-1" strike="noStrike">
-                <a:solidFill>
-                  <a:srgbClr val="000000"/>
-                </a:solidFill>
-                <a:latin typeface="Calibri"/>
+              <a:rPr b="0" lang="en-IN" sz="2000" spc="-1" strike="noStrike">
+                <a:latin typeface="Arial"/>
               </a:rPr>
               <a:t>Seventh Outline Level</a:t>
             </a:r>
-            <a:endParaRPr b="0" lang="en-US" sz="2000" spc="-1" strike="noStrike">
-              <a:solidFill>
-                <a:srgbClr val="000000"/>
-              </a:solidFill>
-              <a:latin typeface="Calibri"/>
+            <a:endParaRPr b="0" lang="en-IN" sz="2000" spc="-1" strike="noStrike">
+              <a:latin typeface="Arial"/>
             </a:endParaRPr>
           </a:p>
         </p:txBody>
@@ -1919,14 +1638,14 @@
       </p:grpSpPr>
       <p:sp>
         <p:nvSpPr>
-          <p:cNvPr id="41" name="CustomShape 1"/>
+          <p:cNvPr id="38" name="CustomShape 1"/>
           <p:cNvSpPr/>
           <p:nvPr/>
         </p:nvSpPr>
         <p:spPr>
           <a:xfrm>
             <a:off x="118080" y="121680"/>
-            <a:ext cx="11965320" cy="6661080"/>
+            <a:ext cx="11964960" cy="6660720"/>
           </a:xfrm>
           <a:prstGeom prst="roundRect">
             <a:avLst>
@@ -1938,6 +1657,7 @@
             <a:solidFill>
               <a:srgbClr val="7030a0"/>
             </a:solidFill>
+            <a:round/>
           </a:ln>
         </p:spPr>
         <p:style>
@@ -1957,14 +1677,14 @@
       </p:sp>
       <p:sp>
         <p:nvSpPr>
-          <p:cNvPr id="42" name="CustomShape 2"/>
+          <p:cNvPr id="39" name="CustomShape 2"/>
           <p:cNvSpPr/>
           <p:nvPr/>
         </p:nvSpPr>
         <p:spPr>
           <a:xfrm>
             <a:off x="5029200" y="2864520"/>
-            <a:ext cx="1725840" cy="316800"/>
+            <a:ext cx="1725480" cy="316440"/>
           </a:xfrm>
           <a:prstGeom prst="rect">
             <a:avLst/>
@@ -1978,6 +1698,7 @@
                 <a:lumMod val="65000"/>
               </a:schemeClr>
             </a:solidFill>
+            <a:round/>
           </a:ln>
         </p:spPr>
         <p:style>
@@ -1997,14 +1718,14 @@
       </p:sp>
       <p:sp>
         <p:nvSpPr>
-          <p:cNvPr id="43" name="CustomShape 3"/>
+          <p:cNvPr id="40" name="CustomShape 3"/>
           <p:cNvSpPr/>
           <p:nvPr/>
         </p:nvSpPr>
         <p:spPr>
           <a:xfrm>
             <a:off x="4084200" y="2864520"/>
-            <a:ext cx="844920" cy="316800"/>
+            <a:ext cx="844560" cy="316440"/>
           </a:xfrm>
           <a:prstGeom prst="rect">
             <a:avLst/>
@@ -2042,6 +1763,7 @@
                   <a:srgbClr val="843c0b"/>
                 </a:solidFill>
                 <a:latin typeface="Calibri"/>
+                <a:ea typeface="DejaVu Sans"/>
               </a:rPr>
               <a:t>Username</a:t>
             </a:r>
@@ -2053,14 +1775,14 @@
       </p:sp>
       <p:sp>
         <p:nvSpPr>
-          <p:cNvPr id="44" name="CustomShape 4"/>
+          <p:cNvPr id="41" name="CustomShape 4"/>
           <p:cNvSpPr/>
           <p:nvPr/>
         </p:nvSpPr>
         <p:spPr>
           <a:xfrm>
             <a:off x="4084200" y="3270240"/>
-            <a:ext cx="844920" cy="316800"/>
+            <a:ext cx="844560" cy="316440"/>
           </a:xfrm>
           <a:prstGeom prst="rect">
             <a:avLst/>
@@ -2098,6 +1820,7 @@
                   <a:srgbClr val="843c0b"/>
                 </a:solidFill>
                 <a:latin typeface="Calibri"/>
+                <a:ea typeface="DejaVu Sans"/>
               </a:rPr>
               <a:t>User type</a:t>
             </a:r>
@@ -2109,14 +1832,14 @@
       </p:sp>
       <p:sp>
         <p:nvSpPr>
-          <p:cNvPr id="45" name="CustomShape 5"/>
+          <p:cNvPr id="42" name="CustomShape 5"/>
           <p:cNvSpPr/>
           <p:nvPr/>
         </p:nvSpPr>
         <p:spPr>
           <a:xfrm>
             <a:off x="5029200" y="3274920"/>
-            <a:ext cx="1725840" cy="316800"/>
+            <a:ext cx="1725480" cy="316440"/>
           </a:xfrm>
           <a:prstGeom prst="rect">
             <a:avLst/>
@@ -2130,6 +1853,7 @@
                 <a:lumMod val="75000"/>
               </a:schemeClr>
             </a:solidFill>
+            <a:round/>
           </a:ln>
         </p:spPr>
         <p:style>
@@ -2160,6 +1884,7 @@
                   <a:srgbClr val="000000"/>
                 </a:solidFill>
                 <a:latin typeface="Calibri"/>
+                <a:ea typeface="DejaVu Sans"/>
               </a:rPr>
               <a:t>Select User type</a:t>
             </a:r>
@@ -2171,19 +1896,21 @@
       </p:sp>
       <p:sp>
         <p:nvSpPr>
-          <p:cNvPr id="46" name="CustomShape 6"/>
+          <p:cNvPr id="43" name="CustomShape 6"/>
           <p:cNvSpPr/>
           <p:nvPr/>
         </p:nvSpPr>
         <p:spPr>
           <a:xfrm>
             <a:off x="6498360" y="3350880"/>
-            <a:ext cx="167040" cy="155880"/>
+            <a:ext cx="166680" cy="155520"/>
           </a:xfrm>
           <a:prstGeom prst="flowChartMerge">
             <a:avLst/>
           </a:prstGeom>
-          <a:ln/>
+          <a:ln>
+            <a:round/>
+          </a:ln>
         </p:spPr>
         <p:style>
           <a:lnRef idx="2">
@@ -2202,14 +1929,14 @@
       </p:sp>
       <p:sp>
         <p:nvSpPr>
-          <p:cNvPr id="47" name="CustomShape 7"/>
+          <p:cNvPr id="44" name="CustomShape 7"/>
           <p:cNvSpPr/>
           <p:nvPr/>
         </p:nvSpPr>
         <p:spPr>
           <a:xfrm>
             <a:off x="4084200" y="3642120"/>
-            <a:ext cx="844920" cy="316800"/>
+            <a:ext cx="844560" cy="316440"/>
           </a:xfrm>
           <a:prstGeom prst="rect">
             <a:avLst/>
@@ -2247,6 +1974,7 @@
                   <a:srgbClr val="843c0b"/>
                 </a:solidFill>
                 <a:latin typeface="Calibri"/>
+                <a:ea typeface="DejaVu Sans"/>
               </a:rPr>
               <a:t>Password</a:t>
             </a:r>
@@ -2258,14 +1986,14 @@
       </p:sp>
       <p:sp>
         <p:nvSpPr>
-          <p:cNvPr id="48" name="CustomShape 8"/>
+          <p:cNvPr id="45" name="CustomShape 8"/>
           <p:cNvSpPr/>
           <p:nvPr/>
         </p:nvSpPr>
         <p:spPr>
           <a:xfrm>
             <a:off x="5029200" y="3646800"/>
-            <a:ext cx="1725840" cy="316800"/>
+            <a:ext cx="1725480" cy="316440"/>
           </a:xfrm>
           <a:prstGeom prst="rect">
             <a:avLst/>
@@ -2279,6 +2007,7 @@
                 <a:lumMod val="75000"/>
               </a:schemeClr>
             </a:solidFill>
+            <a:round/>
           </a:ln>
         </p:spPr>
         <p:style>
@@ -2298,7 +2027,7 @@
       </p:sp>
       <p:pic>
         <p:nvPicPr>
-          <p:cNvPr id="49" name="Picture 2" descr=""/>
+          <p:cNvPr id="46" name="Picture 2" descr=""/>
           <p:cNvPicPr/>
           <p:nvPr/>
         </p:nvPicPr>
@@ -2309,7 +2038,7 @@
         <p:spPr>
           <a:xfrm>
             <a:off x="629640" y="368640"/>
-            <a:ext cx="1208160" cy="716760"/>
+            <a:ext cx="1207800" cy="716400"/>
           </a:xfrm>
           <a:prstGeom prst="rect">
             <a:avLst/>
@@ -2321,14 +2050,14 @@
       </p:pic>
       <p:sp>
         <p:nvSpPr>
-          <p:cNvPr id="50" name="CustomShape 9"/>
+          <p:cNvPr id="47" name="CustomShape 9"/>
           <p:cNvSpPr/>
           <p:nvPr/>
         </p:nvSpPr>
         <p:spPr>
           <a:xfrm>
             <a:off x="3271680" y="2194560"/>
-            <a:ext cx="4866120" cy="2316240"/>
+            <a:ext cx="4865760" cy="2315880"/>
           </a:xfrm>
           <a:prstGeom prst="roundRect">
             <a:avLst>
@@ -2342,6 +2071,7 @@
                 <a:lumMod val="85000"/>
               </a:schemeClr>
             </a:solidFill>
+            <a:round/>
           </a:ln>
         </p:spPr>
         <p:style>
@@ -2361,14 +2091,14 @@
       </p:sp>
       <p:sp>
         <p:nvSpPr>
-          <p:cNvPr id="51" name="CustomShape 10"/>
+          <p:cNvPr id="48" name="CustomShape 10"/>
           <p:cNvSpPr/>
           <p:nvPr/>
         </p:nvSpPr>
         <p:spPr>
           <a:xfrm>
             <a:off x="3454560" y="2009880"/>
-            <a:ext cx="1725840" cy="638280"/>
+            <a:ext cx="1725480" cy="637920"/>
           </a:xfrm>
           <a:prstGeom prst="rect">
             <a:avLst/>
@@ -2400,6 +2130,7 @@
                   <a:srgbClr val="000000"/>
                 </a:solidFill>
                 <a:latin typeface="Calibri"/>
+                <a:ea typeface="DejaVu Sans"/>
               </a:rPr>
               <a:t>User Login form</a:t>
             </a:r>
@@ -2411,14 +2142,14 @@
       </p:sp>
       <p:sp>
         <p:nvSpPr>
-          <p:cNvPr id="52" name="CustomShape 11"/>
+          <p:cNvPr id="49" name="CustomShape 11"/>
           <p:cNvSpPr/>
           <p:nvPr/>
         </p:nvSpPr>
         <p:spPr>
           <a:xfrm>
             <a:off x="6997320" y="4060080"/>
-            <a:ext cx="860400" cy="318240"/>
+            <a:ext cx="860040" cy="317880"/>
           </a:xfrm>
           <a:prstGeom prst="roundRect">
             <a:avLst>
@@ -2462,6 +2193,7 @@
                   <a:srgbClr val="ffffff"/>
                 </a:solidFill>
                 <a:latin typeface="Calibri"/>
+                <a:ea typeface="DejaVu Sans"/>
               </a:rPr>
               <a:t>Login</a:t>
             </a:r>
@@ -2473,14 +2205,14 @@
       </p:sp>
       <p:sp>
         <p:nvSpPr>
-          <p:cNvPr id="53" name="CustomShape 12"/>
+          <p:cNvPr id="50" name="CustomShape 12"/>
           <p:cNvSpPr/>
           <p:nvPr/>
         </p:nvSpPr>
         <p:spPr>
           <a:xfrm>
             <a:off x="3646440" y="4060080"/>
-            <a:ext cx="860400" cy="318240"/>
+            <a:ext cx="860040" cy="317880"/>
           </a:xfrm>
           <a:prstGeom prst="roundRect">
             <a:avLst>
@@ -2524,6 +2256,7 @@
                   <a:srgbClr val="ffffff"/>
                 </a:solidFill>
                 <a:latin typeface="Calibri"/>
+                <a:ea typeface="DejaVu Sans"/>
               </a:rPr>
               <a:t>Clear</a:t>
             </a:r>
@@ -2535,14 +2268,14 @@
       </p:sp>
       <p:sp>
         <p:nvSpPr>
-          <p:cNvPr id="54" name="CustomShape 13"/>
+          <p:cNvPr id="51" name="CustomShape 13"/>
           <p:cNvSpPr/>
           <p:nvPr/>
         </p:nvSpPr>
         <p:spPr>
           <a:xfrm>
             <a:off x="6441480" y="3270240"/>
-            <a:ext cx="313560" cy="316800"/>
+            <a:ext cx="313200" cy="316440"/>
           </a:xfrm>
           <a:prstGeom prst="rect">
             <a:avLst/>
@@ -2554,6 +2287,7 @@
                 <a:lumMod val="75000"/>
               </a:schemeClr>
             </a:solidFill>
+            <a:round/>
           </a:ln>
         </p:spPr>
         <p:style>
@@ -2622,14 +2356,14 @@
       </p:grpSpPr>
       <p:sp>
         <p:nvSpPr>
-          <p:cNvPr id="55" name="CustomShape 1"/>
+          <p:cNvPr id="52" name="CustomShape 1"/>
           <p:cNvSpPr/>
           <p:nvPr/>
         </p:nvSpPr>
         <p:spPr>
           <a:xfrm>
             <a:off x="118080" y="121680"/>
-            <a:ext cx="11965320" cy="6661080"/>
+            <a:ext cx="11964960" cy="6660720"/>
           </a:xfrm>
           <a:prstGeom prst="roundRect">
             <a:avLst>
@@ -2641,6 +2375,7 @@
             <a:solidFill>
               <a:srgbClr val="33cc33"/>
             </a:solidFill>
+            <a:round/>
           </a:ln>
         </p:spPr>
         <p:style>
@@ -2660,7 +2395,7 @@
       </p:sp>
       <p:pic>
         <p:nvPicPr>
-          <p:cNvPr id="56" name="Picture 2" descr=""/>
+          <p:cNvPr id="53" name="Picture 2" descr=""/>
           <p:cNvPicPr/>
           <p:nvPr/>
         </p:nvPicPr>
@@ -2671,7 +2406,7 @@
         <p:spPr>
           <a:xfrm>
             <a:off x="629640" y="368640"/>
-            <a:ext cx="1208160" cy="716760"/>
+            <a:ext cx="1207800" cy="716400"/>
           </a:xfrm>
           <a:prstGeom prst="rect">
             <a:avLst/>
@@ -2683,7 +2418,7 @@
       </p:pic>
       <p:sp>
         <p:nvSpPr>
-          <p:cNvPr id="57" name="Line 2"/>
+          <p:cNvPr id="54" name="Line 2"/>
           <p:cNvSpPr/>
           <p:nvPr/>
         </p:nvSpPr>
@@ -2699,6 +2434,7 @@
             <a:solidFill>
               <a:srgbClr val="33cc33"/>
             </a:solidFill>
+            <a:round/>
           </a:ln>
         </p:spPr>
         <p:style>
@@ -2716,14 +2452,14 @@
       </p:sp>
       <p:sp>
         <p:nvSpPr>
-          <p:cNvPr id="58" name="CustomShape 3"/>
+          <p:cNvPr id="55" name="CustomShape 3"/>
           <p:cNvSpPr/>
           <p:nvPr/>
         </p:nvSpPr>
         <p:spPr>
           <a:xfrm>
             <a:off x="10180440" y="138600"/>
-            <a:ext cx="1725120" cy="603720"/>
+            <a:ext cx="1724760" cy="603360"/>
           </a:xfrm>
           <a:prstGeom prst="rect">
             <a:avLst/>
@@ -2761,6 +2497,7 @@
                   <a:srgbClr val="33cc33"/>
                 </a:solidFill>
                 <a:latin typeface="Calibri"/>
+                <a:ea typeface="DejaVu Sans"/>
               </a:rPr>
               <a:t>User: Arul</a:t>
             </a:r>
@@ -2780,6 +2517,7 @@
                   <a:srgbClr val="33cc33"/>
                 </a:solidFill>
                 <a:latin typeface="Calibri"/>
+                <a:ea typeface="DejaVu Sans"/>
               </a:rPr>
               <a:t>Type: Technician</a:t>
             </a:r>
@@ -2791,7 +2529,7 @@
       </p:sp>
       <p:sp>
         <p:nvSpPr>
-          <p:cNvPr id="59" name="Line 4"/>
+          <p:cNvPr id="56" name="Line 4"/>
           <p:cNvSpPr/>
           <p:nvPr/>
         </p:nvSpPr>
@@ -2807,6 +2545,7 @@
             <a:solidFill>
               <a:srgbClr val="33cc33"/>
             </a:solidFill>
+            <a:round/>
           </a:ln>
         </p:spPr>
         <p:style>
@@ -2824,14 +2563,14 @@
       </p:sp>
       <p:sp>
         <p:nvSpPr>
-          <p:cNvPr id="60" name="CustomShape 5"/>
+          <p:cNvPr id="57" name="CustomShape 5"/>
           <p:cNvSpPr/>
           <p:nvPr/>
         </p:nvSpPr>
         <p:spPr>
           <a:xfrm>
             <a:off x="2394720" y="2003400"/>
-            <a:ext cx="1769400" cy="272880"/>
+            <a:ext cx="1769040" cy="272520"/>
           </a:xfrm>
           <a:prstGeom prst="rect">
             <a:avLst/>
@@ -2861,6 +2600,7 @@
                   <a:srgbClr val="000000"/>
                 </a:solidFill>
                 <a:latin typeface="Calibri"/>
+                <a:ea typeface="DejaVu Sans"/>
               </a:rPr>
               <a:t>Patient ID :</a:t>
             </a:r>
@@ -2872,14 +2612,14 @@
       </p:sp>
       <p:sp>
         <p:nvSpPr>
-          <p:cNvPr id="61" name="CustomShape 6"/>
+          <p:cNvPr id="58" name="CustomShape 6"/>
           <p:cNvSpPr/>
           <p:nvPr/>
         </p:nvSpPr>
         <p:spPr>
           <a:xfrm>
             <a:off x="2793240" y="1377000"/>
-            <a:ext cx="8913240" cy="5042160"/>
+            <a:ext cx="8912880" cy="5041800"/>
           </a:xfrm>
           <a:prstGeom prst="roundRect">
             <a:avLst>
@@ -2891,6 +2631,7 @@
             <a:solidFill>
               <a:srgbClr val="00b0f0"/>
             </a:solidFill>
+            <a:round/>
           </a:ln>
         </p:spPr>
         <p:style>
@@ -2910,14 +2651,14 @@
       </p:sp>
       <p:sp>
         <p:nvSpPr>
-          <p:cNvPr id="62" name="CustomShape 7"/>
+          <p:cNvPr id="59" name="CustomShape 7"/>
           <p:cNvSpPr/>
           <p:nvPr/>
         </p:nvSpPr>
         <p:spPr>
           <a:xfrm>
             <a:off x="4326120" y="2003400"/>
-            <a:ext cx="1769400" cy="454680"/>
+            <a:ext cx="1769040" cy="454320"/>
           </a:xfrm>
           <a:prstGeom prst="rect">
             <a:avLst/>
@@ -2949,6 +2690,7 @@
                   <a:srgbClr val="000000"/>
                 </a:solidFill>
                 <a:latin typeface="Calibri"/>
+                <a:ea typeface="DejaVu Sans"/>
               </a:rPr>
               <a:t>SWCA00005 (automatic)</a:t>
             </a:r>
@@ -2960,14 +2702,14 @@
       </p:sp>
       <p:sp>
         <p:nvSpPr>
-          <p:cNvPr id="63" name="CustomShape 8"/>
+          <p:cNvPr id="60" name="CustomShape 8"/>
           <p:cNvSpPr/>
           <p:nvPr/>
         </p:nvSpPr>
         <p:spPr>
           <a:xfrm>
             <a:off x="2394720" y="2375640"/>
-            <a:ext cx="1769400" cy="272880"/>
+            <a:ext cx="1769040" cy="272520"/>
           </a:xfrm>
           <a:prstGeom prst="rect">
             <a:avLst/>
@@ -2997,6 +2739,7 @@
                   <a:srgbClr val="000000"/>
                 </a:solidFill>
                 <a:latin typeface="Calibri"/>
+                <a:ea typeface="DejaVu Sans"/>
               </a:rPr>
               <a:t>Patient Name :</a:t>
             </a:r>
@@ -3008,14 +2751,14 @@
       </p:sp>
       <p:sp>
         <p:nvSpPr>
-          <p:cNvPr id="64" name="CustomShape 9"/>
+          <p:cNvPr id="61" name="CustomShape 9"/>
           <p:cNvSpPr/>
           <p:nvPr/>
         </p:nvSpPr>
         <p:spPr>
           <a:xfrm>
             <a:off x="2394720" y="3483360"/>
-            <a:ext cx="1769400" cy="272880"/>
+            <a:ext cx="1769040" cy="272520"/>
           </a:xfrm>
           <a:prstGeom prst="rect">
             <a:avLst/>
@@ -3045,6 +2788,7 @@
                   <a:srgbClr val="000000"/>
                 </a:solidFill>
                 <a:latin typeface="Calibri"/>
+                <a:ea typeface="DejaVu Sans"/>
               </a:rPr>
               <a:t>DOB: </a:t>
             </a:r>
@@ -3056,14 +2800,14 @@
       </p:sp>
       <p:sp>
         <p:nvSpPr>
-          <p:cNvPr id="65" name="CustomShape 10"/>
+          <p:cNvPr id="62" name="CustomShape 10"/>
           <p:cNvSpPr/>
           <p:nvPr/>
         </p:nvSpPr>
         <p:spPr>
           <a:xfrm>
             <a:off x="2394720" y="2745000"/>
-            <a:ext cx="1769400" cy="272880"/>
+            <a:ext cx="1769040" cy="272520"/>
           </a:xfrm>
           <a:prstGeom prst="rect">
             <a:avLst/>
@@ -3093,6 +2837,7 @@
                   <a:srgbClr val="000000"/>
                 </a:solidFill>
                 <a:latin typeface="Calibri"/>
+                <a:ea typeface="DejaVu Sans"/>
               </a:rPr>
               <a:t>Gender:</a:t>
             </a:r>
@@ -3104,14 +2849,14 @@
       </p:sp>
       <p:sp>
         <p:nvSpPr>
-          <p:cNvPr id="66" name="CustomShape 11"/>
+          <p:cNvPr id="63" name="CustomShape 11"/>
           <p:cNvSpPr/>
           <p:nvPr/>
         </p:nvSpPr>
         <p:spPr>
           <a:xfrm>
             <a:off x="2369520" y="5485320"/>
-            <a:ext cx="1928880" cy="369000"/>
+            <a:ext cx="1928520" cy="368640"/>
           </a:xfrm>
           <a:prstGeom prst="rect">
             <a:avLst/>
@@ -3141,6 +2886,7 @@
                   <a:srgbClr val="000000"/>
                 </a:solidFill>
                 <a:latin typeface="Calibri"/>
+                <a:ea typeface="DejaVu Sans"/>
               </a:rPr>
               <a:t>Collection Date:</a:t>
             </a:r>
@@ -3152,14 +2898,14 @@
       </p:sp>
       <p:sp>
         <p:nvSpPr>
-          <p:cNvPr id="67" name="CustomShape 12"/>
+          <p:cNvPr id="64" name="CustomShape 12"/>
           <p:cNvSpPr/>
           <p:nvPr/>
         </p:nvSpPr>
         <p:spPr>
           <a:xfrm>
             <a:off x="2369520" y="5739480"/>
-            <a:ext cx="1928880" cy="399600"/>
+            <a:ext cx="1928520" cy="399240"/>
           </a:xfrm>
           <a:prstGeom prst="rect">
             <a:avLst/>
@@ -3189,6 +2935,7 @@
                   <a:srgbClr val="000000"/>
                 </a:solidFill>
                 <a:latin typeface="Calibri"/>
+                <a:ea typeface="DejaVu Sans"/>
               </a:rPr>
               <a:t> </a:t>
             </a:r>
@@ -3198,6 +2945,7 @@
                   <a:srgbClr val="000000"/>
                 </a:solidFill>
                 <a:latin typeface="Calibri"/>
+                <a:ea typeface="DejaVu Sans"/>
               </a:rPr>
               <a:t>Received Date: </a:t>
             </a:r>
@@ -3209,14 +2957,14 @@
       </p:sp>
       <p:sp>
         <p:nvSpPr>
-          <p:cNvPr id="68" name="CustomShape 13"/>
+          <p:cNvPr id="65" name="CustomShape 13"/>
           <p:cNvSpPr/>
           <p:nvPr/>
         </p:nvSpPr>
         <p:spPr>
           <a:xfrm>
             <a:off x="2369520" y="5198760"/>
-            <a:ext cx="1928880" cy="399600"/>
+            <a:ext cx="1928520" cy="399240"/>
           </a:xfrm>
           <a:prstGeom prst="rect">
             <a:avLst/>
@@ -3246,6 +2994,7 @@
                   <a:srgbClr val="000000"/>
                 </a:solidFill>
                 <a:latin typeface="Calibri"/>
+                <a:ea typeface="DejaVu Sans"/>
               </a:rPr>
               <a:t> </a:t>
             </a:r>
@@ -3255,6 +3004,7 @@
                   <a:srgbClr val="000000"/>
                 </a:solidFill>
                 <a:latin typeface="Calibri"/>
+                <a:ea typeface="DejaVu Sans"/>
               </a:rPr>
               <a:t>Order By: </a:t>
             </a:r>
@@ -3266,14 +3016,14 @@
       </p:sp>
       <p:sp>
         <p:nvSpPr>
-          <p:cNvPr id="69" name="CustomShape 14"/>
+          <p:cNvPr id="66" name="CustomShape 14"/>
           <p:cNvSpPr/>
           <p:nvPr/>
         </p:nvSpPr>
         <p:spPr>
           <a:xfrm>
             <a:off x="2369520" y="6027840"/>
-            <a:ext cx="1928880" cy="369000"/>
+            <a:ext cx="1928520" cy="368640"/>
           </a:xfrm>
           <a:prstGeom prst="rect">
             <a:avLst/>
@@ -3303,6 +3053,7 @@
                   <a:srgbClr val="000000"/>
                 </a:solidFill>
                 <a:latin typeface="Calibri"/>
+                <a:ea typeface="DejaVu Sans"/>
               </a:rPr>
               <a:t>Report Generated: </a:t>
             </a:r>
@@ -3314,14 +3065,14 @@
       </p:sp>
       <p:sp>
         <p:nvSpPr>
-          <p:cNvPr id="70" name="CustomShape 15"/>
+          <p:cNvPr id="67" name="CustomShape 15"/>
           <p:cNvSpPr/>
           <p:nvPr/>
         </p:nvSpPr>
         <p:spPr>
           <a:xfrm>
             <a:off x="2394720" y="3114000"/>
-            <a:ext cx="1769400" cy="272880"/>
+            <a:ext cx="1769040" cy="272520"/>
           </a:xfrm>
           <a:prstGeom prst="rect">
             <a:avLst/>
@@ -3351,6 +3102,7 @@
                   <a:srgbClr val="000000"/>
                 </a:solidFill>
                 <a:latin typeface="Calibri"/>
+                <a:ea typeface="DejaVu Sans"/>
               </a:rPr>
               <a:t>Ethnicity:</a:t>
             </a:r>
@@ -3362,14 +3114,14 @@
       </p:sp>
       <p:sp>
         <p:nvSpPr>
-          <p:cNvPr id="71" name="CustomShape 16"/>
+          <p:cNvPr id="68" name="CustomShape 16"/>
           <p:cNvSpPr/>
           <p:nvPr/>
         </p:nvSpPr>
         <p:spPr>
           <a:xfrm>
             <a:off x="2814840" y="3849840"/>
-            <a:ext cx="1461240" cy="272880"/>
+            <a:ext cx="1460880" cy="272520"/>
           </a:xfrm>
           <a:prstGeom prst="rect">
             <a:avLst/>
@@ -3399,6 +3151,7 @@
                   <a:srgbClr val="000000"/>
                 </a:solidFill>
                 <a:latin typeface="Calibri"/>
+                <a:ea typeface="DejaVu Sans"/>
               </a:rPr>
               <a:t>Contact number:</a:t>
             </a:r>
@@ -3410,14 +3163,14 @@
       </p:sp>
       <p:sp>
         <p:nvSpPr>
-          <p:cNvPr id="72" name="CustomShape 17"/>
+          <p:cNvPr id="69" name="CustomShape 17"/>
           <p:cNvSpPr/>
           <p:nvPr/>
         </p:nvSpPr>
         <p:spPr>
           <a:xfrm>
             <a:off x="2394720" y="4222080"/>
-            <a:ext cx="1769400" cy="272880"/>
+            <a:ext cx="1769040" cy="272520"/>
           </a:xfrm>
           <a:prstGeom prst="rect">
             <a:avLst/>
@@ -3447,6 +3200,7 @@
                   <a:srgbClr val="000000"/>
                 </a:solidFill>
                 <a:latin typeface="Calibri"/>
+                <a:ea typeface="DejaVu Sans"/>
               </a:rPr>
               <a:t>Email ID:</a:t>
             </a:r>
@@ -3458,14 +3212,14 @@
       </p:sp>
       <p:sp>
         <p:nvSpPr>
-          <p:cNvPr id="73" name="CustomShape 18"/>
+          <p:cNvPr id="70" name="CustomShape 18"/>
           <p:cNvSpPr/>
           <p:nvPr/>
         </p:nvSpPr>
         <p:spPr>
           <a:xfrm>
             <a:off x="2394720" y="4597560"/>
-            <a:ext cx="1769400" cy="272880"/>
+            <a:ext cx="1769040" cy="272520"/>
           </a:xfrm>
           <a:prstGeom prst="rect">
             <a:avLst/>
@@ -3495,6 +3249,7 @@
                   <a:srgbClr val="000000"/>
                 </a:solidFill>
                 <a:latin typeface="Calibri"/>
+                <a:ea typeface="DejaVu Sans"/>
               </a:rPr>
               <a:t>Address:</a:t>
             </a:r>
@@ -3506,14 +3261,14 @@
       </p:sp>
       <p:sp>
         <p:nvSpPr>
-          <p:cNvPr id="74" name="CustomShape 19"/>
+          <p:cNvPr id="71" name="CustomShape 19"/>
           <p:cNvSpPr/>
           <p:nvPr/>
         </p:nvSpPr>
         <p:spPr>
           <a:xfrm>
             <a:off x="2926800" y="1446120"/>
-            <a:ext cx="2752200" cy="272880"/>
+            <a:ext cx="2751840" cy="272520"/>
           </a:xfrm>
           <a:prstGeom prst="rect">
             <a:avLst/>
@@ -3543,6 +3298,7 @@
                   <a:srgbClr val="00b0f0"/>
                 </a:solidFill>
                 <a:latin typeface="Georgia"/>
+                <a:ea typeface="DejaVu Sans"/>
               </a:rPr>
               <a:t>PERSONAL DETAILS</a:t>
             </a:r>
@@ -3554,14 +3310,14 @@
       </p:sp>
       <p:sp>
         <p:nvSpPr>
-          <p:cNvPr id="75" name="CustomShape 20"/>
+          <p:cNvPr id="72" name="CustomShape 20"/>
           <p:cNvSpPr/>
           <p:nvPr/>
         </p:nvSpPr>
         <p:spPr>
           <a:xfrm>
             <a:off x="2926800" y="4880520"/>
-            <a:ext cx="2206080" cy="272880"/>
+            <a:ext cx="2205720" cy="272520"/>
           </a:xfrm>
           <a:prstGeom prst="rect">
             <a:avLst/>
@@ -3591,6 +3347,7 @@
                   <a:srgbClr val="00b0f0"/>
                 </a:solidFill>
                 <a:latin typeface="Georgia"/>
+                <a:ea typeface="DejaVu Sans"/>
               </a:rPr>
               <a:t>LABORATORY INFO</a:t>
             </a:r>
@@ -3602,14 +3359,14 @@
       </p:sp>
       <p:sp>
         <p:nvSpPr>
-          <p:cNvPr id="76" name="CustomShape 21"/>
+          <p:cNvPr id="73" name="CustomShape 21"/>
           <p:cNvSpPr/>
           <p:nvPr/>
         </p:nvSpPr>
         <p:spPr>
           <a:xfrm>
             <a:off x="4326120" y="2375640"/>
-            <a:ext cx="1769400" cy="272880"/>
+            <a:ext cx="1769040" cy="272520"/>
           </a:xfrm>
           <a:prstGeom prst="rect">
             <a:avLst/>
@@ -3641,6 +3398,7 @@
                   <a:srgbClr val="000000"/>
                 </a:solidFill>
                 <a:latin typeface="Calibri"/>
+                <a:ea typeface="DejaVu Sans"/>
               </a:rPr>
               <a:t>First name</a:t>
             </a:r>
@@ -3652,14 +3410,14 @@
       </p:sp>
       <p:sp>
         <p:nvSpPr>
-          <p:cNvPr id="77" name="CustomShape 22"/>
+          <p:cNvPr id="74" name="CustomShape 22"/>
           <p:cNvSpPr/>
           <p:nvPr/>
         </p:nvSpPr>
         <p:spPr>
           <a:xfrm>
             <a:off x="4326120" y="3483360"/>
-            <a:ext cx="1769400" cy="276480"/>
+            <a:ext cx="1769040" cy="276120"/>
           </a:xfrm>
           <a:prstGeom prst="rect">
             <a:avLst/>
@@ -3680,14 +3438,14 @@
       </p:sp>
       <p:sp>
         <p:nvSpPr>
-          <p:cNvPr id="78" name="CustomShape 23"/>
+          <p:cNvPr id="75" name="CustomShape 23"/>
           <p:cNvSpPr/>
           <p:nvPr/>
         </p:nvSpPr>
         <p:spPr>
           <a:xfrm>
             <a:off x="4326120" y="2745000"/>
-            <a:ext cx="1769400" cy="276480"/>
+            <a:ext cx="1769040" cy="276120"/>
           </a:xfrm>
           <a:prstGeom prst="rect">
             <a:avLst/>
@@ -3708,14 +3466,14 @@
       </p:sp>
       <p:sp>
         <p:nvSpPr>
-          <p:cNvPr id="79" name="CustomShape 24"/>
+          <p:cNvPr id="76" name="CustomShape 24"/>
           <p:cNvSpPr/>
           <p:nvPr/>
         </p:nvSpPr>
         <p:spPr>
           <a:xfrm>
             <a:off x="4326120" y="3114000"/>
-            <a:ext cx="1769400" cy="276480"/>
+            <a:ext cx="1769040" cy="276120"/>
           </a:xfrm>
           <a:prstGeom prst="rect">
             <a:avLst/>
@@ -3736,14 +3494,14 @@
       </p:sp>
       <p:sp>
         <p:nvSpPr>
-          <p:cNvPr id="80" name="CustomShape 25"/>
+          <p:cNvPr id="77" name="CustomShape 25"/>
           <p:cNvSpPr/>
           <p:nvPr/>
         </p:nvSpPr>
         <p:spPr>
           <a:xfrm>
             <a:off x="4326120" y="3849840"/>
-            <a:ext cx="1769400" cy="276480"/>
+            <a:ext cx="1769040" cy="276120"/>
           </a:xfrm>
           <a:prstGeom prst="rect">
             <a:avLst/>
@@ -3764,14 +3522,14 @@
       </p:sp>
       <p:sp>
         <p:nvSpPr>
-          <p:cNvPr id="81" name="CustomShape 26"/>
+          <p:cNvPr id="78" name="CustomShape 26"/>
           <p:cNvSpPr/>
           <p:nvPr/>
         </p:nvSpPr>
         <p:spPr>
           <a:xfrm>
             <a:off x="4326120" y="4222080"/>
-            <a:ext cx="1769400" cy="276480"/>
+            <a:ext cx="1769040" cy="276120"/>
           </a:xfrm>
           <a:prstGeom prst="rect">
             <a:avLst/>
@@ -3792,14 +3550,14 @@
       </p:sp>
       <p:sp>
         <p:nvSpPr>
-          <p:cNvPr id="82" name="CustomShape 27"/>
+          <p:cNvPr id="79" name="CustomShape 27"/>
           <p:cNvSpPr/>
           <p:nvPr/>
         </p:nvSpPr>
         <p:spPr>
           <a:xfrm>
             <a:off x="4326120" y="4597560"/>
-            <a:ext cx="1769400" cy="276480"/>
+            <a:ext cx="1769040" cy="276120"/>
           </a:xfrm>
           <a:prstGeom prst="rect">
             <a:avLst/>
@@ -3820,14 +3578,14 @@
       </p:sp>
       <p:sp>
         <p:nvSpPr>
-          <p:cNvPr id="83" name="CustomShape 28"/>
+          <p:cNvPr id="80" name="CustomShape 28"/>
           <p:cNvSpPr/>
           <p:nvPr/>
         </p:nvSpPr>
         <p:spPr>
           <a:xfrm>
             <a:off x="4349520" y="5485320"/>
-            <a:ext cx="1769400" cy="255240"/>
+            <a:ext cx="1769040" cy="254880"/>
           </a:xfrm>
           <a:prstGeom prst="rect">
             <a:avLst/>
@@ -3848,14 +3606,14 @@
       </p:sp>
       <p:sp>
         <p:nvSpPr>
-          <p:cNvPr id="84" name="CustomShape 29"/>
+          <p:cNvPr id="81" name="CustomShape 29"/>
           <p:cNvSpPr/>
           <p:nvPr/>
         </p:nvSpPr>
         <p:spPr>
           <a:xfrm>
             <a:off x="4349520" y="5739480"/>
-            <a:ext cx="1769400" cy="276480"/>
+            <a:ext cx="1769040" cy="276120"/>
           </a:xfrm>
           <a:prstGeom prst="rect">
             <a:avLst/>
@@ -3876,14 +3634,14 @@
       </p:sp>
       <p:sp>
         <p:nvSpPr>
-          <p:cNvPr id="85" name="CustomShape 30"/>
+          <p:cNvPr id="82" name="CustomShape 30"/>
           <p:cNvSpPr/>
           <p:nvPr/>
         </p:nvSpPr>
         <p:spPr>
           <a:xfrm>
             <a:off x="4349520" y="5198760"/>
-            <a:ext cx="1769400" cy="276480"/>
+            <a:ext cx="1769040" cy="276120"/>
           </a:xfrm>
           <a:prstGeom prst="rect">
             <a:avLst/>
@@ -3904,14 +3662,14 @@
       </p:sp>
       <p:sp>
         <p:nvSpPr>
-          <p:cNvPr id="86" name="CustomShape 31"/>
+          <p:cNvPr id="83" name="CustomShape 31"/>
           <p:cNvSpPr/>
           <p:nvPr/>
         </p:nvSpPr>
         <p:spPr>
           <a:xfrm>
             <a:off x="4349520" y="6027840"/>
-            <a:ext cx="1769400" cy="255240"/>
+            <a:ext cx="1769040" cy="254880"/>
           </a:xfrm>
           <a:prstGeom prst="rect">
             <a:avLst/>
@@ -3932,7 +3690,7 @@
       </p:sp>
       <p:sp>
         <p:nvSpPr>
-          <p:cNvPr id="87" name="Line 32"/>
+          <p:cNvPr id="84" name="Line 32"/>
           <p:cNvSpPr/>
           <p:nvPr/>
         </p:nvSpPr>
@@ -3944,7 +3702,12 @@
           <a:prstGeom prst="line">
             <a:avLst/>
           </a:prstGeom>
-          <a:ln/>
+          <a:ln>
+            <a:solidFill>
+              <a:srgbClr val="3f6ec2"/>
+            </a:solidFill>
+            <a:round/>
+          </a:ln>
         </p:spPr>
         <p:style>
           <a:lnRef idx="1">
@@ -3961,14 +3724,14 @@
       </p:sp>
       <p:sp>
         <p:nvSpPr>
-          <p:cNvPr id="88" name="CustomShape 33"/>
+          <p:cNvPr id="85" name="CustomShape 33"/>
           <p:cNvSpPr/>
           <p:nvPr/>
         </p:nvSpPr>
         <p:spPr>
           <a:xfrm>
             <a:off x="489600" y="1490040"/>
-            <a:ext cx="1448640" cy="410400"/>
+            <a:ext cx="1448280" cy="410040"/>
           </a:xfrm>
           <a:prstGeom prst="roundRect">
             <a:avLst>
@@ -4012,6 +3775,7 @@
                   <a:srgbClr val="ffffff"/>
                 </a:solidFill>
                 <a:latin typeface="Calibri"/>
+                <a:ea typeface="DejaVu Sans"/>
               </a:rPr>
               <a:t>Add Patient</a:t>
             </a:r>
@@ -4023,14 +3787,14 @@
       </p:sp>
       <p:sp>
         <p:nvSpPr>
-          <p:cNvPr id="89" name="CustomShape 34"/>
+          <p:cNvPr id="86" name="CustomShape 34"/>
           <p:cNvSpPr/>
           <p:nvPr/>
         </p:nvSpPr>
         <p:spPr>
           <a:xfrm>
             <a:off x="9379080" y="6017040"/>
-            <a:ext cx="1053360" cy="290880"/>
+            <a:ext cx="1053000" cy="290520"/>
           </a:xfrm>
           <a:prstGeom prst="roundRect">
             <a:avLst>
@@ -4074,6 +3838,7 @@
                   <a:srgbClr val="ffffff"/>
                 </a:solidFill>
                 <a:latin typeface="Calibri"/>
+                <a:ea typeface="DejaVu Sans"/>
               </a:rPr>
               <a:t>Save</a:t>
             </a:r>
@@ -4085,14 +3850,14 @@
       </p:sp>
       <p:sp>
         <p:nvSpPr>
-          <p:cNvPr id="90" name="CustomShape 35"/>
+          <p:cNvPr id="87" name="CustomShape 35"/>
           <p:cNvSpPr/>
           <p:nvPr/>
         </p:nvSpPr>
         <p:spPr>
           <a:xfrm>
             <a:off x="11062080" y="793080"/>
-            <a:ext cx="843480" cy="255600"/>
+            <a:ext cx="843120" cy="255240"/>
           </a:xfrm>
           <a:prstGeom prst="roundRect">
             <a:avLst>
@@ -4136,6 +3901,7 @@
                   <a:srgbClr val="ffffff"/>
                 </a:solidFill>
                 <a:latin typeface="Calibri"/>
+                <a:ea typeface="DejaVu Sans"/>
               </a:rPr>
               <a:t>Logout</a:t>
             </a:r>
@@ -4147,14 +3913,14 @@
       </p:sp>
       <p:sp>
         <p:nvSpPr>
-          <p:cNvPr id="91" name="CustomShape 36"/>
+          <p:cNvPr id="88" name="CustomShape 36"/>
           <p:cNvSpPr/>
           <p:nvPr/>
         </p:nvSpPr>
         <p:spPr>
           <a:xfrm>
             <a:off x="7153200" y="1655640"/>
-            <a:ext cx="2752200" cy="272880"/>
+            <a:ext cx="2751840" cy="272520"/>
           </a:xfrm>
           <a:prstGeom prst="rect">
             <a:avLst/>
@@ -4184,6 +3950,7 @@
                   <a:srgbClr val="00b0f0"/>
                 </a:solidFill>
                 <a:latin typeface="Georgia"/>
+                <a:ea typeface="DejaVu Sans"/>
               </a:rPr>
               <a:t>ADDITIONAL DETAILS</a:t>
             </a:r>
@@ -4195,14 +3962,14 @@
       </p:sp>
       <p:sp>
         <p:nvSpPr>
-          <p:cNvPr id="92" name="CustomShape 37"/>
+          <p:cNvPr id="89" name="CustomShape 37"/>
           <p:cNvSpPr/>
           <p:nvPr/>
         </p:nvSpPr>
         <p:spPr>
           <a:xfrm>
             <a:off x="6427800" y="2001240"/>
-            <a:ext cx="1769400" cy="272880"/>
+            <a:ext cx="1769040" cy="272520"/>
           </a:xfrm>
           <a:prstGeom prst="rect">
             <a:avLst/>
@@ -4232,6 +3999,7 @@
                   <a:srgbClr val="000000"/>
                 </a:solidFill>
                 <a:latin typeface="Calibri"/>
+                <a:ea typeface="DejaVu Sans"/>
               </a:rPr>
               <a:t>Age:</a:t>
             </a:r>
@@ -4243,14 +4011,14 @@
       </p:sp>
       <p:sp>
         <p:nvSpPr>
-          <p:cNvPr id="93" name="CustomShape 38"/>
+          <p:cNvPr id="90" name="CustomShape 38"/>
           <p:cNvSpPr/>
           <p:nvPr/>
         </p:nvSpPr>
         <p:spPr>
           <a:xfrm>
             <a:off x="8359200" y="2001240"/>
-            <a:ext cx="1769400" cy="272880"/>
+            <a:ext cx="1769040" cy="272520"/>
           </a:xfrm>
           <a:prstGeom prst="rect">
             <a:avLst/>
@@ -4282,6 +4050,7 @@
                   <a:srgbClr val="000000"/>
                 </a:solidFill>
                 <a:latin typeface="Calibri"/>
+                <a:ea typeface="DejaVu Sans"/>
               </a:rPr>
               <a:t>--from DOB--</a:t>
             </a:r>
@@ -4293,14 +4062,14 @@
       </p:sp>
       <p:sp>
         <p:nvSpPr>
-          <p:cNvPr id="94" name="CustomShape 39"/>
+          <p:cNvPr id="91" name="CustomShape 39"/>
           <p:cNvSpPr/>
           <p:nvPr/>
         </p:nvSpPr>
         <p:spPr>
           <a:xfrm>
             <a:off x="6427800" y="2283840"/>
-            <a:ext cx="1769400" cy="272880"/>
+            <a:ext cx="1769040" cy="272520"/>
           </a:xfrm>
           <a:prstGeom prst="rect">
             <a:avLst/>
@@ -4330,6 +4099,7 @@
                   <a:srgbClr val="000000"/>
                 </a:solidFill>
                 <a:latin typeface="Calibri"/>
+                <a:ea typeface="DejaVu Sans"/>
               </a:rPr>
               <a:t>Weight:</a:t>
             </a:r>
@@ -4341,14 +4111,14 @@
       </p:sp>
       <p:sp>
         <p:nvSpPr>
-          <p:cNvPr id="95" name="CustomShape 40"/>
+          <p:cNvPr id="92" name="CustomShape 40"/>
           <p:cNvSpPr/>
           <p:nvPr/>
         </p:nvSpPr>
         <p:spPr>
           <a:xfrm>
             <a:off x="8359200" y="2283840"/>
-            <a:ext cx="1769400" cy="276480"/>
+            <a:ext cx="1769040" cy="276120"/>
           </a:xfrm>
           <a:prstGeom prst="rect">
             <a:avLst/>
@@ -4369,14 +4139,14 @@
       </p:sp>
       <p:sp>
         <p:nvSpPr>
-          <p:cNvPr id="96" name="CustomShape 41"/>
+          <p:cNvPr id="93" name="CustomShape 41"/>
           <p:cNvSpPr/>
           <p:nvPr/>
         </p:nvSpPr>
         <p:spPr>
           <a:xfrm>
             <a:off x="6427800" y="2561040"/>
-            <a:ext cx="1769400" cy="272880"/>
+            <a:ext cx="1769040" cy="272520"/>
           </a:xfrm>
           <a:prstGeom prst="rect">
             <a:avLst/>
@@ -4406,6 +4176,7 @@
                   <a:srgbClr val="000000"/>
                 </a:solidFill>
                 <a:latin typeface="Calibri"/>
+                <a:ea typeface="DejaVu Sans"/>
               </a:rPr>
               <a:t>Height:</a:t>
             </a:r>
@@ -4417,14 +4188,14 @@
       </p:sp>
       <p:sp>
         <p:nvSpPr>
-          <p:cNvPr id="97" name="CustomShape 42"/>
+          <p:cNvPr id="94" name="CustomShape 42"/>
           <p:cNvSpPr/>
           <p:nvPr/>
         </p:nvSpPr>
         <p:spPr>
           <a:xfrm>
             <a:off x="8359200" y="2561040"/>
-            <a:ext cx="1769400" cy="276480"/>
+            <a:ext cx="1769040" cy="276120"/>
           </a:xfrm>
           <a:prstGeom prst="rect">
             <a:avLst/>
@@ -4445,14 +4216,14 @@
       </p:sp>
       <p:sp>
         <p:nvSpPr>
-          <p:cNvPr id="98" name="CustomShape 43"/>
+          <p:cNvPr id="95" name="CustomShape 43"/>
           <p:cNvSpPr/>
           <p:nvPr/>
         </p:nvSpPr>
         <p:spPr>
           <a:xfrm>
             <a:off x="6427800" y="2831760"/>
-            <a:ext cx="1769400" cy="272880"/>
+            <a:ext cx="1769040" cy="272520"/>
           </a:xfrm>
           <a:prstGeom prst="rect">
             <a:avLst/>
@@ -4482,6 +4253,7 @@
                   <a:srgbClr val="000000"/>
                 </a:solidFill>
                 <a:latin typeface="Calibri"/>
+                <a:ea typeface="DejaVu Sans"/>
               </a:rPr>
               <a:t>BMI:</a:t>
             </a:r>
@@ -4493,14 +4265,14 @@
       </p:sp>
       <p:sp>
         <p:nvSpPr>
-          <p:cNvPr id="99" name="CustomShape 44"/>
+          <p:cNvPr id="96" name="CustomShape 44"/>
           <p:cNvSpPr/>
           <p:nvPr/>
         </p:nvSpPr>
         <p:spPr>
           <a:xfrm>
             <a:off x="8359200" y="2831760"/>
-            <a:ext cx="1769400" cy="272880"/>
+            <a:ext cx="1769040" cy="272520"/>
           </a:xfrm>
           <a:prstGeom prst="rect">
             <a:avLst/>
@@ -4532,6 +4304,7 @@
                   <a:srgbClr val="000000"/>
                 </a:solidFill>
                 <a:latin typeface="Calibri"/>
+                <a:ea typeface="DejaVu Sans"/>
               </a:rPr>
               <a:t>---by formula--</a:t>
             </a:r>
@@ -4543,14 +4316,14 @@
       </p:sp>
       <p:sp>
         <p:nvSpPr>
-          <p:cNvPr id="100" name="CustomShape 45"/>
+          <p:cNvPr id="97" name="CustomShape 45"/>
           <p:cNvSpPr/>
           <p:nvPr/>
         </p:nvSpPr>
         <p:spPr>
           <a:xfrm>
             <a:off x="6433920" y="3114000"/>
-            <a:ext cx="1769400" cy="272880"/>
+            <a:ext cx="1769040" cy="272520"/>
           </a:xfrm>
           <a:prstGeom prst="rect">
             <a:avLst/>
@@ -4580,6 +4353,7 @@
                   <a:srgbClr val="000000"/>
                 </a:solidFill>
                 <a:latin typeface="Calibri"/>
+                <a:ea typeface="DejaVu Sans"/>
               </a:rPr>
               <a:t>Allergic to</a:t>
             </a:r>
@@ -4591,14 +4365,14 @@
       </p:sp>
       <p:sp>
         <p:nvSpPr>
-          <p:cNvPr id="101" name="CustomShape 46"/>
+          <p:cNvPr id="98" name="CustomShape 46"/>
           <p:cNvSpPr/>
           <p:nvPr/>
         </p:nvSpPr>
         <p:spPr>
           <a:xfrm>
             <a:off x="8365680" y="3114000"/>
-            <a:ext cx="1769400" cy="276480"/>
+            <a:ext cx="1769040" cy="276120"/>
           </a:xfrm>
           <a:prstGeom prst="rect">
             <a:avLst/>
@@ -4619,14 +4393,14 @@
       </p:sp>
       <p:sp>
         <p:nvSpPr>
-          <p:cNvPr id="102" name="CustomShape 47"/>
+          <p:cNvPr id="99" name="CustomShape 47"/>
           <p:cNvSpPr/>
           <p:nvPr/>
         </p:nvSpPr>
         <p:spPr>
           <a:xfrm>
             <a:off x="6441120" y="3396960"/>
-            <a:ext cx="1769400" cy="272880"/>
+            <a:ext cx="1769040" cy="272520"/>
           </a:xfrm>
           <a:prstGeom prst="rect">
             <a:avLst/>
@@ -4656,6 +4430,7 @@
                   <a:srgbClr val="000000"/>
                 </a:solidFill>
                 <a:latin typeface="Calibri"/>
+                <a:ea typeface="DejaVu Sans"/>
               </a:rPr>
               <a:t>Additional 1:</a:t>
             </a:r>
@@ -4667,14 +4442,14 @@
       </p:sp>
       <p:sp>
         <p:nvSpPr>
-          <p:cNvPr id="103" name="CustomShape 48"/>
+          <p:cNvPr id="100" name="CustomShape 48"/>
           <p:cNvSpPr/>
           <p:nvPr/>
         </p:nvSpPr>
         <p:spPr>
           <a:xfrm>
             <a:off x="8372520" y="3396960"/>
-            <a:ext cx="1769400" cy="276480"/>
+            <a:ext cx="1769040" cy="276120"/>
           </a:xfrm>
           <a:prstGeom prst="rect">
             <a:avLst/>
@@ -4695,14 +4470,14 @@
       </p:sp>
       <p:sp>
         <p:nvSpPr>
-          <p:cNvPr id="104" name="CustomShape 49"/>
+          <p:cNvPr id="101" name="CustomShape 49"/>
           <p:cNvSpPr/>
           <p:nvPr/>
         </p:nvSpPr>
         <p:spPr>
           <a:xfrm>
             <a:off x="6441840" y="3682800"/>
-            <a:ext cx="1769400" cy="272880"/>
+            <a:ext cx="1769040" cy="272520"/>
           </a:xfrm>
           <a:prstGeom prst="rect">
             <a:avLst/>
@@ -4732,6 +4507,7 @@
                   <a:srgbClr val="000000"/>
                 </a:solidFill>
                 <a:latin typeface="Calibri"/>
+                <a:ea typeface="DejaVu Sans"/>
               </a:rPr>
               <a:t>Additional 2:</a:t>
             </a:r>
@@ -4743,14 +4519,14 @@
       </p:sp>
       <p:sp>
         <p:nvSpPr>
-          <p:cNvPr id="105" name="CustomShape 50"/>
+          <p:cNvPr id="102" name="CustomShape 50"/>
           <p:cNvSpPr/>
           <p:nvPr/>
         </p:nvSpPr>
         <p:spPr>
           <a:xfrm>
             <a:off x="8373600" y="3682800"/>
-            <a:ext cx="1769400" cy="276480"/>
+            <a:ext cx="1769040" cy="276120"/>
           </a:xfrm>
           <a:prstGeom prst="rect">
             <a:avLst/>
@@ -4771,14 +4547,14 @@
       </p:sp>
       <p:sp>
         <p:nvSpPr>
-          <p:cNvPr id="106" name="CustomShape 51"/>
+          <p:cNvPr id="103" name="CustomShape 51"/>
           <p:cNvSpPr/>
           <p:nvPr/>
         </p:nvSpPr>
         <p:spPr>
           <a:xfrm>
             <a:off x="6448680" y="3965400"/>
-            <a:ext cx="1769400" cy="272880"/>
+            <a:ext cx="1769040" cy="272520"/>
           </a:xfrm>
           <a:prstGeom prst="rect">
             <a:avLst/>
@@ -4808,6 +4584,7 @@
                   <a:srgbClr val="000000"/>
                 </a:solidFill>
                 <a:latin typeface="Calibri"/>
+                <a:ea typeface="DejaVu Sans"/>
               </a:rPr>
               <a:t>Additional 3:</a:t>
             </a:r>
@@ -4819,14 +4596,14 @@
       </p:sp>
       <p:sp>
         <p:nvSpPr>
-          <p:cNvPr id="107" name="CustomShape 52"/>
+          <p:cNvPr id="104" name="CustomShape 52"/>
           <p:cNvSpPr/>
           <p:nvPr/>
         </p:nvSpPr>
         <p:spPr>
           <a:xfrm>
             <a:off x="8380440" y="3965400"/>
-            <a:ext cx="1769400" cy="276480"/>
+            <a:ext cx="1769040" cy="276120"/>
           </a:xfrm>
           <a:prstGeom prst="rect">
             <a:avLst/>
@@ -4847,14 +4624,14 @@
       </p:sp>
       <p:sp>
         <p:nvSpPr>
-          <p:cNvPr id="108" name="CustomShape 53"/>
+          <p:cNvPr id="105" name="CustomShape 53"/>
           <p:cNvSpPr/>
           <p:nvPr/>
         </p:nvSpPr>
         <p:spPr>
           <a:xfrm>
             <a:off x="6448680" y="4239000"/>
-            <a:ext cx="1769400" cy="272880"/>
+            <a:ext cx="1769040" cy="272520"/>
           </a:xfrm>
           <a:prstGeom prst="rect">
             <a:avLst/>
@@ -4884,6 +4661,7 @@
                   <a:srgbClr val="000000"/>
                 </a:solidFill>
                 <a:latin typeface="Calibri"/>
+                <a:ea typeface="DejaVu Sans"/>
               </a:rPr>
               <a:t>Remarks:</a:t>
             </a:r>
@@ -4895,14 +4673,14 @@
       </p:sp>
       <p:sp>
         <p:nvSpPr>
-          <p:cNvPr id="109" name="CustomShape 54"/>
+          <p:cNvPr id="106" name="CustomShape 54"/>
           <p:cNvSpPr/>
           <p:nvPr/>
         </p:nvSpPr>
         <p:spPr>
           <a:xfrm>
             <a:off x="8380440" y="4239000"/>
-            <a:ext cx="1769400" cy="276480"/>
+            <a:ext cx="1769040" cy="276120"/>
           </a:xfrm>
           <a:prstGeom prst="rect">
             <a:avLst/>
@@ -4923,14 +4701,14 @@
       </p:sp>
       <p:sp>
         <p:nvSpPr>
-          <p:cNvPr id="110" name="CustomShape 55"/>
+          <p:cNvPr id="107" name="CustomShape 55"/>
           <p:cNvSpPr/>
           <p:nvPr/>
         </p:nvSpPr>
         <p:spPr>
           <a:xfrm>
             <a:off x="7289280" y="4603680"/>
-            <a:ext cx="2752200" cy="272880"/>
+            <a:ext cx="2751840" cy="272520"/>
           </a:xfrm>
           <a:prstGeom prst="rect">
             <a:avLst/>
@@ -4960,6 +4738,7 @@
                   <a:srgbClr val="00b0f0"/>
                 </a:solidFill>
                 <a:latin typeface="Georgia"/>
+                <a:ea typeface="DejaVu Sans"/>
               </a:rPr>
               <a:t>TEST REQUEST</a:t>
             </a:r>
@@ -4971,14 +4750,14 @@
       </p:sp>
       <p:sp>
         <p:nvSpPr>
-          <p:cNvPr id="111" name="CustomShape 56"/>
+          <p:cNvPr id="108" name="CustomShape 56"/>
           <p:cNvSpPr/>
           <p:nvPr/>
         </p:nvSpPr>
         <p:spPr>
           <a:xfrm>
             <a:off x="6774840" y="5040720"/>
-            <a:ext cx="1130760" cy="454680"/>
+            <a:ext cx="1130400" cy="454320"/>
           </a:xfrm>
           <a:prstGeom prst="rect">
             <a:avLst/>
@@ -5008,6 +4787,7 @@
                   <a:srgbClr val="000000"/>
                 </a:solidFill>
                 <a:latin typeface="Calibri"/>
+                <a:ea typeface="DejaVu Sans"/>
               </a:rPr>
               <a:t>Genetic report:</a:t>
             </a:r>
@@ -5019,14 +4799,14 @@
       </p:sp>
       <p:sp>
         <p:nvSpPr>
-          <p:cNvPr id="112" name="CustomShape 57"/>
+          <p:cNvPr id="109" name="CustomShape 57"/>
           <p:cNvSpPr/>
           <p:nvPr/>
         </p:nvSpPr>
         <p:spPr>
           <a:xfrm>
             <a:off x="7891560" y="5055840"/>
-            <a:ext cx="254880" cy="225360"/>
+            <a:ext cx="254520" cy="225000"/>
           </a:xfrm>
           <a:prstGeom prst="rect">
             <a:avLst/>
@@ -5038,6 +4818,7 @@
             <a:solidFill>
               <a:schemeClr val="tx1"/>
             </a:solidFill>
+            <a:round/>
           </a:ln>
         </p:spPr>
         <p:style>
@@ -5057,14 +4838,14 @@
       </p:sp>
       <p:sp>
         <p:nvSpPr>
-          <p:cNvPr id="113" name="CustomShape 58"/>
+          <p:cNvPr id="110" name="CustomShape 58"/>
           <p:cNvSpPr/>
           <p:nvPr/>
         </p:nvSpPr>
         <p:spPr>
           <a:xfrm>
             <a:off x="6774840" y="5307120"/>
-            <a:ext cx="1130760" cy="454680"/>
+            <a:ext cx="1130400" cy="454320"/>
           </a:xfrm>
           <a:prstGeom prst="rect">
             <a:avLst/>
@@ -5094,6 +4875,7 @@
                   <a:srgbClr val="000000"/>
                 </a:solidFill>
                 <a:latin typeface="Calibri"/>
+                <a:ea typeface="DejaVu Sans"/>
               </a:rPr>
               <a:t>Fitness report:</a:t>
             </a:r>
@@ -5105,14 +4887,14 @@
       </p:sp>
       <p:sp>
         <p:nvSpPr>
-          <p:cNvPr id="114" name="CustomShape 59"/>
+          <p:cNvPr id="111" name="CustomShape 59"/>
           <p:cNvSpPr/>
           <p:nvPr/>
         </p:nvSpPr>
         <p:spPr>
           <a:xfrm>
             <a:off x="7891560" y="5322240"/>
-            <a:ext cx="254880" cy="225360"/>
+            <a:ext cx="254520" cy="225000"/>
           </a:xfrm>
           <a:prstGeom prst="rect">
             <a:avLst/>
@@ -5124,6 +4906,7 @@
             <a:solidFill>
               <a:schemeClr val="tx1"/>
             </a:solidFill>
+            <a:round/>
           </a:ln>
         </p:spPr>
         <p:style>
@@ -5143,14 +4926,14 @@
       </p:sp>
       <p:sp>
         <p:nvSpPr>
-          <p:cNvPr id="115" name="CustomShape 60"/>
+          <p:cNvPr id="112" name="CustomShape 60"/>
           <p:cNvSpPr/>
           <p:nvPr/>
         </p:nvSpPr>
         <p:spPr>
           <a:xfrm>
             <a:off x="6614280" y="5598720"/>
-            <a:ext cx="1291320" cy="454680"/>
+            <a:ext cx="1290960" cy="454320"/>
           </a:xfrm>
           <a:prstGeom prst="rect">
             <a:avLst/>
@@ -5180,6 +4963,7 @@
                   <a:srgbClr val="000000"/>
                 </a:solidFill>
                 <a:latin typeface="Calibri"/>
+                <a:ea typeface="DejaVu Sans"/>
               </a:rPr>
               <a:t>Exercise report:</a:t>
             </a:r>
@@ -5191,14 +4975,14 @@
       </p:sp>
       <p:sp>
         <p:nvSpPr>
-          <p:cNvPr id="116" name="CustomShape 61"/>
+          <p:cNvPr id="113" name="CustomShape 61"/>
           <p:cNvSpPr/>
           <p:nvPr/>
         </p:nvSpPr>
         <p:spPr>
           <a:xfrm>
             <a:off x="7891560" y="5613840"/>
-            <a:ext cx="254880" cy="225360"/>
+            <a:ext cx="254520" cy="225000"/>
           </a:xfrm>
           <a:prstGeom prst="rect">
             <a:avLst/>
@@ -5210,6 +4994,7 @@
             <a:solidFill>
               <a:schemeClr val="tx1"/>
             </a:solidFill>
+            <a:round/>
           </a:ln>
         </p:spPr>
         <p:style>
@@ -5229,14 +5014,14 @@
       </p:sp>
       <p:sp>
         <p:nvSpPr>
-          <p:cNvPr id="117" name="CustomShape 62"/>
+          <p:cNvPr id="114" name="CustomShape 62"/>
           <p:cNvSpPr/>
           <p:nvPr/>
         </p:nvSpPr>
         <p:spPr>
           <a:xfrm>
             <a:off x="10516320" y="6009840"/>
-            <a:ext cx="1053360" cy="290880"/>
+            <a:ext cx="1053000" cy="290520"/>
           </a:xfrm>
           <a:prstGeom prst="roundRect">
             <a:avLst>
@@ -5280,6 +5065,7 @@
                   <a:srgbClr val="ffffff"/>
                 </a:solidFill>
                 <a:latin typeface="Calibri"/>
+                <a:ea typeface="DejaVu Sans"/>
               </a:rPr>
               <a:t>Exit</a:t>
             </a:r>
@@ -5291,14 +5077,14 @@
       </p:sp>
       <p:sp>
         <p:nvSpPr>
-          <p:cNvPr id="118" name="CustomShape 63"/>
+          <p:cNvPr id="115" name="CustomShape 63"/>
           <p:cNvSpPr/>
           <p:nvPr/>
         </p:nvSpPr>
         <p:spPr>
           <a:xfrm>
             <a:off x="5177160" y="2379240"/>
-            <a:ext cx="924480" cy="282600"/>
+            <a:ext cx="924120" cy="282240"/>
           </a:xfrm>
           <a:prstGeom prst="rect">
             <a:avLst/>
@@ -5330,6 +5116,7 @@
                   <a:srgbClr val="000000"/>
                 </a:solidFill>
                 <a:latin typeface="Calibri"/>
+                <a:ea typeface="DejaVu Sans"/>
               </a:rPr>
               <a:t>Last name</a:t>
             </a:r>
@@ -5341,14 +5128,14 @@
       </p:sp>
       <p:sp>
         <p:nvSpPr>
-          <p:cNvPr id="119" name="CustomShape 64"/>
+          <p:cNvPr id="116" name="CustomShape 64"/>
           <p:cNvSpPr/>
           <p:nvPr/>
         </p:nvSpPr>
         <p:spPr>
           <a:xfrm>
             <a:off x="2394720" y="1692000"/>
-            <a:ext cx="1769400" cy="272880"/>
+            <a:ext cx="1769040" cy="272520"/>
           </a:xfrm>
           <a:prstGeom prst="rect">
             <a:avLst/>
@@ -5378,6 +5165,7 @@
                   <a:srgbClr val="000000"/>
                 </a:solidFill>
                 <a:latin typeface="Calibri"/>
+                <a:ea typeface="DejaVu Sans"/>
               </a:rPr>
               <a:t>Date:</a:t>
             </a:r>
@@ -5389,14 +5177,14 @@
       </p:sp>
       <p:sp>
         <p:nvSpPr>
-          <p:cNvPr id="120" name="CustomShape 65"/>
+          <p:cNvPr id="117" name="CustomShape 65"/>
           <p:cNvSpPr/>
           <p:nvPr/>
         </p:nvSpPr>
         <p:spPr>
           <a:xfrm>
             <a:off x="4326120" y="1692000"/>
-            <a:ext cx="1769400" cy="272880"/>
+            <a:ext cx="1769040" cy="272520"/>
           </a:xfrm>
           <a:prstGeom prst="rect">
             <a:avLst/>
@@ -5428,6 +5216,7 @@
                   <a:srgbClr val="000000"/>
                 </a:solidFill>
                 <a:latin typeface="Calibri"/>
+                <a:ea typeface="DejaVu Sans"/>
               </a:rPr>
               <a:t>--automatic--</a:t>
             </a:r>
@@ -5488,14 +5277,14 @@
       </p:grpSpPr>
       <p:sp>
         <p:nvSpPr>
-          <p:cNvPr id="121" name="CustomShape 1"/>
+          <p:cNvPr id="118" name="CustomShape 1"/>
           <p:cNvSpPr/>
           <p:nvPr/>
         </p:nvSpPr>
         <p:spPr>
           <a:xfrm>
             <a:off x="118080" y="121680"/>
-            <a:ext cx="11965320" cy="6661080"/>
+            <a:ext cx="11964960" cy="6660720"/>
           </a:xfrm>
           <a:prstGeom prst="roundRect">
             <a:avLst>
@@ -5507,6 +5296,7 @@
             <a:solidFill>
               <a:srgbClr val="33cc33"/>
             </a:solidFill>
+            <a:round/>
           </a:ln>
         </p:spPr>
         <p:style>
@@ -5526,7 +5316,7 @@
       </p:sp>
       <p:pic>
         <p:nvPicPr>
-          <p:cNvPr id="122" name="Picture 2" descr=""/>
+          <p:cNvPr id="119" name="Picture 2" descr=""/>
           <p:cNvPicPr/>
           <p:nvPr/>
         </p:nvPicPr>
@@ -5537,7 +5327,7 @@
         <p:spPr>
           <a:xfrm>
             <a:off x="629640" y="368640"/>
-            <a:ext cx="1208160" cy="716760"/>
+            <a:ext cx="1207800" cy="716400"/>
           </a:xfrm>
           <a:prstGeom prst="rect">
             <a:avLst/>
@@ -5549,7 +5339,7 @@
       </p:pic>
       <p:sp>
         <p:nvSpPr>
-          <p:cNvPr id="123" name="Line 2"/>
+          <p:cNvPr id="120" name="Line 2"/>
           <p:cNvSpPr/>
           <p:nvPr/>
         </p:nvSpPr>
@@ -5565,6 +5355,7 @@
             <a:solidFill>
               <a:srgbClr val="33cc33"/>
             </a:solidFill>
+            <a:round/>
           </a:ln>
         </p:spPr>
         <p:style>
@@ -5582,14 +5373,14 @@
       </p:sp>
       <p:sp>
         <p:nvSpPr>
-          <p:cNvPr id="124" name="CustomShape 3"/>
+          <p:cNvPr id="121" name="CustomShape 3"/>
           <p:cNvSpPr/>
           <p:nvPr/>
         </p:nvSpPr>
         <p:spPr>
           <a:xfrm>
             <a:off x="10180440" y="138600"/>
-            <a:ext cx="1725120" cy="603720"/>
+            <a:ext cx="1724760" cy="603360"/>
           </a:xfrm>
           <a:prstGeom prst="rect">
             <a:avLst/>
@@ -5627,6 +5418,7 @@
                   <a:srgbClr val="33cc33"/>
                 </a:solidFill>
                 <a:latin typeface="Calibri"/>
+                <a:ea typeface="DejaVu Sans"/>
               </a:rPr>
               <a:t>User: Arul</a:t>
             </a:r>
@@ -5646,6 +5438,7 @@
                   <a:srgbClr val="33cc33"/>
                 </a:solidFill>
                 <a:latin typeface="Calibri"/>
+                <a:ea typeface="DejaVu Sans"/>
               </a:rPr>
               <a:t>Type: Technician</a:t>
             </a:r>
@@ -5657,7 +5450,7 @@
       </p:sp>
       <p:sp>
         <p:nvSpPr>
-          <p:cNvPr id="125" name="Line 4"/>
+          <p:cNvPr id="122" name="Line 4"/>
           <p:cNvSpPr/>
           <p:nvPr/>
         </p:nvSpPr>
@@ -5673,6 +5466,7 @@
             <a:solidFill>
               <a:srgbClr val="33cc33"/>
             </a:solidFill>
+            <a:round/>
           </a:ln>
         </p:spPr>
         <p:style>
@@ -5690,14 +5484,14 @@
       </p:sp>
       <p:sp>
         <p:nvSpPr>
-          <p:cNvPr id="126" name="CustomShape 5"/>
+          <p:cNvPr id="123" name="CustomShape 5"/>
           <p:cNvSpPr/>
           <p:nvPr/>
         </p:nvSpPr>
         <p:spPr>
           <a:xfrm>
             <a:off x="489600" y="1490040"/>
-            <a:ext cx="1448640" cy="410400"/>
+            <a:ext cx="1448280" cy="410040"/>
           </a:xfrm>
           <a:prstGeom prst="roundRect">
             <a:avLst>
@@ -5741,6 +5535,7 @@
                   <a:srgbClr val="ffffff"/>
                 </a:solidFill>
                 <a:latin typeface="Calibri"/>
+                <a:ea typeface="DejaVu Sans"/>
               </a:rPr>
               <a:t>Add Patient</a:t>
             </a:r>
@@ -5752,14 +5547,14 @@
       </p:sp>
       <p:sp>
         <p:nvSpPr>
-          <p:cNvPr id="127" name="CustomShape 6"/>
+          <p:cNvPr id="124" name="CustomShape 6"/>
           <p:cNvSpPr/>
           <p:nvPr/>
         </p:nvSpPr>
         <p:spPr>
           <a:xfrm>
             <a:off x="11062080" y="793080"/>
-            <a:ext cx="843480" cy="255600"/>
+            <a:ext cx="843120" cy="255240"/>
           </a:xfrm>
           <a:prstGeom prst="roundRect">
             <a:avLst>
@@ -5803,6 +5598,7 @@
                   <a:srgbClr val="ffffff"/>
                 </a:solidFill>
                 <a:latin typeface="Calibri"/>
+                <a:ea typeface="DejaVu Sans"/>
               </a:rPr>
               <a:t>Logout</a:t>
             </a:r>
@@ -5814,14 +5610,14 @@
       </p:sp>
       <p:sp>
         <p:nvSpPr>
-          <p:cNvPr id="128" name="CustomShape 7"/>
+          <p:cNvPr id="125" name="CustomShape 7"/>
           <p:cNvSpPr/>
           <p:nvPr/>
         </p:nvSpPr>
         <p:spPr>
           <a:xfrm>
             <a:off x="489600" y="2015640"/>
-            <a:ext cx="1448640" cy="410400"/>
+            <a:ext cx="1448280" cy="410040"/>
           </a:xfrm>
           <a:prstGeom prst="roundRect">
             <a:avLst>
@@ -5865,6 +5661,7 @@
                   <a:srgbClr val="ffffff"/>
                 </a:solidFill>
                 <a:latin typeface="Calibri"/>
+                <a:ea typeface="DejaVu Sans"/>
               </a:rPr>
               <a:t>Analysis</a:t>
             </a:r>
@@ -5876,13 +5673,13 @@
       </p:sp>
       <p:graphicFrame>
         <p:nvGraphicFramePr>
-          <p:cNvPr id="129" name="Table 8"/>
+          <p:cNvPr id="126" name="Table 8"/>
           <p:cNvGraphicFramePr/>
           <p:nvPr/>
         </p:nvGraphicFramePr>
         <p:xfrm>
           <a:off x="2697480" y="1695600"/>
-          <a:ext cx="8678880" cy="2904120"/>
+          <a:ext cx="8678520" cy="2903760"/>
         </p:xfrm>
         <a:graphic>
           <a:graphicData uri="http://schemas.openxmlformats.org/drawingml/2006/table">
@@ -5910,7 +5707,7 @@
               <a:tr h="414720">
                 <a:tc>
                   <a:txBody>
-                    <a:bodyPr lIns="5760" rIns="5760" tIns="5760" bIns="0" anchor="ctr"/>
+                    <a:bodyPr lIns="5760" rIns="5760"/>
                     <a:p>
                       <a:pPr algn="ctr">
                         <a:lnSpc>
@@ -5959,7 +5756,7 @@
                 </a:tc>
                 <a:tc>
                   <a:txBody>
-                    <a:bodyPr lIns="5760" rIns="5760" tIns="5760" bIns="0" anchor="ctr"/>
+                    <a:bodyPr lIns="5760" rIns="5760"/>
                     <a:p>
                       <a:pPr algn="ctr">
                         <a:lnSpc>
@@ -6008,7 +5805,7 @@
                 </a:tc>
                 <a:tc>
                   <a:txBody>
-                    <a:bodyPr lIns="5760" rIns="5760" tIns="5760" bIns="0" anchor="ctr"/>
+                    <a:bodyPr lIns="5760" rIns="5760"/>
                     <a:p>
                       <a:pPr algn="ctr">
                         <a:lnSpc>
@@ -6057,7 +5854,7 @@
                 </a:tc>
                 <a:tc>
                   <a:txBody>
-                    <a:bodyPr lIns="5760" rIns="5760" tIns="5760" bIns="0" anchor="ctr"/>
+                    <a:bodyPr lIns="5760" rIns="5760"/>
                     <a:p>
                       <a:pPr algn="ctr">
                         <a:lnSpc>
@@ -6106,7 +5903,7 @@
                 </a:tc>
                 <a:tc gridSpan="3">
                   <a:txBody>
-                    <a:bodyPr lIns="5760" rIns="5760" tIns="5760" bIns="0" anchor="ctr"/>
+                    <a:bodyPr lIns="5760" rIns="5760"/>
                     <a:p>
                       <a:pPr algn="ctr">
                         <a:lnSpc>
@@ -6196,7 +5993,7 @@
                 </a:tc>
                 <a:tc gridSpan="3">
                   <a:txBody>
-                    <a:bodyPr lIns="5760" rIns="5760" tIns="5760" bIns="0" anchor="ctr"/>
+                    <a:bodyPr lIns="5760" rIns="5760"/>
                     <a:p>
                       <a:pPr algn="ctr">
                         <a:lnSpc>
@@ -6286,7 +6083,7 @@
                 </a:tc>
                 <a:tc gridSpan="3">
                   <a:txBody>
-                    <a:bodyPr lIns="5760" rIns="5760" tIns="5760" bIns="0" anchor="ctr"/>
+                    <a:bodyPr lIns="5760" rIns="5760"/>
                     <a:p>
                       <a:pPr algn="ctr">
                         <a:lnSpc>
@@ -6376,7 +6173,7 @@
                 </a:tc>
                 <a:tc>
                   <a:txBody>
-                    <a:bodyPr lIns="5760" rIns="5760" tIns="5760" bIns="0" anchor="ctr"/>
+                    <a:bodyPr lIns="5760" rIns="5760"/>
                     <a:p>
                       <a:pPr algn="ctr">
                         <a:lnSpc>
@@ -6427,7 +6224,7 @@
               <a:tr h="414720">
                 <a:tc>
                   <a:txBody>
-                    <a:bodyPr lIns="5760" rIns="5760" tIns="5760" bIns="0" anchor="ctr"/>
+                    <a:bodyPr lIns="5760" rIns="5760"/>
                     <a:p>
                       <a:pPr algn="ctr">
                         <a:lnSpc>
@@ -6476,7 +6273,7 @@
                 </a:tc>
                 <a:tc>
                   <a:txBody>
-                    <a:bodyPr lIns="5760" rIns="5760" tIns="5760" bIns="0" anchor="ctr"/>
+                    <a:bodyPr lIns="5760" rIns="5760"/>
                     <a:p>
                       <a:pPr algn="ctr">
                         <a:lnSpc>
@@ -6525,7 +6322,7 @@
                 </a:tc>
                 <a:tc>
                   <a:txBody>
-                    <a:bodyPr lIns="5760" rIns="5760" tIns="5760" bIns="0" anchor="ctr"/>
+                    <a:bodyPr lIns="5760" rIns="5760"/>
                     <a:p>
                       <a:pPr algn="ctr">
                         <a:lnSpc>
@@ -6574,7 +6371,7 @@
                 </a:tc>
                 <a:tc>
                   <a:txBody>
-                    <a:bodyPr lIns="5760" rIns="5760" tIns="5760" bIns="0" anchor="ctr"/>
+                    <a:bodyPr lIns="5760" rIns="5760"/>
                     <a:p>
                       <a:pPr algn="ctr">
                         <a:lnSpc>
@@ -6623,7 +6420,7 @@
                 </a:tc>
                 <a:tc>
                   <a:txBody>
-                    <a:bodyPr lIns="5760" rIns="5760" tIns="5760" bIns="0" anchor="ctr"/>
+                    <a:bodyPr lIns="5760" rIns="5760"/>
                     <a:p>
                       <a:pPr algn="ctr">
                         <a:lnSpc>
@@ -6672,7 +6469,7 @@
                 </a:tc>
                 <a:tc>
                   <a:txBody>
-                    <a:bodyPr lIns="5760" rIns="5760" tIns="5760" bIns="0" anchor="ctr"/>
+                    <a:bodyPr lIns="5760" rIns="5760"/>
                     <a:p>
                       <a:pPr algn="ctr">
                         <a:lnSpc>
@@ -6740,7 +6537,7 @@
                 </a:tc>
                 <a:tc>
                   <a:txBody>
-                    <a:bodyPr lIns="5760" rIns="5760" tIns="5760" bIns="0" anchor="ctr"/>
+                    <a:bodyPr lIns="5760" rIns="5760"/>
                     <a:p>
                       <a:pPr algn="ctr">
                         <a:lnSpc>
@@ -6789,7 +6586,7 @@
                 </a:tc>
                 <a:tc>
                   <a:txBody>
-                    <a:bodyPr lIns="5760" rIns="5760" tIns="5760" bIns="0" anchor="ctr"/>
+                    <a:bodyPr lIns="5760" rIns="5760"/>
                     <a:p>
                       <a:pPr algn="ctr">
                         <a:lnSpc>
@@ -6838,7 +6635,7 @@
                 </a:tc>
                 <a:tc>
                   <a:txBody>
-                    <a:bodyPr lIns="5760" rIns="5760" tIns="5760" bIns="0" anchor="ctr"/>
+                    <a:bodyPr lIns="5760" rIns="5760"/>
                     <a:p>
                       <a:pPr algn="ctr">
                         <a:lnSpc>
@@ -6887,7 +6684,7 @@
                 </a:tc>
                 <a:tc>
                   <a:txBody>
-                    <a:bodyPr lIns="5760" rIns="5760" tIns="5760" bIns="0" anchor="ctr"/>
+                    <a:bodyPr lIns="5760" rIns="5760"/>
                     <a:p>
                       <a:pPr algn="ctr">
                         <a:lnSpc>
@@ -6955,7 +6752,7 @@
                 </a:tc>
                 <a:tc>
                   <a:txBody>
-                    <a:bodyPr lIns="5760" rIns="5760" tIns="5760" bIns="0" anchor="ctr"/>
+                    <a:bodyPr lIns="5760" rIns="5760"/>
                     <a:p>
                       <a:pPr algn="ctr">
                         <a:lnSpc>
@@ -7004,7 +6801,7 @@
                 </a:tc>
                 <a:tc>
                   <a:txBody>
-                    <a:bodyPr lIns="5760" rIns="5760" tIns="5760" bIns="0" anchor="ctr"/>
+                    <a:bodyPr lIns="5760" rIns="5760"/>
                     <a:p>
                       <a:pPr algn="ctr">
                         <a:lnSpc>
@@ -7053,7 +6850,7 @@
                 </a:tc>
                 <a:tc>
                   <a:txBody>
-                    <a:bodyPr lIns="5760" rIns="5760" tIns="5760" bIns="0" anchor="ctr"/>
+                    <a:bodyPr lIns="5760" rIns="5760"/>
                     <a:p>
                       <a:pPr algn="ctr">
                         <a:lnSpc>
@@ -7102,7 +6899,7 @@
                 </a:tc>
                 <a:tc>
                   <a:txBody>
-                    <a:bodyPr lIns="5760" rIns="5760" tIns="5760" bIns="0" anchor="ctr"/>
+                    <a:bodyPr lIns="5760" rIns="5760"/>
                     <a:p>
                       <a:pPr algn="ctr">
                         <a:lnSpc>
@@ -7170,7 +6967,7 @@
                 </a:tc>
                 <a:tc>
                   <a:txBody>
-                    <a:bodyPr lIns="5760" rIns="5760" tIns="5760" bIns="0" anchor="ctr"/>
+                    <a:bodyPr lIns="5760" rIns="5760"/>
                     <a:p>
                       <a:pPr algn="ctr">
                         <a:lnSpc>
@@ -7219,7 +7016,7 @@
                 </a:tc>
                 <a:tc>
                   <a:txBody>
-                    <a:bodyPr lIns="5760" rIns="5760" tIns="5760" bIns="0" anchor="ctr"/>
+                    <a:bodyPr lIns="5760" rIns="5760"/>
                     <a:p>
                       <a:pPr algn="ctr">
                         <a:lnSpc>
@@ -7268,7 +7065,7 @@
                 </a:tc>
                 <a:tc>
                   <a:txBody>
-                    <a:bodyPr lIns="5760" rIns="5760" tIns="5760" bIns="0" anchor="ctr"/>
+                    <a:bodyPr lIns="5760" rIns="5760"/>
                     <a:p>
                       <a:pPr algn="ctr">
                         <a:lnSpc>
@@ -7319,7 +7116,7 @@
               <a:tr h="414720">
                 <a:tc>
                   <a:txBody>
-                    <a:bodyPr lIns="5760" rIns="5760" tIns="5760" bIns="0" anchor="ctr"/>
+                    <a:bodyPr lIns="5760" rIns="5760"/>
                     <a:p>
                       <a:pPr algn="ctr">
                         <a:lnSpc>
@@ -7368,7 +7165,7 @@
                 </a:tc>
                 <a:tc>
                   <a:txBody>
-                    <a:bodyPr lIns="5760" rIns="5760" tIns="5760" bIns="0" anchor="ctr"/>
+                    <a:bodyPr lIns="5760" rIns="5760"/>
                     <a:p>
                       <a:pPr algn="ctr">
                         <a:lnSpc>
@@ -7417,7 +7214,7 @@
                 </a:tc>
                 <a:tc>
                   <a:txBody>
-                    <a:bodyPr lIns="5760" rIns="5760" tIns="5760" bIns="0" anchor="ctr"/>
+                    <a:bodyPr lIns="5760" rIns="5760"/>
                     <a:p>
                       <a:pPr algn="ctr">
                         <a:lnSpc>
@@ -7466,7 +7263,7 @@
                 </a:tc>
                 <a:tc>
                   <a:txBody>
-                    <a:bodyPr lIns="5760" rIns="5760" tIns="5760" bIns="0" anchor="ctr"/>
+                    <a:bodyPr lIns="5760" rIns="5760"/>
                     <a:p>
                       <a:pPr algn="ctr">
                         <a:lnSpc>
@@ -7515,7 +7312,7 @@
                 </a:tc>
                 <a:tc>
                   <a:txBody>
-                    <a:bodyPr lIns="5760" rIns="5760" tIns="5760" bIns="0" anchor="ctr"/>
+                    <a:bodyPr lIns="5760" rIns="5760"/>
                     <a:p>
                       <a:pPr algn="ctr">
                         <a:lnSpc>
@@ -7564,7 +7361,7 @@
                 </a:tc>
                 <a:tc>
                   <a:txBody>
-                    <a:bodyPr lIns="5760" rIns="5760" tIns="5760" bIns="0" anchor="ctr"/>
+                    <a:bodyPr lIns="5760" rIns="5760"/>
                     <a:p>
                       <a:pPr algn="ctr">
                         <a:lnSpc>
@@ -7632,7 +7429,7 @@
                 </a:tc>
                 <a:tc>
                   <a:txBody>
-                    <a:bodyPr lIns="5760" rIns="5760" tIns="5760" bIns="0" anchor="ctr"/>
+                    <a:bodyPr lIns="5760" rIns="5760"/>
                     <a:p>
                       <a:pPr algn="ctr">
                         <a:lnSpc>
@@ -7681,7 +7478,7 @@
                 </a:tc>
                 <a:tc>
                   <a:txBody>
-                    <a:bodyPr lIns="5760" rIns="5760" tIns="5760" bIns="0" anchor="ctr"/>
+                    <a:bodyPr lIns="5760" rIns="5760"/>
                     <a:p>
                       <a:pPr algn="ctr">
                         <a:lnSpc>
@@ -7730,7 +7527,7 @@
                 </a:tc>
                 <a:tc>
                   <a:txBody>
-                    <a:bodyPr lIns="5760" rIns="5760" tIns="5760" bIns="0" anchor="ctr"/>
+                    <a:bodyPr lIns="5760" rIns="5760"/>
                     <a:p>
                       <a:pPr algn="ctr">
                         <a:lnSpc>
@@ -7779,7 +7576,7 @@
                 </a:tc>
                 <a:tc>
                   <a:txBody>
-                    <a:bodyPr lIns="5760" rIns="5760" tIns="5760" bIns="0" anchor="ctr"/>
+                    <a:bodyPr lIns="5760" rIns="5760"/>
                     <a:p>
                       <a:pPr algn="ctr">
                         <a:lnSpc>
@@ -7847,7 +7644,7 @@
                 </a:tc>
                 <a:tc>
                   <a:txBody>
-                    <a:bodyPr lIns="5760" rIns="5760" tIns="5760" bIns="0" anchor="ctr"/>
+                    <a:bodyPr lIns="5760" rIns="5760"/>
                     <a:p>
                       <a:pPr algn="ctr">
                         <a:lnSpc>
@@ -7896,7 +7693,7 @@
                 </a:tc>
                 <a:tc>
                   <a:txBody>
-                    <a:bodyPr lIns="5760" rIns="5760" tIns="5760" bIns="0" anchor="ctr"/>
+                    <a:bodyPr lIns="5760" rIns="5760"/>
                     <a:p>
                       <a:pPr algn="ctr">
                         <a:lnSpc>
@@ -7945,7 +7742,7 @@
                 </a:tc>
                 <a:tc>
                   <a:txBody>
-                    <a:bodyPr lIns="5760" rIns="5760" tIns="5760" bIns="0" anchor="ctr"/>
+                    <a:bodyPr lIns="5760" rIns="5760"/>
                     <a:p>
                       <a:pPr algn="ctr">
                         <a:lnSpc>
@@ -7994,7 +7791,7 @@
                 </a:tc>
                 <a:tc>
                   <a:txBody>
-                    <a:bodyPr lIns="5760" rIns="5760" tIns="5760" bIns="0" anchor="ctr"/>
+                    <a:bodyPr lIns="5760" rIns="5760"/>
                     <a:p>
                       <a:pPr algn="ctr">
                         <a:lnSpc>
@@ -8062,7 +7859,7 @@
                 </a:tc>
                 <a:tc>
                   <a:txBody>
-                    <a:bodyPr lIns="5760" rIns="5760" tIns="5760" bIns="0" anchor="ctr"/>
+                    <a:bodyPr lIns="5760" rIns="5760"/>
                     <a:p>
                       <a:pPr algn="ctr">
                         <a:lnSpc>
@@ -8111,7 +7908,7 @@
                 </a:tc>
                 <a:tc>
                   <a:txBody>
-                    <a:bodyPr lIns="5760" rIns="5760" tIns="5760" bIns="0" anchor="ctr"/>
+                    <a:bodyPr lIns="5760" rIns="5760"/>
                     <a:p>
                       <a:pPr algn="ctr">
                         <a:lnSpc>
@@ -8160,7 +7957,7 @@
                 </a:tc>
                 <a:tc>
                   <a:txBody>
-                    <a:bodyPr lIns="5760" rIns="5760" tIns="5760" bIns="0" anchor="ctr"/>
+                    <a:bodyPr lIns="5760" rIns="5760"/>
                     <a:p>
                       <a:pPr algn="ctr">
                         <a:lnSpc>
@@ -8211,7 +8008,7 @@
               <a:tr h="414720">
                 <a:tc>
                   <a:txBody>
-                    <a:bodyPr lIns="5760" rIns="5760" tIns="5760" bIns="0" anchor="ctr"/>
+                    <a:bodyPr lIns="5760" rIns="5760"/>
                     <a:p>
                       <a:pPr algn="ctr">
                         <a:lnSpc>
@@ -8260,7 +8057,7 @@
                 </a:tc>
                 <a:tc>
                   <a:txBody>
-                    <a:bodyPr lIns="5760" rIns="5760" tIns="5760" bIns="0" anchor="ctr"/>
+                    <a:bodyPr lIns="5760" rIns="5760"/>
                     <a:p>
                       <a:pPr algn="ctr">
                         <a:lnSpc>
@@ -8309,7 +8106,7 @@
                 </a:tc>
                 <a:tc>
                   <a:txBody>
-                    <a:bodyPr lIns="5760" rIns="5760" tIns="5760" bIns="0" anchor="ctr"/>
+                    <a:bodyPr lIns="5760" rIns="5760"/>
                     <a:p>
                       <a:pPr algn="ctr">
                         <a:lnSpc>
@@ -8358,7 +8155,7 @@
                 </a:tc>
                 <a:tc>
                   <a:txBody>
-                    <a:bodyPr lIns="5760" rIns="5760" tIns="5760" bIns="0" anchor="ctr"/>
+                    <a:bodyPr lIns="5760" rIns="5760"/>
                     <a:p>
                       <a:pPr algn="ctr">
                         <a:lnSpc>
@@ -8407,7 +8204,7 @@
                 </a:tc>
                 <a:tc>
                   <a:txBody>
-                    <a:bodyPr lIns="5760" rIns="5760" tIns="5760" bIns="0" anchor="ctr"/>
+                    <a:bodyPr lIns="5760" rIns="5760"/>
                     <a:p>
                       <a:pPr algn="ctr">
                         <a:lnSpc>
@@ -8456,7 +8253,7 @@
                 </a:tc>
                 <a:tc>
                   <a:txBody>
-                    <a:bodyPr lIns="5760" rIns="5760" tIns="5760" bIns="0" anchor="ctr"/>
+                    <a:bodyPr lIns="5760" rIns="5760"/>
                     <a:p>
                       <a:pPr algn="ctr">
                         <a:lnSpc>
@@ -8524,7 +8321,7 @@
                 </a:tc>
                 <a:tc>
                   <a:txBody>
-                    <a:bodyPr lIns="5760" rIns="5760" tIns="5760" bIns="0" anchor="ctr"/>
+                    <a:bodyPr lIns="5760" rIns="5760"/>
                     <a:p>
                       <a:pPr algn="ctr">
                         <a:lnSpc>
@@ -8573,7 +8370,7 @@
                 </a:tc>
                 <a:tc>
                   <a:txBody>
-                    <a:bodyPr lIns="5760" rIns="5760" tIns="5760" bIns="0" anchor="ctr"/>
+                    <a:bodyPr lIns="5760" rIns="5760"/>
                     <a:p>
                       <a:pPr algn="ctr">
                         <a:lnSpc>
@@ -8622,7 +8419,7 @@
                 </a:tc>
                 <a:tc>
                   <a:txBody>
-                    <a:bodyPr lIns="5760" rIns="5760" tIns="5760" bIns="0" anchor="ctr"/>
+                    <a:bodyPr lIns="5760" rIns="5760"/>
                     <a:p>
                       <a:pPr algn="ctr">
                         <a:lnSpc>
@@ -8671,7 +8468,7 @@
                 </a:tc>
                 <a:tc>
                   <a:txBody>
-                    <a:bodyPr lIns="5760" rIns="5760" tIns="5760" bIns="0" anchor="ctr"/>
+                    <a:bodyPr lIns="5760" rIns="5760"/>
                     <a:p>
                       <a:pPr algn="ctr">
                         <a:lnSpc>
@@ -8739,7 +8536,7 @@
                 </a:tc>
                 <a:tc>
                   <a:txBody>
-                    <a:bodyPr lIns="5760" rIns="5760" tIns="5760" bIns="0" anchor="ctr"/>
+                    <a:bodyPr lIns="5760" rIns="5760"/>
                     <a:p>
                       <a:pPr algn="ctr">
                         <a:lnSpc>
@@ -8788,7 +8585,7 @@
                 </a:tc>
                 <a:tc>
                   <a:txBody>
-                    <a:bodyPr lIns="5760" rIns="5760" tIns="5760" bIns="0" anchor="ctr"/>
+                    <a:bodyPr lIns="5760" rIns="5760"/>
                     <a:p>
                       <a:pPr algn="ctr">
                         <a:lnSpc>
@@ -8837,7 +8634,7 @@
                 </a:tc>
                 <a:tc>
                   <a:txBody>
-                    <a:bodyPr lIns="5760" rIns="5760" tIns="5760" bIns="0" anchor="ctr"/>
+                    <a:bodyPr lIns="5760" rIns="5760"/>
                     <a:p>
                       <a:pPr algn="ctr">
                         <a:lnSpc>
@@ -8886,7 +8683,7 @@
                 </a:tc>
                 <a:tc>
                   <a:txBody>
-                    <a:bodyPr lIns="5760" rIns="5760" tIns="5760" bIns="0" anchor="ctr"/>
+                    <a:bodyPr lIns="5760" rIns="5760"/>
                     <a:p>
                       <a:pPr algn="ctr">
                         <a:lnSpc>
@@ -8954,7 +8751,7 @@
                 </a:tc>
                 <a:tc>
                   <a:txBody>
-                    <a:bodyPr lIns="5760" rIns="5760" tIns="5760" bIns="0" anchor="ctr"/>
+                    <a:bodyPr lIns="5760" rIns="5760"/>
                     <a:p>
                       <a:pPr algn="ctr">
                         <a:lnSpc>
@@ -9003,7 +8800,7 @@
                 </a:tc>
                 <a:tc>
                   <a:txBody>
-                    <a:bodyPr lIns="5760" rIns="5760" tIns="5760" bIns="0" anchor="ctr"/>
+                    <a:bodyPr lIns="5760" rIns="5760"/>
                     <a:p>
                       <a:pPr algn="ctr">
                         <a:lnSpc>
@@ -9052,7 +8849,7 @@
                 </a:tc>
                 <a:tc>
                   <a:txBody>
-                    <a:bodyPr lIns="5760" rIns="5760" tIns="5760" bIns="0" anchor="ctr"/>
+                    <a:bodyPr lIns="5760" rIns="5760"/>
                     <a:p>
                       <a:pPr algn="ctr">
                         <a:lnSpc>
@@ -9103,7 +8900,7 @@
               <a:tr h="414720">
                 <a:tc>
                   <a:txBody>
-                    <a:bodyPr lIns="5760" rIns="5760" tIns="5760" bIns="0" anchor="ctr"/>
+                    <a:bodyPr lIns="5760" rIns="5760"/>
                     <a:p>
                       <a:pPr algn="ctr">
                         <a:lnSpc>
@@ -9152,7 +8949,7 @@
                 </a:tc>
                 <a:tc>
                   <a:txBody>
-                    <a:bodyPr lIns="5760" rIns="5760" tIns="5760" bIns="0" anchor="ctr"/>
+                    <a:bodyPr lIns="5760" rIns="5760"/>
                     <a:p>
                       <a:pPr algn="ctr">
                         <a:lnSpc>
@@ -9201,7 +8998,7 @@
                 </a:tc>
                 <a:tc>
                   <a:txBody>
-                    <a:bodyPr lIns="5760" rIns="5760" tIns="5760" bIns="0" anchor="ctr"/>
+                    <a:bodyPr lIns="5760" rIns="5760"/>
                     <a:p>
                       <a:pPr algn="ctr">
                         <a:lnSpc>
@@ -9250,7 +9047,7 @@
                 </a:tc>
                 <a:tc>
                   <a:txBody>
-                    <a:bodyPr lIns="5760" rIns="5760" tIns="5760" bIns="0" anchor="ctr"/>
+                    <a:bodyPr lIns="5760" rIns="5760"/>
                     <a:p>
                       <a:pPr algn="ctr">
                         <a:lnSpc>
@@ -9299,7 +9096,7 @@
                 </a:tc>
                 <a:tc>
                   <a:txBody>
-                    <a:bodyPr lIns="5760" rIns="5760" tIns="5760" bIns="0" anchor="ctr"/>
+                    <a:bodyPr lIns="5760" rIns="5760"/>
                     <a:p>
                       <a:pPr algn="ctr">
                         <a:lnSpc>
@@ -9348,7 +9145,7 @@
                 </a:tc>
                 <a:tc>
                   <a:txBody>
-                    <a:bodyPr lIns="5760" rIns="5760" tIns="5760" bIns="0" anchor="ctr"/>
+                    <a:bodyPr lIns="5760" rIns="5760"/>
                     <a:p>
                       <a:pPr algn="ctr">
                         <a:lnSpc>
@@ -9416,7 +9213,7 @@
                 </a:tc>
                 <a:tc>
                   <a:txBody>
-                    <a:bodyPr lIns="5760" rIns="5760" tIns="5760" bIns="0" anchor="ctr"/>
+                    <a:bodyPr lIns="5760" rIns="5760"/>
                     <a:p>
                       <a:pPr algn="ctr">
                         <a:lnSpc>
@@ -9465,7 +9262,7 @@
                 </a:tc>
                 <a:tc>
                   <a:txBody>
-                    <a:bodyPr lIns="5760" rIns="5760" tIns="5760" bIns="0" anchor="ctr"/>
+                    <a:bodyPr lIns="5760" rIns="5760"/>
                     <a:p>
                       <a:pPr algn="ctr">
                         <a:lnSpc>
@@ -9514,7 +9311,7 @@
                 </a:tc>
                 <a:tc>
                   <a:txBody>
-                    <a:bodyPr lIns="5760" rIns="5760" tIns="5760" bIns="0" anchor="ctr"/>
+                    <a:bodyPr lIns="5760" rIns="5760"/>
                     <a:p>
                       <a:pPr algn="ctr">
                         <a:lnSpc>
@@ -9563,7 +9360,7 @@
                 </a:tc>
                 <a:tc>
                   <a:txBody>
-                    <a:bodyPr lIns="5760" rIns="5760" tIns="5760" bIns="0" anchor="ctr"/>
+                    <a:bodyPr lIns="5760" rIns="5760"/>
                     <a:p>
                       <a:pPr algn="ctr">
                         <a:lnSpc>
@@ -9631,7 +9428,7 @@
                 </a:tc>
                 <a:tc>
                   <a:txBody>
-                    <a:bodyPr lIns="5760" rIns="5760" tIns="5760" bIns="0" anchor="ctr"/>
+                    <a:bodyPr lIns="5760" rIns="5760"/>
                     <a:p>
                       <a:pPr algn="ctr">
                         <a:lnSpc>
@@ -9680,7 +9477,7 @@
                 </a:tc>
                 <a:tc>
                   <a:txBody>
-                    <a:bodyPr lIns="5760" rIns="5760" tIns="5760" bIns="0" anchor="ctr"/>
+                    <a:bodyPr lIns="5760" rIns="5760"/>
                     <a:p>
                       <a:pPr algn="ctr">
                         <a:lnSpc>
@@ -9729,7 +9526,7 @@
                 </a:tc>
                 <a:tc>
                   <a:txBody>
-                    <a:bodyPr lIns="5760" rIns="5760" tIns="5760" bIns="0" anchor="ctr"/>
+                    <a:bodyPr lIns="5760" rIns="5760"/>
                     <a:p>
                       <a:pPr algn="ctr">
                         <a:lnSpc>
@@ -9778,7 +9575,7 @@
                 </a:tc>
                 <a:tc>
                   <a:txBody>
-                    <a:bodyPr lIns="5760" rIns="5760" tIns="5760" bIns="0" anchor="ctr"/>
+                    <a:bodyPr lIns="5760" rIns="5760"/>
                     <a:p>
                       <a:pPr algn="ctr">
                         <a:lnSpc>
@@ -9846,7 +9643,7 @@
                 </a:tc>
                 <a:tc>
                   <a:txBody>
-                    <a:bodyPr lIns="5760" rIns="5760" tIns="5760" bIns="0" anchor="ctr"/>
+                    <a:bodyPr lIns="5760" rIns="5760"/>
                     <a:p>
                       <a:pPr algn="ctr">
                         <a:lnSpc>
@@ -9895,7 +9692,7 @@
                 </a:tc>
                 <a:tc>
                   <a:txBody>
-                    <a:bodyPr lIns="5760" rIns="5760" tIns="5760" bIns="0" anchor="ctr"/>
+                    <a:bodyPr lIns="5760" rIns="5760"/>
                     <a:p>
                       <a:pPr algn="ctr">
                         <a:lnSpc>
@@ -9944,7 +9741,7 @@
                 </a:tc>
                 <a:tc>
                   <a:txBody>
-                    <a:bodyPr lIns="5760" rIns="5760" tIns="5760" bIns="0" anchor="ctr"/>
+                    <a:bodyPr lIns="5760" rIns="5760"/>
                     <a:p>
                       <a:pPr algn="ctr">
                         <a:lnSpc>
@@ -9995,7 +9792,7 @@
               <a:tr h="414720">
                 <a:tc>
                   <a:txBody>
-                    <a:bodyPr lIns="5760" rIns="5760" tIns="5760" bIns="0" anchor="ctr"/>
+                    <a:bodyPr lIns="5760" rIns="5760"/>
                     <a:p>
                       <a:pPr algn="ctr">
                         <a:lnSpc>
@@ -10044,7 +9841,7 @@
                 </a:tc>
                 <a:tc>
                   <a:txBody>
-                    <a:bodyPr lIns="5760" rIns="5760" tIns="5760" bIns="0" anchor="ctr"/>
+                    <a:bodyPr lIns="5760" rIns="5760"/>
                     <a:p>
                       <a:pPr algn="ctr">
                         <a:lnSpc>
@@ -10093,7 +9890,7 @@
                 </a:tc>
                 <a:tc>
                   <a:txBody>
-                    <a:bodyPr lIns="5760" rIns="5760" tIns="5760" bIns="0" anchor="ctr"/>
+                    <a:bodyPr lIns="5760" rIns="5760"/>
                     <a:p>
                       <a:pPr algn="ctr">
                         <a:lnSpc>
@@ -10142,7 +9939,7 @@
                 </a:tc>
                 <a:tc>
                   <a:txBody>
-                    <a:bodyPr lIns="5760" rIns="5760" tIns="5760" bIns="0" anchor="ctr"/>
+                    <a:bodyPr lIns="5760" rIns="5760"/>
                     <a:p>
                       <a:pPr algn="ctr">
                         <a:lnSpc>
@@ -10191,7 +9988,7 @@
                 </a:tc>
                 <a:tc>
                   <a:txBody>
-                    <a:bodyPr lIns="5760" rIns="5760" tIns="5760" bIns="0" anchor="ctr"/>
+                    <a:bodyPr lIns="5760" rIns="5760"/>
                     <a:p>
                       <a:pPr algn="ctr">
                         <a:lnSpc>
@@ -10240,7 +10037,7 @@
                 </a:tc>
                 <a:tc>
                   <a:txBody>
-                    <a:bodyPr lIns="5760" rIns="5760" tIns="5760" bIns="0" anchor="ctr"/>
+                    <a:bodyPr lIns="5760" rIns="5760"/>
                     <a:p>
                       <a:pPr algn="ctr">
                         <a:lnSpc>
@@ -10308,7 +10105,7 @@
                 </a:tc>
                 <a:tc>
                   <a:txBody>
-                    <a:bodyPr lIns="5760" rIns="5760" tIns="5760" bIns="0" anchor="ctr"/>
+                    <a:bodyPr lIns="5760" rIns="5760"/>
                     <a:p>
                       <a:pPr algn="ctr">
                         <a:lnSpc>
@@ -10357,7 +10154,7 @@
                 </a:tc>
                 <a:tc>
                   <a:txBody>
-                    <a:bodyPr lIns="5760" rIns="5760" tIns="5760" bIns="0" anchor="ctr"/>
+                    <a:bodyPr lIns="5760" rIns="5760"/>
                     <a:p>
                       <a:pPr algn="ctr">
                         <a:lnSpc>
@@ -10406,7 +10203,7 @@
                 </a:tc>
                 <a:tc>
                   <a:txBody>
-                    <a:bodyPr lIns="5760" rIns="5760" tIns="5760" bIns="0" anchor="ctr"/>
+                    <a:bodyPr lIns="5760" rIns="5760"/>
                     <a:p>
                       <a:pPr algn="ctr">
                         <a:lnSpc>
@@ -10455,7 +10252,7 @@
                 </a:tc>
                 <a:tc>
                   <a:txBody>
-                    <a:bodyPr lIns="5760" rIns="5760" tIns="5760" bIns="0" anchor="ctr"/>
+                    <a:bodyPr lIns="5760" rIns="5760"/>
                     <a:p>
                       <a:pPr algn="ctr">
                         <a:lnSpc>
@@ -10523,7 +10320,7 @@
                 </a:tc>
                 <a:tc>
                   <a:txBody>
-                    <a:bodyPr lIns="5760" rIns="5760" tIns="5760" bIns="0" anchor="ctr"/>
+                    <a:bodyPr lIns="5760" rIns="5760"/>
                     <a:p>
                       <a:pPr algn="ctr">
                         <a:lnSpc>
@@ -10572,7 +10369,7 @@
                 </a:tc>
                 <a:tc>
                   <a:txBody>
-                    <a:bodyPr lIns="5760" rIns="5760" tIns="5760" bIns="0" anchor="ctr"/>
+                    <a:bodyPr lIns="5760" rIns="5760"/>
                     <a:p>
                       <a:pPr algn="ctr">
                         <a:lnSpc>
@@ -10621,7 +10418,7 @@
                 </a:tc>
                 <a:tc>
                   <a:txBody>
-                    <a:bodyPr lIns="5760" rIns="5760" tIns="5760" bIns="0" anchor="ctr"/>
+                    <a:bodyPr lIns="5760" rIns="5760"/>
                     <a:p>
                       <a:pPr algn="ctr">
                         <a:lnSpc>
@@ -10670,7 +10467,7 @@
                 </a:tc>
                 <a:tc>
                   <a:txBody>
-                    <a:bodyPr lIns="5760" rIns="5760" tIns="5760" bIns="0" anchor="ctr"/>
+                    <a:bodyPr lIns="5760" rIns="5760"/>
                     <a:p>
                       <a:pPr algn="ctr">
                         <a:lnSpc>
@@ -10738,7 +10535,7 @@
                 </a:tc>
                 <a:tc>
                   <a:txBody>
-                    <a:bodyPr lIns="5760" rIns="5760" tIns="5760" bIns="0" anchor="ctr"/>
+                    <a:bodyPr lIns="5760" rIns="5760"/>
                     <a:p>
                       <a:pPr algn="ctr">
                         <a:lnSpc>
@@ -10787,7 +10584,7 @@
                 </a:tc>
                 <a:tc>
                   <a:txBody>
-                    <a:bodyPr lIns="5760" rIns="5760" tIns="5760" bIns="0" anchor="ctr"/>
+                    <a:bodyPr lIns="5760" rIns="5760"/>
                     <a:p>
                       <a:pPr algn="ctr">
                         <a:lnSpc>
@@ -10836,7 +10633,7 @@
                 </a:tc>
                 <a:tc>
                   <a:txBody>
-                    <a:bodyPr lIns="5760" rIns="5760" tIns="5760" bIns="0" anchor="ctr"/>
+                    <a:bodyPr lIns="5760" rIns="5760"/>
                     <a:p>
                       <a:pPr algn="ctr">
                         <a:lnSpc>
@@ -10887,7 +10684,7 @@
               <a:tr h="415800">
                 <a:tc>
                   <a:txBody>
-                    <a:bodyPr lIns="5760" rIns="5760" tIns="5760" bIns="0" anchor="ctr"/>
+                    <a:bodyPr lIns="5760" rIns="5760"/>
                     <a:p>
                       <a:pPr algn="ctr">
                         <a:lnSpc>
@@ -10936,7 +10733,7 @@
                 </a:tc>
                 <a:tc>
                   <a:txBody>
-                    <a:bodyPr lIns="5760" rIns="5760" tIns="5760" bIns="0" anchor="ctr"/>
+                    <a:bodyPr lIns="5760" rIns="5760"/>
                     <a:p>
                       <a:pPr algn="ctr">
                         <a:lnSpc>
@@ -10985,7 +10782,7 @@
                 </a:tc>
                 <a:tc>
                   <a:txBody>
-                    <a:bodyPr lIns="5760" rIns="5760" tIns="5760" bIns="0" anchor="ctr"/>
+                    <a:bodyPr lIns="5760" rIns="5760"/>
                     <a:p>
                       <a:pPr algn="ctr">
                         <a:lnSpc>
@@ -11034,7 +10831,7 @@
                 </a:tc>
                 <a:tc>
                   <a:txBody>
-                    <a:bodyPr lIns="5760" rIns="5760" tIns="5760" bIns="0" anchor="ctr"/>
+                    <a:bodyPr lIns="5760" rIns="5760"/>
                     <a:p>
                       <a:pPr algn="ctr">
                         <a:lnSpc>
@@ -11083,7 +10880,7 @@
                 </a:tc>
                 <a:tc>
                   <a:txBody>
-                    <a:bodyPr lIns="5760" rIns="5760" tIns="5760" bIns="0" anchor="ctr"/>
+                    <a:bodyPr lIns="5760" rIns="5760"/>
                     <a:p>
                       <a:pPr algn="ctr">
                         <a:lnSpc>
@@ -11132,7 +10929,7 @@
                 </a:tc>
                 <a:tc>
                   <a:txBody>
-                    <a:bodyPr lIns="5760" rIns="5760" tIns="5760" bIns="0" anchor="ctr"/>
+                    <a:bodyPr lIns="5760" rIns="5760"/>
                     <a:p>
                       <a:pPr algn="ctr">
                         <a:lnSpc>
@@ -11200,7 +10997,7 @@
                 </a:tc>
                 <a:tc>
                   <a:txBody>
-                    <a:bodyPr lIns="5760" rIns="5760" tIns="5760" bIns="0" anchor="ctr"/>
+                    <a:bodyPr lIns="5760" rIns="5760"/>
                     <a:p>
                       <a:pPr algn="ctr">
                         <a:lnSpc>
@@ -11249,7 +11046,7 @@
                 </a:tc>
                 <a:tc>
                   <a:txBody>
-                    <a:bodyPr lIns="5760" rIns="5760" tIns="5760" bIns="0" anchor="ctr"/>
+                    <a:bodyPr lIns="5760" rIns="5760"/>
                     <a:p>
                       <a:pPr algn="ctr">
                         <a:lnSpc>
@@ -11298,7 +11095,7 @@
                 </a:tc>
                 <a:tc>
                   <a:txBody>
-                    <a:bodyPr lIns="5760" rIns="5760" tIns="5760" bIns="0" anchor="ctr"/>
+                    <a:bodyPr lIns="5760" rIns="5760"/>
                     <a:p>
                       <a:pPr algn="ctr">
                         <a:lnSpc>
@@ -11347,7 +11144,7 @@
                 </a:tc>
                 <a:tc>
                   <a:txBody>
-                    <a:bodyPr lIns="5760" rIns="5760" tIns="5760" bIns="0" anchor="ctr"/>
+                    <a:bodyPr lIns="5760" rIns="5760"/>
                     <a:p>
                       <a:pPr algn="ctr">
                         <a:lnSpc>
@@ -11415,7 +11212,7 @@
                 </a:tc>
                 <a:tc>
                   <a:txBody>
-                    <a:bodyPr lIns="5760" rIns="5760" tIns="5760" bIns="0" anchor="ctr"/>
+                    <a:bodyPr lIns="5760" rIns="5760"/>
                     <a:p>
                       <a:pPr algn="ctr">
                         <a:lnSpc>
@@ -11464,7 +11261,7 @@
                 </a:tc>
                 <a:tc>
                   <a:txBody>
-                    <a:bodyPr lIns="5760" rIns="5760" tIns="5760" bIns="0" anchor="ctr"/>
+                    <a:bodyPr lIns="5760" rIns="5760"/>
                     <a:p>
                       <a:pPr algn="ctr">
                         <a:lnSpc>
@@ -11513,7 +11310,7 @@
                 </a:tc>
                 <a:tc>
                   <a:txBody>
-                    <a:bodyPr lIns="5760" rIns="5760" tIns="5760" bIns="0" anchor="ctr"/>
+                    <a:bodyPr lIns="5760" rIns="5760"/>
                     <a:p>
                       <a:pPr algn="ctr">
                         <a:lnSpc>
@@ -11562,7 +11359,7 @@
                 </a:tc>
                 <a:tc>
                   <a:txBody>
-                    <a:bodyPr lIns="5760" rIns="5760" tIns="5760" bIns="0" anchor="ctr"/>
+                    <a:bodyPr lIns="5760" rIns="5760"/>
                     <a:p>
                       <a:pPr algn="ctr">
                         <a:lnSpc>
@@ -11630,7 +11427,7 @@
                 </a:tc>
                 <a:tc>
                   <a:txBody>
-                    <a:bodyPr lIns="5760" rIns="5760" tIns="5760" bIns="0" anchor="ctr"/>
+                    <a:bodyPr lIns="5760" rIns="5760"/>
                     <a:p>
                       <a:pPr algn="ctr">
                         <a:lnSpc>
@@ -11679,7 +11476,7 @@
                 </a:tc>
                 <a:tc>
                   <a:txBody>
-                    <a:bodyPr lIns="5760" rIns="5760" tIns="5760" bIns="0" anchor="ctr"/>
+                    <a:bodyPr lIns="5760" rIns="5760"/>
                     <a:p>
                       <a:pPr algn="ctr">
                         <a:lnSpc>
@@ -11728,7 +11525,7 @@
                 </a:tc>
                 <a:tc>
                   <a:txBody>
-                    <a:bodyPr lIns="5760" rIns="5760" tIns="5760" bIns="0" anchor="ctr"/>
+                    <a:bodyPr lIns="5760" rIns="5760"/>
                     <a:p>
                       <a:pPr algn="ctr">
                         <a:lnSpc>
@@ -11782,7 +11579,7 @@
       </p:graphicFrame>
       <p:pic>
         <p:nvPicPr>
-          <p:cNvPr id="130" name="Picture 2" descr=""/>
+          <p:cNvPr id="127" name="Picture 2" descr=""/>
           <p:cNvPicPr/>
           <p:nvPr/>
         </p:nvPicPr>
@@ -11793,7 +11590,7 @@
         <p:spPr>
           <a:xfrm>
             <a:off x="3780000" y="4034520"/>
-            <a:ext cx="1312200" cy="932040"/>
+            <a:ext cx="1311840" cy="931680"/>
           </a:xfrm>
           <a:prstGeom prst="rect">
             <a:avLst/>
@@ -11805,14 +11602,14 @@
       </p:pic>
       <p:sp>
         <p:nvSpPr>
-          <p:cNvPr id="131" name="CustomShape 9"/>
+          <p:cNvPr id="128" name="CustomShape 9"/>
           <p:cNvSpPr/>
           <p:nvPr/>
         </p:nvSpPr>
         <p:spPr>
           <a:xfrm>
             <a:off x="5265000" y="2202480"/>
-            <a:ext cx="449280" cy="181800"/>
+            <a:ext cx="448920" cy="181440"/>
           </a:xfrm>
           <a:prstGeom prst="rect">
             <a:avLst/>
@@ -11854,6 +11651,7 @@
                   <a:srgbClr val="ffffff"/>
                 </a:solidFill>
                 <a:latin typeface="Calibri"/>
+                <a:ea typeface="DejaVu Sans"/>
               </a:rPr>
               <a:t>Upload</a:t>
             </a:r>
@@ -11865,14 +11663,14 @@
       </p:sp>
       <p:sp>
         <p:nvSpPr>
-          <p:cNvPr id="132" name="CustomShape 10"/>
+          <p:cNvPr id="129" name="CustomShape 10"/>
           <p:cNvSpPr/>
           <p:nvPr/>
         </p:nvSpPr>
         <p:spPr>
           <a:xfrm>
             <a:off x="5265000" y="2592720"/>
-            <a:ext cx="449280" cy="181800"/>
+            <a:ext cx="448920" cy="181440"/>
           </a:xfrm>
           <a:prstGeom prst="rect">
             <a:avLst/>
@@ -11914,6 +11712,7 @@
                   <a:srgbClr val="ffffff"/>
                 </a:solidFill>
                 <a:latin typeface="Calibri"/>
+                <a:ea typeface="DejaVu Sans"/>
               </a:rPr>
               <a:t>Upload</a:t>
             </a:r>
@@ -11925,14 +11724,14 @@
       </p:sp>
       <p:sp>
         <p:nvSpPr>
-          <p:cNvPr id="133" name="CustomShape 11"/>
+          <p:cNvPr id="130" name="CustomShape 11"/>
           <p:cNvSpPr/>
           <p:nvPr/>
         </p:nvSpPr>
         <p:spPr>
           <a:xfrm>
             <a:off x="5265000" y="3021120"/>
-            <a:ext cx="449280" cy="181800"/>
+            <a:ext cx="448920" cy="181440"/>
           </a:xfrm>
           <a:prstGeom prst="rect">
             <a:avLst/>
@@ -11974,6 +11773,7 @@
                   <a:srgbClr val="ffffff"/>
                 </a:solidFill>
                 <a:latin typeface="Calibri"/>
+                <a:ea typeface="DejaVu Sans"/>
               </a:rPr>
               <a:t>Upload</a:t>
             </a:r>
@@ -11985,14 +11785,14 @@
       </p:sp>
       <p:sp>
         <p:nvSpPr>
-          <p:cNvPr id="134" name="CustomShape 12"/>
+          <p:cNvPr id="131" name="CustomShape 12"/>
           <p:cNvSpPr/>
           <p:nvPr/>
         </p:nvSpPr>
         <p:spPr>
           <a:xfrm>
             <a:off x="5265000" y="3433680"/>
-            <a:ext cx="449280" cy="181800"/>
+            <a:ext cx="448920" cy="181440"/>
           </a:xfrm>
           <a:prstGeom prst="rect">
             <a:avLst/>
@@ -12034,6 +11834,7 @@
                   <a:srgbClr val="ffffff"/>
                 </a:solidFill>
                 <a:latin typeface="Calibri"/>
+                <a:ea typeface="DejaVu Sans"/>
               </a:rPr>
               <a:t>Upload</a:t>
             </a:r>
@@ -12045,14 +11846,14 @@
       </p:sp>
       <p:sp>
         <p:nvSpPr>
-          <p:cNvPr id="135" name="CustomShape 13"/>
+          <p:cNvPr id="132" name="CustomShape 13"/>
           <p:cNvSpPr/>
           <p:nvPr/>
         </p:nvSpPr>
         <p:spPr>
           <a:xfrm>
             <a:off x="5265000" y="3856320"/>
-            <a:ext cx="449280" cy="181800"/>
+            <a:ext cx="448920" cy="181440"/>
           </a:xfrm>
           <a:prstGeom prst="rect">
             <a:avLst/>
@@ -12094,6 +11895,7 @@
                   <a:srgbClr val="ffffff"/>
                 </a:solidFill>
                 <a:latin typeface="Calibri"/>
+                <a:ea typeface="DejaVu Sans"/>
               </a:rPr>
               <a:t>Upload</a:t>
             </a:r>
@@ -12105,14 +11907,14 @@
       </p:sp>
       <p:sp>
         <p:nvSpPr>
-          <p:cNvPr id="136" name="CustomShape 14"/>
+          <p:cNvPr id="133" name="CustomShape 14"/>
           <p:cNvSpPr/>
           <p:nvPr/>
         </p:nvSpPr>
         <p:spPr>
           <a:xfrm>
             <a:off x="5265000" y="4279680"/>
-            <a:ext cx="449280" cy="181800"/>
+            <a:ext cx="448920" cy="181440"/>
           </a:xfrm>
           <a:prstGeom prst="rect">
             <a:avLst/>
@@ -12154,6 +11956,7 @@
                   <a:srgbClr val="ffffff"/>
                 </a:solidFill>
                 <a:latin typeface="Calibri"/>
+                <a:ea typeface="DejaVu Sans"/>
               </a:rPr>
               <a:t>Upload</a:t>
             </a:r>
@@ -12165,14 +11968,14 @@
       </p:sp>
       <p:sp>
         <p:nvSpPr>
-          <p:cNvPr id="137" name="CustomShape 15"/>
+          <p:cNvPr id="134" name="CustomShape 15"/>
           <p:cNvSpPr/>
           <p:nvPr/>
         </p:nvSpPr>
         <p:spPr>
           <a:xfrm>
             <a:off x="7062840" y="2207880"/>
-            <a:ext cx="449280" cy="181800"/>
+            <a:ext cx="448920" cy="181440"/>
           </a:xfrm>
           <a:prstGeom prst="rect">
             <a:avLst/>
@@ -12214,6 +12017,7 @@
                   <a:srgbClr val="ffffff"/>
                 </a:solidFill>
                 <a:latin typeface="Calibri"/>
+                <a:ea typeface="DejaVu Sans"/>
               </a:rPr>
               <a:t>Upload</a:t>
             </a:r>
@@ -12225,14 +12029,14 @@
       </p:sp>
       <p:sp>
         <p:nvSpPr>
-          <p:cNvPr id="138" name="CustomShape 16"/>
+          <p:cNvPr id="135" name="CustomShape 16"/>
           <p:cNvSpPr/>
           <p:nvPr/>
         </p:nvSpPr>
         <p:spPr>
           <a:xfrm>
             <a:off x="7062840" y="2598480"/>
-            <a:ext cx="449280" cy="181800"/>
+            <a:ext cx="448920" cy="181440"/>
           </a:xfrm>
           <a:prstGeom prst="rect">
             <a:avLst/>
@@ -12274,6 +12078,7 @@
                   <a:srgbClr val="ffffff"/>
                 </a:solidFill>
                 <a:latin typeface="Calibri"/>
+                <a:ea typeface="DejaVu Sans"/>
               </a:rPr>
               <a:t>Upload</a:t>
             </a:r>
@@ -12285,14 +12090,14 @@
       </p:sp>
       <p:sp>
         <p:nvSpPr>
-          <p:cNvPr id="139" name="CustomShape 17"/>
+          <p:cNvPr id="136" name="CustomShape 17"/>
           <p:cNvSpPr/>
           <p:nvPr/>
         </p:nvSpPr>
         <p:spPr>
           <a:xfrm>
             <a:off x="7062840" y="3026880"/>
-            <a:ext cx="449280" cy="181800"/>
+            <a:ext cx="448920" cy="181440"/>
           </a:xfrm>
           <a:prstGeom prst="rect">
             <a:avLst/>
@@ -12334,6 +12139,7 @@
                   <a:srgbClr val="ffffff"/>
                 </a:solidFill>
                 <a:latin typeface="Calibri"/>
+                <a:ea typeface="DejaVu Sans"/>
               </a:rPr>
               <a:t>Upload</a:t>
             </a:r>
@@ -12345,14 +12151,14 @@
       </p:sp>
       <p:sp>
         <p:nvSpPr>
-          <p:cNvPr id="140" name="CustomShape 18"/>
+          <p:cNvPr id="137" name="CustomShape 18"/>
           <p:cNvSpPr/>
           <p:nvPr/>
         </p:nvSpPr>
         <p:spPr>
           <a:xfrm>
             <a:off x="7062840" y="3439080"/>
-            <a:ext cx="449280" cy="181800"/>
+            <a:ext cx="448920" cy="181440"/>
           </a:xfrm>
           <a:prstGeom prst="rect">
             <a:avLst/>
@@ -12394,6 +12200,7 @@
                   <a:srgbClr val="ffffff"/>
                 </a:solidFill>
                 <a:latin typeface="Calibri"/>
+                <a:ea typeface="DejaVu Sans"/>
               </a:rPr>
               <a:t>Upload</a:t>
             </a:r>
@@ -12405,14 +12212,14 @@
       </p:sp>
       <p:sp>
         <p:nvSpPr>
-          <p:cNvPr id="141" name="CustomShape 19"/>
+          <p:cNvPr id="138" name="CustomShape 19"/>
           <p:cNvSpPr/>
           <p:nvPr/>
         </p:nvSpPr>
         <p:spPr>
           <a:xfrm>
             <a:off x="7062840" y="3861720"/>
-            <a:ext cx="449280" cy="181800"/>
+            <a:ext cx="448920" cy="181440"/>
           </a:xfrm>
           <a:prstGeom prst="rect">
             <a:avLst/>
@@ -12454,6 +12261,7 @@
                   <a:srgbClr val="ffffff"/>
                 </a:solidFill>
                 <a:latin typeface="Calibri"/>
+                <a:ea typeface="DejaVu Sans"/>
               </a:rPr>
               <a:t>Upload</a:t>
             </a:r>
@@ -12465,14 +12273,14 @@
       </p:sp>
       <p:sp>
         <p:nvSpPr>
-          <p:cNvPr id="142" name="CustomShape 20"/>
+          <p:cNvPr id="139" name="CustomShape 20"/>
           <p:cNvSpPr/>
           <p:nvPr/>
         </p:nvSpPr>
         <p:spPr>
           <a:xfrm>
             <a:off x="7062840" y="4285080"/>
-            <a:ext cx="449280" cy="181800"/>
+            <a:ext cx="448920" cy="181440"/>
           </a:xfrm>
           <a:prstGeom prst="rect">
             <a:avLst/>
@@ -12514,6 +12322,7 @@
                   <a:srgbClr val="ffffff"/>
                 </a:solidFill>
                 <a:latin typeface="Calibri"/>
+                <a:ea typeface="DejaVu Sans"/>
               </a:rPr>
               <a:t>Upload</a:t>
             </a:r>
@@ -12525,14 +12334,14 @@
       </p:sp>
       <p:sp>
         <p:nvSpPr>
-          <p:cNvPr id="143" name="CustomShape 21"/>
+          <p:cNvPr id="140" name="CustomShape 21"/>
           <p:cNvSpPr/>
           <p:nvPr/>
         </p:nvSpPr>
         <p:spPr>
           <a:xfrm>
             <a:off x="8895600" y="2217600"/>
-            <a:ext cx="449280" cy="181800"/>
+            <a:ext cx="448920" cy="181440"/>
           </a:xfrm>
           <a:prstGeom prst="rect">
             <a:avLst/>
@@ -12574,6 +12383,7 @@
                   <a:srgbClr val="ffffff"/>
                 </a:solidFill>
                 <a:latin typeface="Calibri"/>
+                <a:ea typeface="DejaVu Sans"/>
               </a:rPr>
               <a:t>Upload</a:t>
             </a:r>
@@ -12585,14 +12395,14 @@
       </p:sp>
       <p:sp>
         <p:nvSpPr>
-          <p:cNvPr id="144" name="CustomShape 22"/>
+          <p:cNvPr id="141" name="CustomShape 22"/>
           <p:cNvSpPr/>
           <p:nvPr/>
         </p:nvSpPr>
         <p:spPr>
           <a:xfrm>
             <a:off x="8895600" y="2608200"/>
-            <a:ext cx="449280" cy="181800"/>
+            <a:ext cx="448920" cy="181440"/>
           </a:xfrm>
           <a:prstGeom prst="rect">
             <a:avLst/>
@@ -12634,6 +12444,7 @@
                   <a:srgbClr val="ffffff"/>
                 </a:solidFill>
                 <a:latin typeface="Calibri"/>
+                <a:ea typeface="DejaVu Sans"/>
               </a:rPr>
               <a:t>Upload</a:t>
             </a:r>
@@ -12645,14 +12456,14 @@
       </p:sp>
       <p:sp>
         <p:nvSpPr>
-          <p:cNvPr id="145" name="CustomShape 23"/>
+          <p:cNvPr id="142" name="CustomShape 23"/>
           <p:cNvSpPr/>
           <p:nvPr/>
         </p:nvSpPr>
         <p:spPr>
           <a:xfrm>
             <a:off x="8895600" y="3036600"/>
-            <a:ext cx="449280" cy="181800"/>
+            <a:ext cx="448920" cy="181440"/>
           </a:xfrm>
           <a:prstGeom prst="rect">
             <a:avLst/>
@@ -12694,6 +12505,7 @@
                   <a:srgbClr val="ffffff"/>
                 </a:solidFill>
                 <a:latin typeface="Calibri"/>
+                <a:ea typeface="DejaVu Sans"/>
               </a:rPr>
               <a:t>Upload</a:t>
             </a:r>
@@ -12705,14 +12517,14 @@
       </p:sp>
       <p:sp>
         <p:nvSpPr>
-          <p:cNvPr id="146" name="CustomShape 24"/>
+          <p:cNvPr id="143" name="CustomShape 24"/>
           <p:cNvSpPr/>
           <p:nvPr/>
         </p:nvSpPr>
         <p:spPr>
           <a:xfrm>
             <a:off x="8895600" y="3448800"/>
-            <a:ext cx="449280" cy="181800"/>
+            <a:ext cx="448920" cy="181440"/>
           </a:xfrm>
           <a:prstGeom prst="rect">
             <a:avLst/>
@@ -12754,6 +12566,7 @@
                   <a:srgbClr val="ffffff"/>
                 </a:solidFill>
                 <a:latin typeface="Calibri"/>
+                <a:ea typeface="DejaVu Sans"/>
               </a:rPr>
               <a:t>Upload</a:t>
             </a:r>
@@ -12765,14 +12578,14 @@
       </p:sp>
       <p:sp>
         <p:nvSpPr>
-          <p:cNvPr id="147" name="CustomShape 25"/>
+          <p:cNvPr id="144" name="CustomShape 25"/>
           <p:cNvSpPr/>
           <p:nvPr/>
         </p:nvSpPr>
         <p:spPr>
           <a:xfrm>
             <a:off x="8895600" y="3871440"/>
-            <a:ext cx="449280" cy="181800"/>
+            <a:ext cx="448920" cy="181440"/>
           </a:xfrm>
           <a:prstGeom prst="rect">
             <a:avLst/>
@@ -12814,6 +12627,7 @@
                   <a:srgbClr val="ffffff"/>
                 </a:solidFill>
                 <a:latin typeface="Calibri"/>
+                <a:ea typeface="DejaVu Sans"/>
               </a:rPr>
               <a:t>Upload</a:t>
             </a:r>
@@ -12825,14 +12639,14 @@
       </p:sp>
       <p:sp>
         <p:nvSpPr>
-          <p:cNvPr id="148" name="CustomShape 26"/>
+          <p:cNvPr id="145" name="CustomShape 26"/>
           <p:cNvSpPr/>
           <p:nvPr/>
         </p:nvSpPr>
         <p:spPr>
           <a:xfrm>
             <a:off x="8895600" y="4295160"/>
-            <a:ext cx="449280" cy="181800"/>
+            <a:ext cx="448920" cy="181440"/>
           </a:xfrm>
           <a:prstGeom prst="rect">
             <a:avLst/>
@@ -12874,6 +12688,7 @@
                   <a:srgbClr val="ffffff"/>
                 </a:solidFill>
                 <a:latin typeface="Calibri"/>
+                <a:ea typeface="DejaVu Sans"/>
               </a:rPr>
               <a:t>Upload</a:t>
             </a:r>
@@ -12885,14 +12700,14 @@
       </p:sp>
       <p:sp>
         <p:nvSpPr>
-          <p:cNvPr id="149" name="CustomShape 27"/>
+          <p:cNvPr id="146" name="CustomShape 27"/>
           <p:cNvSpPr/>
           <p:nvPr/>
         </p:nvSpPr>
         <p:spPr>
           <a:xfrm>
             <a:off x="10839600" y="2179800"/>
-            <a:ext cx="452520" cy="181800"/>
+            <a:ext cx="452160" cy="181440"/>
           </a:xfrm>
           <a:prstGeom prst="rect">
             <a:avLst/>
@@ -12934,6 +12749,7 @@
                   <a:srgbClr val="ffffff"/>
                 </a:solidFill>
                 <a:latin typeface="Calibri"/>
+                <a:ea typeface="DejaVu Sans"/>
               </a:rPr>
               <a:t>Submit</a:t>
             </a:r>
@@ -12945,14 +12761,14 @@
       </p:sp>
       <p:sp>
         <p:nvSpPr>
-          <p:cNvPr id="150" name="CustomShape 28"/>
+          <p:cNvPr id="147" name="CustomShape 28"/>
           <p:cNvSpPr/>
           <p:nvPr/>
         </p:nvSpPr>
         <p:spPr>
           <a:xfrm>
             <a:off x="10839600" y="2575440"/>
-            <a:ext cx="452520" cy="181800"/>
+            <a:ext cx="452160" cy="181440"/>
           </a:xfrm>
           <a:prstGeom prst="rect">
             <a:avLst/>
@@ -12994,6 +12810,7 @@
                   <a:srgbClr val="ffffff"/>
                 </a:solidFill>
                 <a:latin typeface="Calibri"/>
+                <a:ea typeface="DejaVu Sans"/>
               </a:rPr>
               <a:t>Submit</a:t>
             </a:r>
@@ -13005,14 +12822,14 @@
       </p:sp>
       <p:sp>
         <p:nvSpPr>
-          <p:cNvPr id="151" name="CustomShape 29"/>
+          <p:cNvPr id="148" name="CustomShape 29"/>
           <p:cNvSpPr/>
           <p:nvPr/>
         </p:nvSpPr>
         <p:spPr>
           <a:xfrm>
             <a:off x="10839600" y="2998800"/>
-            <a:ext cx="452520" cy="181800"/>
+            <a:ext cx="452160" cy="181440"/>
           </a:xfrm>
           <a:prstGeom prst="rect">
             <a:avLst/>
@@ -13054,6 +12871,7 @@
                   <a:srgbClr val="ffffff"/>
                 </a:solidFill>
                 <a:latin typeface="Calibri"/>
+                <a:ea typeface="DejaVu Sans"/>
               </a:rPr>
               <a:t>Submit</a:t>
             </a:r>
@@ -13065,14 +12883,14 @@
       </p:sp>
       <p:sp>
         <p:nvSpPr>
-          <p:cNvPr id="152" name="CustomShape 30"/>
+          <p:cNvPr id="149" name="CustomShape 30"/>
           <p:cNvSpPr/>
           <p:nvPr/>
         </p:nvSpPr>
         <p:spPr>
           <a:xfrm>
             <a:off x="10839600" y="3411000"/>
-            <a:ext cx="452520" cy="181800"/>
+            <a:ext cx="452160" cy="181440"/>
           </a:xfrm>
           <a:prstGeom prst="rect">
             <a:avLst/>
@@ -13114,6 +12932,7 @@
                   <a:srgbClr val="ffffff"/>
                 </a:solidFill>
                 <a:latin typeface="Calibri"/>
+                <a:ea typeface="DejaVu Sans"/>
               </a:rPr>
               <a:t>Submit</a:t>
             </a:r>
@@ -13125,14 +12944,14 @@
       </p:sp>
       <p:sp>
         <p:nvSpPr>
-          <p:cNvPr id="153" name="CustomShape 31"/>
+          <p:cNvPr id="150" name="CustomShape 31"/>
           <p:cNvSpPr/>
           <p:nvPr/>
         </p:nvSpPr>
         <p:spPr>
           <a:xfrm>
             <a:off x="10839600" y="3834000"/>
-            <a:ext cx="452520" cy="181800"/>
+            <a:ext cx="452160" cy="181440"/>
           </a:xfrm>
           <a:prstGeom prst="rect">
             <a:avLst/>
@@ -13174,6 +12993,7 @@
                   <a:srgbClr val="ffffff"/>
                 </a:solidFill>
                 <a:latin typeface="Calibri"/>
+                <a:ea typeface="DejaVu Sans"/>
               </a:rPr>
               <a:t>Submit</a:t>
             </a:r>
@@ -13185,14 +13005,14 @@
       </p:sp>
       <p:sp>
         <p:nvSpPr>
-          <p:cNvPr id="154" name="CustomShape 32"/>
+          <p:cNvPr id="151" name="CustomShape 32"/>
           <p:cNvSpPr/>
           <p:nvPr/>
         </p:nvSpPr>
         <p:spPr>
           <a:xfrm>
             <a:off x="10839600" y="4257360"/>
-            <a:ext cx="452520" cy="181800"/>
+            <a:ext cx="452160" cy="181440"/>
           </a:xfrm>
           <a:prstGeom prst="rect">
             <a:avLst/>
@@ -13234,6 +13054,7 @@
                   <a:srgbClr val="ffffff"/>
                 </a:solidFill>
                 <a:latin typeface="Calibri"/>
+                <a:ea typeface="DejaVu Sans"/>
               </a:rPr>
               <a:t>Submit</a:t>
             </a:r>
@@ -13245,7 +13066,7 @@
       </p:sp>
       <p:pic>
         <p:nvPicPr>
-          <p:cNvPr id="155" name="Picture 50" descr=""/>
+          <p:cNvPr id="152" name="Picture 50" descr=""/>
           <p:cNvPicPr/>
           <p:nvPr/>
         </p:nvPicPr>
@@ -13256,7 +13077,7 @@
         <p:spPr>
           <a:xfrm>
             <a:off x="6825960" y="4267800"/>
-            <a:ext cx="136800" cy="136800"/>
+            <a:ext cx="136440" cy="136440"/>
           </a:xfrm>
           <a:prstGeom prst="rect">
             <a:avLst/>
@@ -13268,7 +13089,7 @@
       </p:pic>
       <p:pic>
         <p:nvPicPr>
-          <p:cNvPr id="156" name="Picture 106" descr=""/>
+          <p:cNvPr id="153" name="Picture 106" descr=""/>
           <p:cNvPicPr/>
           <p:nvPr/>
         </p:nvPicPr>
@@ -13279,7 +13100,7 @@
         <p:spPr>
           <a:xfrm>
             <a:off x="6825960" y="2221560"/>
-            <a:ext cx="136800" cy="136800"/>
+            <a:ext cx="136440" cy="136440"/>
           </a:xfrm>
           <a:prstGeom prst="rect">
             <a:avLst/>
@@ -13291,7 +13112,7 @@
       </p:pic>
       <p:pic>
         <p:nvPicPr>
-          <p:cNvPr id="157" name="Picture 107" descr=""/>
+          <p:cNvPr id="154" name="Picture 107" descr=""/>
           <p:cNvPicPr/>
           <p:nvPr/>
         </p:nvPicPr>
@@ -13302,7 +13123,7 @@
         <p:spPr>
           <a:xfrm>
             <a:off x="6816960" y="2654280"/>
-            <a:ext cx="136800" cy="136800"/>
+            <a:ext cx="136440" cy="136440"/>
           </a:xfrm>
           <a:prstGeom prst="rect">
             <a:avLst/>
@@ -13314,7 +13135,7 @@
       </p:pic>
       <p:pic>
         <p:nvPicPr>
-          <p:cNvPr id="158" name="Picture 108" descr=""/>
+          <p:cNvPr id="155" name="Picture 108" descr=""/>
           <p:cNvPicPr/>
           <p:nvPr/>
         </p:nvPicPr>
@@ -13325,7 +13146,7 @@
         <p:spPr>
           <a:xfrm>
             <a:off x="6818760" y="3053520"/>
-            <a:ext cx="136800" cy="136800"/>
+            <a:ext cx="136440" cy="136440"/>
           </a:xfrm>
           <a:prstGeom prst="rect">
             <a:avLst/>
@@ -13337,7 +13158,7 @@
       </p:pic>
       <p:pic>
         <p:nvPicPr>
-          <p:cNvPr id="159" name="Picture 109" descr=""/>
+          <p:cNvPr id="156" name="Picture 109" descr=""/>
           <p:cNvPicPr/>
           <p:nvPr/>
         </p:nvPicPr>
@@ -13348,7 +13169,7 @@
         <p:spPr>
           <a:xfrm>
             <a:off x="6825960" y="3425040"/>
-            <a:ext cx="136800" cy="136800"/>
+            <a:ext cx="136440" cy="136440"/>
           </a:xfrm>
           <a:prstGeom prst="rect">
             <a:avLst/>
@@ -13360,7 +13181,7 @@
       </p:pic>
       <p:pic>
         <p:nvPicPr>
-          <p:cNvPr id="160" name="Picture 110" descr=""/>
+          <p:cNvPr id="157" name="Picture 110" descr=""/>
           <p:cNvPicPr/>
           <p:nvPr/>
         </p:nvPicPr>
@@ -13371,7 +13192,7 @@
         <p:spPr>
           <a:xfrm>
             <a:off x="6825960" y="3851640"/>
-            <a:ext cx="136800" cy="136800"/>
+            <a:ext cx="136440" cy="136440"/>
           </a:xfrm>
           <a:prstGeom prst="rect">
             <a:avLst/>
@@ -13383,7 +13204,7 @@
       </p:pic>
       <p:pic>
         <p:nvPicPr>
-          <p:cNvPr id="161" name="Picture 111" descr=""/>
+          <p:cNvPr id="158" name="Picture 111" descr=""/>
           <p:cNvPicPr/>
           <p:nvPr/>
         </p:nvPicPr>
@@ -13394,7 +13215,7 @@
         <p:spPr>
           <a:xfrm>
             <a:off x="8692200" y="4267800"/>
-            <a:ext cx="136800" cy="136800"/>
+            <a:ext cx="136440" cy="136440"/>
           </a:xfrm>
           <a:prstGeom prst="rect">
             <a:avLst/>
@@ -13406,7 +13227,7 @@
       </p:pic>
       <p:pic>
         <p:nvPicPr>
-          <p:cNvPr id="162" name="Picture 112" descr=""/>
+          <p:cNvPr id="159" name="Picture 112" descr=""/>
           <p:cNvPicPr/>
           <p:nvPr/>
         </p:nvPicPr>
@@ -13417,7 +13238,7 @@
         <p:spPr>
           <a:xfrm>
             <a:off x="8692200" y="2221560"/>
-            <a:ext cx="136800" cy="136800"/>
+            <a:ext cx="136440" cy="136440"/>
           </a:xfrm>
           <a:prstGeom prst="rect">
             <a:avLst/>
@@ -13429,7 +13250,7 @@
       </p:pic>
       <p:pic>
         <p:nvPicPr>
-          <p:cNvPr id="163" name="Picture 113" descr=""/>
+          <p:cNvPr id="160" name="Picture 113" descr=""/>
           <p:cNvPicPr/>
           <p:nvPr/>
         </p:nvPicPr>
@@ -13440,7 +13261,7 @@
         <p:spPr>
           <a:xfrm>
             <a:off x="8683200" y="2654280"/>
-            <a:ext cx="136800" cy="136800"/>
+            <a:ext cx="136440" cy="136440"/>
           </a:xfrm>
           <a:prstGeom prst="rect">
             <a:avLst/>
@@ -13452,7 +13273,7 @@
       </p:pic>
       <p:pic>
         <p:nvPicPr>
-          <p:cNvPr id="164" name="Picture 114" descr=""/>
+          <p:cNvPr id="161" name="Picture 114" descr=""/>
           <p:cNvPicPr/>
           <p:nvPr/>
         </p:nvPicPr>
@@ -13463,7 +13284,7 @@
         <p:spPr>
           <a:xfrm>
             <a:off x="8685000" y="3053520"/>
-            <a:ext cx="136800" cy="136800"/>
+            <a:ext cx="136440" cy="136440"/>
           </a:xfrm>
           <a:prstGeom prst="rect">
             <a:avLst/>
@@ -13475,7 +13296,7 @@
       </p:pic>
       <p:pic>
         <p:nvPicPr>
-          <p:cNvPr id="165" name="Picture 115" descr=""/>
+          <p:cNvPr id="162" name="Picture 115" descr=""/>
           <p:cNvPicPr/>
           <p:nvPr/>
         </p:nvPicPr>
@@ -13486,7 +13307,7 @@
         <p:spPr>
           <a:xfrm>
             <a:off x="8692200" y="3425040"/>
-            <a:ext cx="136800" cy="136800"/>
+            <a:ext cx="136440" cy="136440"/>
           </a:xfrm>
           <a:prstGeom prst="rect">
             <a:avLst/>
@@ -13498,7 +13319,7 @@
       </p:pic>
       <p:pic>
         <p:nvPicPr>
-          <p:cNvPr id="166" name="Picture 116" descr=""/>
+          <p:cNvPr id="163" name="Picture 116" descr=""/>
           <p:cNvPicPr/>
           <p:nvPr/>
         </p:nvPicPr>
@@ -13509,7 +13330,7 @@
         <p:spPr>
           <a:xfrm>
             <a:off x="8692200" y="3851640"/>
-            <a:ext cx="136800" cy="136800"/>
+            <a:ext cx="136440" cy="136440"/>
           </a:xfrm>
           <a:prstGeom prst="rect">
             <a:avLst/>
@@ -13521,7 +13342,7 @@
       </p:pic>
       <p:pic>
         <p:nvPicPr>
-          <p:cNvPr id="167" name="Picture 117" descr=""/>
+          <p:cNvPr id="164" name="Picture 117" descr=""/>
           <p:cNvPicPr/>
           <p:nvPr/>
         </p:nvPicPr>
@@ -13532,7 +13353,7 @@
         <p:spPr>
           <a:xfrm>
             <a:off x="10581480" y="4267800"/>
-            <a:ext cx="136800" cy="136800"/>
+            <a:ext cx="136440" cy="136440"/>
           </a:xfrm>
           <a:prstGeom prst="rect">
             <a:avLst/>
@@ -13544,7 +13365,7 @@
       </p:pic>
       <p:pic>
         <p:nvPicPr>
-          <p:cNvPr id="168" name="Picture 118" descr=""/>
+          <p:cNvPr id="165" name="Picture 118" descr=""/>
           <p:cNvPicPr/>
           <p:nvPr/>
         </p:nvPicPr>
@@ -13555,7 +13376,7 @@
         <p:spPr>
           <a:xfrm>
             <a:off x="10581480" y="2221560"/>
-            <a:ext cx="136800" cy="136800"/>
+            <a:ext cx="136440" cy="136440"/>
           </a:xfrm>
           <a:prstGeom prst="rect">
             <a:avLst/>
@@ -13567,7 +13388,7 @@
       </p:pic>
       <p:pic>
         <p:nvPicPr>
-          <p:cNvPr id="169" name="Picture 119" descr=""/>
+          <p:cNvPr id="166" name="Picture 119" descr=""/>
           <p:cNvPicPr/>
           <p:nvPr/>
         </p:nvPicPr>
@@ -13578,7 +13399,7 @@
         <p:spPr>
           <a:xfrm>
             <a:off x="10572480" y="2654280"/>
-            <a:ext cx="136800" cy="136800"/>
+            <a:ext cx="136440" cy="136440"/>
           </a:xfrm>
           <a:prstGeom prst="rect">
             <a:avLst/>
@@ -13590,7 +13411,7 @@
       </p:pic>
       <p:pic>
         <p:nvPicPr>
-          <p:cNvPr id="170" name="Picture 120" descr=""/>
+          <p:cNvPr id="167" name="Picture 120" descr=""/>
           <p:cNvPicPr/>
           <p:nvPr/>
         </p:nvPicPr>
@@ -13601,7 +13422,7 @@
         <p:spPr>
           <a:xfrm>
             <a:off x="10574280" y="3053520"/>
-            <a:ext cx="136800" cy="136800"/>
+            <a:ext cx="136440" cy="136440"/>
           </a:xfrm>
           <a:prstGeom prst="rect">
             <a:avLst/>
@@ -13613,7 +13434,7 @@
       </p:pic>
       <p:pic>
         <p:nvPicPr>
-          <p:cNvPr id="171" name="Picture 121" descr=""/>
+          <p:cNvPr id="168" name="Picture 121" descr=""/>
           <p:cNvPicPr/>
           <p:nvPr/>
         </p:nvPicPr>
@@ -13624,7 +13445,7 @@
         <p:spPr>
           <a:xfrm>
             <a:off x="10581480" y="3425040"/>
-            <a:ext cx="136800" cy="136800"/>
+            <a:ext cx="136440" cy="136440"/>
           </a:xfrm>
           <a:prstGeom prst="rect">
             <a:avLst/>
@@ -13636,7 +13457,7 @@
       </p:pic>
       <p:pic>
         <p:nvPicPr>
-          <p:cNvPr id="172" name="Picture 122" descr=""/>
+          <p:cNvPr id="169" name="Picture 122" descr=""/>
           <p:cNvPicPr/>
           <p:nvPr/>
         </p:nvPicPr>
@@ -13647,7 +13468,7 @@
         <p:spPr>
           <a:xfrm>
             <a:off x="10581480" y="3851640"/>
-            <a:ext cx="136800" cy="136800"/>
+            <a:ext cx="136440" cy="136440"/>
           </a:xfrm>
           <a:prstGeom prst="rect">
             <a:avLst/>
@@ -13659,13 +13480,13 @@
       </p:pic>
       <p:graphicFrame>
         <p:nvGraphicFramePr>
-          <p:cNvPr id="173" name="Table 33"/>
+          <p:cNvPr id="170" name="Table 33"/>
           <p:cNvGraphicFramePr/>
           <p:nvPr/>
         </p:nvGraphicFramePr>
         <p:xfrm>
           <a:off x="2697480" y="5358960"/>
-          <a:ext cx="8678880" cy="414720"/>
+          <a:ext cx="8678520" cy="620280"/>
         </p:xfrm>
         <a:graphic>
           <a:graphicData uri="http://schemas.openxmlformats.org/drawingml/2006/table">
@@ -13690,10 +13511,10 @@
                 <a:gridCol w="185760"/>
                 <a:gridCol w="633960"/>
               </a:tblGrid>
-              <a:tr h="249480">
-                <a:tc>
-                  <a:txBody>
-                    <a:bodyPr lIns="5760" rIns="5760" tIns="5760" bIns="0" anchor="ctr"/>
+              <a:tr h="329400">
+                <a:tc>
+                  <a:txBody>
+                    <a:bodyPr lIns="5760" rIns="5760"/>
                     <a:p>
                       <a:pPr algn="ctr">
                         <a:lnSpc>
@@ -13742,7 +13563,7 @@
                 </a:tc>
                 <a:tc>
                   <a:txBody>
-                    <a:bodyPr lIns="5760" rIns="5760" tIns="5760" bIns="0" anchor="ctr"/>
+                    <a:bodyPr lIns="5760" rIns="5760"/>
                     <a:p>
                       <a:pPr algn="ctr">
                         <a:lnSpc>
@@ -13791,7 +13612,7 @@
                 </a:tc>
                 <a:tc>
                   <a:txBody>
-                    <a:bodyPr lIns="5760" rIns="5760" tIns="5760" bIns="0" anchor="ctr"/>
+                    <a:bodyPr lIns="5760" rIns="5760"/>
                     <a:p>
                       <a:pPr algn="ctr">
                         <a:lnSpc>
@@ -13840,7 +13661,7 @@
                 </a:tc>
                 <a:tc>
                   <a:txBody>
-                    <a:bodyPr lIns="5760" rIns="5760" tIns="5760" bIns="0" anchor="ctr"/>
+                    <a:bodyPr lIns="5760" rIns="5760"/>
                     <a:p>
                       <a:pPr algn="ctr">
                         <a:lnSpc>
@@ -13889,7 +13710,7 @@
                 </a:tc>
                 <a:tc gridSpan="3">
                   <a:txBody>
-                    <a:bodyPr lIns="5760" rIns="5760" tIns="5760" bIns="0" anchor="ctr"/>
+                    <a:bodyPr lIns="5760" rIns="5760"/>
                     <a:p>
                       <a:pPr algn="ctr">
                         <a:lnSpc>
@@ -13979,7 +13800,7 @@
                 </a:tc>
                 <a:tc gridSpan="3">
                   <a:txBody>
-                    <a:bodyPr lIns="5760" rIns="5760" tIns="5760" bIns="0" anchor="ctr"/>
+                    <a:bodyPr lIns="5760" rIns="5760"/>
                     <a:p>
                       <a:pPr algn="ctr">
                         <a:lnSpc>
@@ -14069,7 +13890,7 @@
                 </a:tc>
                 <a:tc gridSpan="3">
                   <a:txBody>
-                    <a:bodyPr lIns="5760" rIns="5760" tIns="5760" bIns="0" anchor="ctr"/>
+                    <a:bodyPr lIns="5760" rIns="5760"/>
                     <a:p>
                       <a:pPr algn="ctr">
                         <a:lnSpc>
@@ -14159,7 +13980,7 @@
                 </a:tc>
                 <a:tc>
                   <a:txBody>
-                    <a:bodyPr lIns="5760" rIns="5760" tIns="5760" bIns="0" anchor="ctr"/>
+                    <a:bodyPr lIns="5760" rIns="5760"/>
                     <a:p>
                       <a:pPr algn="ctr">
                         <a:lnSpc>
@@ -14207,10 +14028,10 @@
                   </a:tcPr>
                 </a:tc>
               </a:tr>
-              <a:tr h="371160">
-                <a:tc>
-                  <a:txBody>
-                    <a:bodyPr lIns="5760" rIns="5760" tIns="5760" bIns="0" anchor="ctr"/>
+              <a:tr h="448200">
+                <a:tc>
+                  <a:txBody>
+                    <a:bodyPr lIns="5760" rIns="5760"/>
                     <a:p>
                       <a:pPr algn="ctr">
                         <a:lnSpc>
@@ -14259,7 +14080,7 @@
                 </a:tc>
                 <a:tc>
                   <a:txBody>
-                    <a:bodyPr lIns="5760" rIns="5760" tIns="5760" bIns="0" anchor="ctr"/>
+                    <a:bodyPr lIns="5760" rIns="5760"/>
                     <a:p>
                       <a:pPr algn="ctr">
                         <a:lnSpc>
@@ -14308,7 +14129,7 @@
                 </a:tc>
                 <a:tc>
                   <a:txBody>
-                    <a:bodyPr lIns="5760" rIns="5760" tIns="5760" bIns="0" anchor="ctr"/>
+                    <a:bodyPr lIns="5760" rIns="5760"/>
                     <a:p>
                       <a:pPr algn="ctr">
                         <a:lnSpc>
@@ -14357,7 +14178,7 @@
                 </a:tc>
                 <a:tc>
                   <a:txBody>
-                    <a:bodyPr lIns="5760" rIns="5760" tIns="5760" bIns="0" anchor="ctr"/>
+                    <a:bodyPr lIns="5760" rIns="5760"/>
                     <a:p>
                       <a:pPr algn="ctr">
                         <a:lnSpc>
@@ -14406,7 +14227,7 @@
                 </a:tc>
                 <a:tc>
                   <a:txBody>
-                    <a:bodyPr lIns="5760" rIns="5760" tIns="5760" bIns="0" anchor="ctr"/>
+                    <a:bodyPr lIns="5760" rIns="5760"/>
                     <a:p>
                       <a:pPr algn="ctr">
                         <a:lnSpc>
@@ -14455,7 +14276,7 @@
                 </a:tc>
                 <a:tc>
                   <a:txBody>
-                    <a:bodyPr lIns="5760" rIns="5760" tIns="5760" bIns="0" anchor="ctr"/>
+                    <a:bodyPr lIns="5760" rIns="5760"/>
                     <a:p>
                       <a:pPr algn="ctr">
                         <a:lnSpc>
@@ -14523,7 +14344,7 @@
                 </a:tc>
                 <a:tc>
                   <a:txBody>
-                    <a:bodyPr lIns="5760" rIns="5760" tIns="5760" bIns="0" anchor="ctr"/>
+                    <a:bodyPr lIns="5760" rIns="5760"/>
                     <a:p>
                       <a:pPr algn="ctr">
                         <a:lnSpc>
@@ -14572,7 +14393,7 @@
                 </a:tc>
                 <a:tc>
                   <a:txBody>
-                    <a:bodyPr lIns="5760" rIns="5760" tIns="5760" bIns="0" anchor="ctr"/>
+                    <a:bodyPr lIns="5760" rIns="5760"/>
                     <a:p>
                       <a:pPr algn="ctr">
                         <a:lnSpc>
@@ -14621,7 +14442,7 @@
                 </a:tc>
                 <a:tc>
                   <a:txBody>
-                    <a:bodyPr lIns="5760" rIns="5760" tIns="5760" bIns="0" anchor="ctr"/>
+                    <a:bodyPr lIns="5760" rIns="5760"/>
                     <a:p>
                       <a:pPr algn="ctr">
                         <a:lnSpc>
@@ -14670,7 +14491,7 @@
                 </a:tc>
                 <a:tc>
                   <a:txBody>
-                    <a:bodyPr lIns="5760" rIns="5760" tIns="5760" bIns="0" anchor="ctr"/>
+                    <a:bodyPr lIns="5760" rIns="5760"/>
                     <a:p>
                       <a:pPr algn="ctr">
                         <a:lnSpc>
@@ -14738,7 +14559,7 @@
                 </a:tc>
                 <a:tc>
                   <a:txBody>
-                    <a:bodyPr lIns="5760" rIns="5760" tIns="5760" bIns="0" anchor="ctr"/>
+                    <a:bodyPr lIns="5760" rIns="5760"/>
                     <a:p>
                       <a:pPr algn="ctr">
                         <a:lnSpc>
@@ -14787,7 +14608,7 @@
                 </a:tc>
                 <a:tc>
                   <a:txBody>
-                    <a:bodyPr lIns="5760" rIns="5760" tIns="5760" bIns="0" anchor="ctr"/>
+                    <a:bodyPr lIns="5760" rIns="5760"/>
                     <a:p>
                       <a:pPr algn="ctr">
                         <a:lnSpc>
@@ -14836,7 +14657,7 @@
                 </a:tc>
                 <a:tc>
                   <a:txBody>
-                    <a:bodyPr lIns="5760" rIns="5760" tIns="5760" bIns="0" anchor="ctr"/>
+                    <a:bodyPr lIns="5760" rIns="5760"/>
                     <a:p>
                       <a:pPr algn="ctr">
                         <a:lnSpc>
@@ -14885,7 +14706,7 @@
                 </a:tc>
                 <a:tc>
                   <a:txBody>
-                    <a:bodyPr lIns="5760" rIns="5760" tIns="5760" bIns="0" anchor="ctr"/>
+                    <a:bodyPr lIns="5760" rIns="5760"/>
                     <a:p>
                       <a:pPr algn="ctr">
                         <a:lnSpc>
@@ -14953,7 +14774,7 @@
                 </a:tc>
                 <a:tc>
                   <a:txBody>
-                    <a:bodyPr lIns="5760" rIns="5760" tIns="5760" bIns="0" anchor="ctr"/>
+                    <a:bodyPr lIns="5760" rIns="5760"/>
                     <a:p>
                       <a:pPr algn="ctr">
                         <a:lnSpc>
@@ -15002,7 +14823,7 @@
                 </a:tc>
                 <a:tc>
                   <a:txBody>
-                    <a:bodyPr lIns="5760" rIns="5760" tIns="5760" bIns="0" anchor="ctr"/>
+                    <a:bodyPr lIns="5760" rIns="5760"/>
                     <a:p>
                       <a:pPr algn="ctr">
                         <a:lnSpc>
@@ -15051,7 +14872,7 @@
                 </a:tc>
                 <a:tc>
                   <a:txBody>
-                    <a:bodyPr lIns="5760" rIns="5760" tIns="5760" bIns="0" anchor="ctr"/>
+                    <a:bodyPr lIns="5760" rIns="5760"/>
                     <a:p>
                       <a:pPr algn="ctr">
                         <a:lnSpc>
@@ -15105,19 +14926,28 @@
       </p:graphicFrame>
       <p:sp>
         <p:nvSpPr>
-          <p:cNvPr id="174" name="CustomShape 34"/>
+          <p:cNvPr id="171" name="CustomShape 34"/>
           <p:cNvSpPr/>
           <p:nvPr/>
         </p:nvSpPr>
         <p:spPr>
           <a:xfrm>
             <a:off x="2605320" y="1314720"/>
-            <a:ext cx="1177920" cy="272880"/>
+            <a:ext cx="1177560" cy="272520"/>
           </a:xfrm>
           <a:prstGeom prst="rect">
             <a:avLst/>
           </a:prstGeom>
-          <a:ln/>
+          <a:ln>
+            <a:round/>
+          </a:ln>
+          <a:effectLst>
+            <a:outerShdw blurRad="40000" dir="5400000" dist="20000" rotWithShape="0">
+              <a:srgbClr val="000000">
+                <a:alpha val="38000"/>
+              </a:srgbClr>
+            </a:outerShdw>
+          </a:effectLst>
         </p:spPr>
         <p:style>
           <a:lnRef idx="3">
@@ -15145,6 +14975,7 @@
                   <a:srgbClr val="ffffff"/>
                 </a:solidFill>
                 <a:latin typeface="Calibri"/>
+                <a:ea typeface="DejaVu Sans"/>
               </a:rPr>
               <a:t>New analysis</a:t>
             </a:r>
@@ -15156,19 +14987,28 @@
       </p:sp>
       <p:sp>
         <p:nvSpPr>
-          <p:cNvPr id="175" name="CustomShape 35"/>
+          <p:cNvPr id="172" name="CustomShape 35"/>
           <p:cNvSpPr/>
           <p:nvPr/>
         </p:nvSpPr>
         <p:spPr>
           <a:xfrm>
             <a:off x="2649960" y="4806360"/>
-            <a:ext cx="682560" cy="272880"/>
+            <a:ext cx="682200" cy="272520"/>
           </a:xfrm>
           <a:prstGeom prst="rect">
             <a:avLst/>
           </a:prstGeom>
-          <a:ln/>
+          <a:ln>
+            <a:round/>
+          </a:ln>
+          <a:effectLst>
+            <a:outerShdw blurRad="40000" dir="5400000" dist="20000" rotWithShape="0">
+              <a:srgbClr val="000000">
+                <a:alpha val="38000"/>
+              </a:srgbClr>
+            </a:outerShdw>
+          </a:effectLst>
         </p:spPr>
         <p:style>
           <a:lnRef idx="3">
@@ -15196,6 +15036,7 @@
                   <a:srgbClr val="ffffff"/>
                 </a:solidFill>
                 <a:latin typeface="Calibri"/>
+                <a:ea typeface="DejaVu Sans"/>
               </a:rPr>
               <a:t>Re-run</a:t>
             </a:r>
@@ -15207,14 +15048,14 @@
       </p:sp>
       <p:sp>
         <p:nvSpPr>
-          <p:cNvPr id="176" name="CustomShape 36"/>
+          <p:cNvPr id="173" name="CustomShape 36"/>
           <p:cNvSpPr/>
           <p:nvPr/>
         </p:nvSpPr>
         <p:spPr>
           <a:xfrm>
             <a:off x="5265000" y="5690880"/>
-            <a:ext cx="449280" cy="181800"/>
+            <a:ext cx="448920" cy="181440"/>
           </a:xfrm>
           <a:prstGeom prst="rect">
             <a:avLst/>
@@ -15256,6 +15097,7 @@
                   <a:srgbClr val="ffffff"/>
                 </a:solidFill>
                 <a:latin typeface="Calibri"/>
+                <a:ea typeface="DejaVu Sans"/>
               </a:rPr>
               <a:t>Upload</a:t>
             </a:r>
@@ -15267,14 +15109,14 @@
       </p:sp>
       <p:sp>
         <p:nvSpPr>
-          <p:cNvPr id="177" name="CustomShape 37"/>
+          <p:cNvPr id="174" name="CustomShape 37"/>
           <p:cNvSpPr/>
           <p:nvPr/>
         </p:nvSpPr>
         <p:spPr>
           <a:xfrm>
             <a:off x="7062840" y="5696280"/>
-            <a:ext cx="449280" cy="181800"/>
+            <a:ext cx="448920" cy="181440"/>
           </a:xfrm>
           <a:prstGeom prst="rect">
             <a:avLst/>
@@ -15316,6 +15158,7 @@
                   <a:srgbClr val="ffffff"/>
                 </a:solidFill>
                 <a:latin typeface="Calibri"/>
+                <a:ea typeface="DejaVu Sans"/>
               </a:rPr>
               <a:t>Upload</a:t>
             </a:r>
@@ -15327,14 +15170,14 @@
       </p:sp>
       <p:sp>
         <p:nvSpPr>
-          <p:cNvPr id="178" name="CustomShape 38"/>
+          <p:cNvPr id="175" name="CustomShape 38"/>
           <p:cNvSpPr/>
           <p:nvPr/>
         </p:nvSpPr>
         <p:spPr>
           <a:xfrm>
             <a:off x="8895600" y="5706000"/>
-            <a:ext cx="449280" cy="181800"/>
+            <a:ext cx="448920" cy="181440"/>
           </a:xfrm>
           <a:prstGeom prst="rect">
             <a:avLst/>
@@ -15376,6 +15219,7 @@
                   <a:srgbClr val="ffffff"/>
                 </a:solidFill>
                 <a:latin typeface="Calibri"/>
+                <a:ea typeface="DejaVu Sans"/>
               </a:rPr>
               <a:t>Upload</a:t>
             </a:r>
@@ -15387,14 +15231,14 @@
       </p:sp>
       <p:sp>
         <p:nvSpPr>
-          <p:cNvPr id="179" name="CustomShape 39"/>
+          <p:cNvPr id="176" name="CustomShape 39"/>
           <p:cNvSpPr/>
           <p:nvPr/>
         </p:nvSpPr>
         <p:spPr>
           <a:xfrm>
             <a:off x="10839600" y="5668560"/>
-            <a:ext cx="452520" cy="181800"/>
+            <a:ext cx="452160" cy="181440"/>
           </a:xfrm>
           <a:prstGeom prst="rect">
             <a:avLst/>
@@ -15436,6 +15280,7 @@
                   <a:srgbClr val="ffffff"/>
                 </a:solidFill>
                 <a:latin typeface="Calibri"/>
+                <a:ea typeface="DejaVu Sans"/>
               </a:rPr>
               <a:t>Submit</a:t>
             </a:r>
@@ -15447,7 +15292,7 @@
       </p:sp>
       <p:pic>
         <p:nvPicPr>
-          <p:cNvPr id="180" name="Picture 77" descr=""/>
+          <p:cNvPr id="177" name="Picture 77" descr=""/>
           <p:cNvPicPr/>
           <p:nvPr/>
         </p:nvPicPr>
@@ -15458,7 +15303,7 @@
         <p:spPr>
           <a:xfrm>
             <a:off x="6825960" y="5679000"/>
-            <a:ext cx="136800" cy="136800"/>
+            <a:ext cx="136440" cy="136440"/>
           </a:xfrm>
           <a:prstGeom prst="rect">
             <a:avLst/>
@@ -15470,7 +15315,7 @@
       </p:pic>
       <p:pic>
         <p:nvPicPr>
-          <p:cNvPr id="181" name="Picture 78" descr=""/>
+          <p:cNvPr id="178" name="Picture 78" descr=""/>
           <p:cNvPicPr/>
           <p:nvPr/>
         </p:nvPicPr>
@@ -15481,7 +15326,7 @@
         <p:spPr>
           <a:xfrm>
             <a:off x="8692200" y="5679000"/>
-            <a:ext cx="136800" cy="136800"/>
+            <a:ext cx="136440" cy="136440"/>
           </a:xfrm>
           <a:prstGeom prst="rect">
             <a:avLst/>
@@ -15493,7 +15338,7 @@
       </p:pic>
       <p:pic>
         <p:nvPicPr>
-          <p:cNvPr id="182" name="Picture 79" descr=""/>
+          <p:cNvPr id="179" name="Picture 79" descr=""/>
           <p:cNvPicPr/>
           <p:nvPr/>
         </p:nvPicPr>
@@ -15504,7 +15349,7 @@
         <p:spPr>
           <a:xfrm>
             <a:off x="10581480" y="5679000"/>
-            <a:ext cx="136800" cy="136800"/>
+            <a:ext cx="136440" cy="136440"/>
           </a:xfrm>
           <a:prstGeom prst="rect">
             <a:avLst/>
@@ -15565,14 +15410,14 @@
       </p:grpSpPr>
       <p:sp>
         <p:nvSpPr>
-          <p:cNvPr id="183" name="CustomShape 1"/>
+          <p:cNvPr id="180" name="CustomShape 1"/>
           <p:cNvSpPr/>
           <p:nvPr/>
         </p:nvSpPr>
         <p:spPr>
           <a:xfrm>
             <a:off x="118080" y="121680"/>
-            <a:ext cx="11965320" cy="6661080"/>
+            <a:ext cx="11964960" cy="6660720"/>
           </a:xfrm>
           <a:prstGeom prst="roundRect">
             <a:avLst>
@@ -15584,6 +15429,7 @@
             <a:solidFill>
               <a:srgbClr val="33cc33"/>
             </a:solidFill>
+            <a:round/>
           </a:ln>
         </p:spPr>
         <p:style>
@@ -15603,7 +15449,7 @@
       </p:sp>
       <p:pic>
         <p:nvPicPr>
-          <p:cNvPr id="184" name="Picture 2" descr=""/>
+          <p:cNvPr id="181" name="Picture 2" descr=""/>
           <p:cNvPicPr/>
           <p:nvPr/>
         </p:nvPicPr>
@@ -15614,7 +15460,7 @@
         <p:spPr>
           <a:xfrm>
             <a:off x="629640" y="368640"/>
-            <a:ext cx="1208160" cy="716760"/>
+            <a:ext cx="1207800" cy="716400"/>
           </a:xfrm>
           <a:prstGeom prst="rect">
             <a:avLst/>
@@ -15626,7 +15472,7 @@
       </p:pic>
       <p:sp>
         <p:nvSpPr>
-          <p:cNvPr id="185" name="Line 2"/>
+          <p:cNvPr id="182" name="Line 2"/>
           <p:cNvSpPr/>
           <p:nvPr/>
         </p:nvSpPr>
@@ -15642,6 +15488,7 @@
             <a:solidFill>
               <a:srgbClr val="33cc33"/>
             </a:solidFill>
+            <a:round/>
           </a:ln>
         </p:spPr>
         <p:style>
@@ -15659,14 +15506,14 @@
       </p:sp>
       <p:sp>
         <p:nvSpPr>
-          <p:cNvPr id="186" name="CustomShape 3"/>
+          <p:cNvPr id="183" name="CustomShape 3"/>
           <p:cNvSpPr/>
           <p:nvPr/>
         </p:nvSpPr>
         <p:spPr>
           <a:xfrm>
             <a:off x="10180440" y="138600"/>
-            <a:ext cx="1725120" cy="603720"/>
+            <a:ext cx="1724760" cy="603360"/>
           </a:xfrm>
           <a:prstGeom prst="rect">
             <a:avLst/>
@@ -15704,6 +15551,7 @@
                   <a:srgbClr val="33cc33"/>
                 </a:solidFill>
                 <a:latin typeface="Calibri"/>
+                <a:ea typeface="DejaVu Sans"/>
               </a:rPr>
               <a:t>User: Arul</a:t>
             </a:r>
@@ -15723,6 +15571,7 @@
                   <a:srgbClr val="33cc33"/>
                 </a:solidFill>
                 <a:latin typeface="Calibri"/>
+                <a:ea typeface="DejaVu Sans"/>
               </a:rPr>
               <a:t>Type: Technician</a:t>
             </a:r>
@@ -15734,7 +15583,7 @@
       </p:sp>
       <p:sp>
         <p:nvSpPr>
-          <p:cNvPr id="187" name="Line 4"/>
+          <p:cNvPr id="184" name="Line 4"/>
           <p:cNvSpPr/>
           <p:nvPr/>
         </p:nvSpPr>
@@ -15750,6 +15599,7 @@
             <a:solidFill>
               <a:srgbClr val="33cc33"/>
             </a:solidFill>
+            <a:round/>
           </a:ln>
         </p:spPr>
         <p:style>
@@ -15767,14 +15617,14 @@
       </p:sp>
       <p:sp>
         <p:nvSpPr>
-          <p:cNvPr id="188" name="CustomShape 5"/>
+          <p:cNvPr id="185" name="CustomShape 5"/>
           <p:cNvSpPr/>
           <p:nvPr/>
         </p:nvSpPr>
         <p:spPr>
           <a:xfrm>
             <a:off x="489600" y="1490040"/>
-            <a:ext cx="1448640" cy="410400"/>
+            <a:ext cx="1448280" cy="410040"/>
           </a:xfrm>
           <a:prstGeom prst="roundRect">
             <a:avLst>
@@ -15818,6 +15668,7 @@
                   <a:srgbClr val="ffffff"/>
                 </a:solidFill>
                 <a:latin typeface="Calibri"/>
+                <a:ea typeface="DejaVu Sans"/>
               </a:rPr>
               <a:t>Add Patient</a:t>
             </a:r>
@@ -15829,14 +15680,14 @@
       </p:sp>
       <p:sp>
         <p:nvSpPr>
-          <p:cNvPr id="189" name="CustomShape 6"/>
+          <p:cNvPr id="186" name="CustomShape 6"/>
           <p:cNvSpPr/>
           <p:nvPr/>
         </p:nvSpPr>
         <p:spPr>
           <a:xfrm>
             <a:off x="11062080" y="793080"/>
-            <a:ext cx="843480" cy="255600"/>
+            <a:ext cx="843120" cy="255240"/>
           </a:xfrm>
           <a:prstGeom prst="roundRect">
             <a:avLst>
@@ -15880,6 +15731,7 @@
                   <a:srgbClr val="ffffff"/>
                 </a:solidFill>
                 <a:latin typeface="Calibri"/>
+                <a:ea typeface="DejaVu Sans"/>
               </a:rPr>
               <a:t>Logout</a:t>
             </a:r>
@@ -15891,14 +15743,14 @@
       </p:sp>
       <p:sp>
         <p:nvSpPr>
-          <p:cNvPr id="190" name="CustomShape 7"/>
+          <p:cNvPr id="187" name="CustomShape 7"/>
           <p:cNvSpPr/>
           <p:nvPr/>
         </p:nvSpPr>
         <p:spPr>
           <a:xfrm>
             <a:off x="489600" y="2015640"/>
-            <a:ext cx="1448640" cy="410400"/>
+            <a:ext cx="1448280" cy="410040"/>
           </a:xfrm>
           <a:prstGeom prst="roundRect">
             <a:avLst>
@@ -15942,6 +15794,7 @@
                   <a:srgbClr val="ffffff"/>
                 </a:solidFill>
                 <a:latin typeface="Calibri"/>
+                <a:ea typeface="DejaVu Sans"/>
               </a:rPr>
               <a:t>Analysis</a:t>
             </a:r>
@@ -15953,14 +15806,14 @@
       </p:sp>
       <p:sp>
         <p:nvSpPr>
-          <p:cNvPr id="191" name="CustomShape 8"/>
+          <p:cNvPr id="188" name="CustomShape 8"/>
           <p:cNvSpPr/>
           <p:nvPr/>
         </p:nvSpPr>
         <p:spPr>
           <a:xfrm>
             <a:off x="472320" y="2518920"/>
-            <a:ext cx="1448640" cy="410400"/>
+            <a:ext cx="1448280" cy="410040"/>
           </a:xfrm>
           <a:prstGeom prst="roundRect">
             <a:avLst>
@@ -16004,6 +15857,7 @@
                   <a:srgbClr val="ffffff"/>
                 </a:solidFill>
                 <a:latin typeface="Calibri"/>
+                <a:ea typeface="DejaVu Sans"/>
               </a:rPr>
               <a:t>View</a:t>
             </a:r>
@@ -16015,13 +15869,13 @@
       </p:sp>
       <p:graphicFrame>
         <p:nvGraphicFramePr>
-          <p:cNvPr id="192" name="Table 9"/>
+          <p:cNvPr id="189" name="Table 9"/>
           <p:cNvGraphicFramePr/>
           <p:nvPr/>
         </p:nvGraphicFramePr>
         <p:xfrm>
-          <a:off x="2736360" y="2226240"/>
-          <a:ext cx="9204480" cy="1788120"/>
+          <a:off x="2736360" y="2016000"/>
+          <a:ext cx="9204120" cy="2520000"/>
         </p:xfrm>
         <a:graphic>
           <a:graphicData uri="http://schemas.openxmlformats.org/drawingml/2006/table">
@@ -16041,10 +15895,10 @@
                 <a:gridCol w="631440"/>
                 <a:gridCol w="974160"/>
               </a:tblGrid>
-              <a:tr h="276840">
-                <a:tc>
-                  <a:txBody>
-                    <a:bodyPr lIns="7920" rIns="7920" tIns="7920" bIns="0" anchor="ctr"/>
+              <a:tr h="360360">
+                <a:tc>
+                  <a:txBody>
+                    <a:bodyPr lIns="7920" rIns="7920"/>
                     <a:p>
                       <a:pPr algn="ctr">
                         <a:lnSpc>
@@ -16093,7 +15947,7 @@
                 </a:tc>
                 <a:tc>
                   <a:txBody>
-                    <a:bodyPr lIns="7920" rIns="7920" tIns="7920" bIns="0" anchor="ctr"/>
+                    <a:bodyPr lIns="7920" rIns="7920"/>
                     <a:p>
                       <a:pPr algn="ctr">
                         <a:lnSpc>
@@ -16142,7 +15996,7 @@
                 </a:tc>
                 <a:tc>
                   <a:txBody>
-                    <a:bodyPr lIns="7920" rIns="7920" tIns="7920" bIns="0" anchor="ctr"/>
+                    <a:bodyPr lIns="7920" rIns="7920"/>
                     <a:p>
                       <a:pPr algn="ctr">
                         <a:lnSpc>
@@ -16191,7 +16045,7 @@
                 </a:tc>
                 <a:tc>
                   <a:txBody>
-                    <a:bodyPr lIns="7920" rIns="7920" tIns="7920" bIns="0" anchor="ctr"/>
+                    <a:bodyPr lIns="7920" rIns="7920"/>
                     <a:p>
                       <a:pPr algn="ctr">
                         <a:lnSpc>
@@ -16240,7 +16094,7 @@
                 </a:tc>
                 <a:tc>
                   <a:txBody>
-                    <a:bodyPr lIns="7920" rIns="7920" tIns="7920" bIns="0" anchor="ctr"/>
+                    <a:bodyPr lIns="7920" rIns="7920"/>
                     <a:p>
                       <a:pPr algn="ctr">
                         <a:lnSpc>
@@ -16289,7 +16143,7 @@
                 </a:tc>
                 <a:tc>
                   <a:txBody>
-                    <a:bodyPr lIns="7920" rIns="7920" tIns="7920" bIns="0" anchor="ctr"/>
+                    <a:bodyPr lIns="7920" rIns="7920"/>
                     <a:p>
                       <a:pPr algn="ctr">
                         <a:lnSpc>
@@ -16338,7 +16192,7 @@
                 </a:tc>
                 <a:tc>
                   <a:txBody>
-                    <a:bodyPr lIns="7920" rIns="7920" tIns="7920" bIns="0" anchor="ctr"/>
+                    <a:bodyPr lIns="7920" rIns="7920"/>
                     <a:p>
                       <a:pPr algn="ctr">
                         <a:lnSpc>
@@ -16387,7 +16241,7 @@
                 </a:tc>
                 <a:tc>
                   <a:txBody>
-                    <a:bodyPr lIns="7920" rIns="7920" tIns="7920" bIns="0" anchor="ctr"/>
+                    <a:bodyPr lIns="7920" rIns="7920"/>
                     <a:p>
                       <a:pPr algn="ctr">
                         <a:lnSpc>
@@ -16436,7 +16290,7 @@
                 </a:tc>
                 <a:tc>
                   <a:txBody>
-                    <a:bodyPr lIns="7920" rIns="7920" tIns="7920" bIns="0" anchor="ctr"/>
+                    <a:bodyPr lIns="7920" rIns="7920"/>
                     <a:p>
                       <a:pPr algn="ctr">
                         <a:lnSpc>
@@ -16485,7 +16339,7 @@
                 </a:tc>
                 <a:tc>
                   <a:txBody>
-                    <a:bodyPr lIns="7920" rIns="7920" tIns="7920" bIns="0" anchor="ctr"/>
+                    <a:bodyPr lIns="7920" rIns="7920"/>
                     <a:p>
                       <a:pPr algn="ctr">
                         <a:lnSpc>
@@ -16534,7 +16388,7 @@
                 </a:tc>
                 <a:tc>
                   <a:txBody>
-                    <a:bodyPr lIns="7920" rIns="7920" tIns="7920" bIns="0" anchor="ctr"/>
+                    <a:bodyPr lIns="7920" rIns="7920"/>
                     <a:p>
                       <a:pPr algn="ctr">
                         <a:lnSpc>
@@ -16583,7 +16437,7 @@
                 </a:tc>
                 <a:tc>
                   <a:txBody>
-                    <a:bodyPr lIns="7920" rIns="7920" tIns="7920" bIns="0" anchor="ctr"/>
+                    <a:bodyPr lIns="7920" rIns="7920"/>
                     <a:p>
                       <a:pPr algn="ctr">
                         <a:lnSpc>
@@ -16631,10 +16485,10 @@
                   </a:tcPr>
                 </a:tc>
               </a:tr>
-              <a:tr h="276840">
-                <a:tc>
-                  <a:txBody>
-                    <a:bodyPr lIns="7920" rIns="7920" tIns="7920" bIns="0" anchor="ctr"/>
+              <a:tr h="360360">
+                <a:tc>
+                  <a:txBody>
+                    <a:bodyPr lIns="7920" rIns="7920"/>
                     <a:p>
                       <a:pPr algn="ctr">
                         <a:lnSpc>
@@ -16683,7 +16537,7 @@
                 </a:tc>
                 <a:tc>
                   <a:txBody>
-                    <a:bodyPr lIns="7920" rIns="7920" tIns="7920" bIns="0" anchor="ctr"/>
+                    <a:bodyPr lIns="7920" rIns="7920"/>
                     <a:p>
                       <a:pPr algn="ctr">
                         <a:lnSpc>
@@ -16732,7 +16586,7 @@
                 </a:tc>
                 <a:tc>
                   <a:txBody>
-                    <a:bodyPr lIns="7920" rIns="7920" tIns="7920" bIns="0" anchor="ctr"/>
+                    <a:bodyPr lIns="7920" rIns="7920"/>
                     <a:p>
                       <a:pPr algn="ctr">
                         <a:lnSpc>
@@ -16781,7 +16635,7 @@
                 </a:tc>
                 <a:tc>
                   <a:txBody>
-                    <a:bodyPr lIns="7920" rIns="7920" tIns="7920" bIns="0" anchor="ctr"/>
+                    <a:bodyPr lIns="7920" rIns="7920"/>
                     <a:p>
                       <a:pPr algn="ctr">
                         <a:lnSpc>
@@ -16830,7 +16684,7 @@
                 </a:tc>
                 <a:tc>
                   <a:txBody>
-                    <a:bodyPr lIns="7920" rIns="7920" tIns="7920" bIns="0" anchor="ctr"/>
+                    <a:bodyPr lIns="7920" rIns="7920"/>
                     <a:p>
                       <a:pPr algn="ctr">
                         <a:lnSpc>
@@ -16879,7 +16733,7 @@
                 </a:tc>
                 <a:tc>
                   <a:txBody>
-                    <a:bodyPr lIns="7920" rIns="7920" tIns="7920" bIns="0" anchor="ctr"/>
+                    <a:bodyPr lIns="7920" rIns="7920"/>
                     <a:p>
                       <a:pPr algn="ctr">
                         <a:lnSpc>
@@ -16928,7 +16782,7 @@
                 </a:tc>
                 <a:tc>
                   <a:txBody>
-                    <a:bodyPr lIns="7920" rIns="7920" tIns="7920" bIns="0" anchor="ctr"/>
+                    <a:bodyPr lIns="7920" rIns="7920"/>
                     <a:p>
                       <a:pPr algn="ctr">
                         <a:lnSpc>
@@ -16977,7 +16831,7 @@
                 </a:tc>
                 <a:tc>
                   <a:txBody>
-                    <a:bodyPr lIns="7920" rIns="7920" tIns="7920" bIns="0" anchor="ctr"/>
+                    <a:bodyPr lIns="7920" rIns="7920"/>
                     <a:p>
                       <a:pPr algn="ctr">
                         <a:lnSpc>
@@ -17053,7 +16907,7 @@
                 </a:tc>
                 <a:tc>
                   <a:txBody>
-                    <a:bodyPr lIns="7920" rIns="7920" tIns="7920" bIns="0" anchor="ctr"/>
+                    <a:bodyPr lIns="7920" rIns="7920"/>
                     <a:p>
                       <a:pPr algn="ctr">
                         <a:lnSpc>
@@ -17129,7 +16983,7 @@
                 </a:tc>
                 <a:tc>
                   <a:txBody>
-                    <a:bodyPr lIns="7920" rIns="7920" tIns="7920" bIns="0" anchor="ctr"/>
+                    <a:bodyPr lIns="7920" rIns="7920"/>
                     <a:p>
                       <a:pPr algn="ctr">
                         <a:lnSpc>
@@ -17177,10 +17031,10 @@
                   </a:tcPr>
                 </a:tc>
               </a:tr>
-              <a:tr h="276840">
-                <a:tc>
-                  <a:txBody>
-                    <a:bodyPr lIns="7920" rIns="7920" tIns="7920" bIns="0" anchor="ctr"/>
+              <a:tr h="360360">
+                <a:tc>
+                  <a:txBody>
+                    <a:bodyPr lIns="7920" rIns="7920"/>
                     <a:p>
                       <a:pPr algn="ctr">
                         <a:lnSpc>
@@ -17229,7 +17083,7 @@
                 </a:tc>
                 <a:tc>
                   <a:txBody>
-                    <a:bodyPr lIns="7920" rIns="7920" tIns="7920" bIns="0" anchor="ctr"/>
+                    <a:bodyPr lIns="7920" rIns="7920"/>
                     <a:p>
                       <a:pPr algn="ctr">
                         <a:lnSpc>
@@ -17278,7 +17132,7 @@
                 </a:tc>
                 <a:tc>
                   <a:txBody>
-                    <a:bodyPr lIns="7920" rIns="7920" tIns="7920" bIns="0" anchor="ctr"/>
+                    <a:bodyPr lIns="7920" rIns="7920"/>
                     <a:p>
                       <a:pPr algn="ctr">
                         <a:lnSpc>
@@ -17327,7 +17181,7 @@
                 </a:tc>
                 <a:tc>
                   <a:txBody>
-                    <a:bodyPr lIns="7920" rIns="7920" tIns="7920" bIns="0" anchor="ctr"/>
+                    <a:bodyPr lIns="7920" rIns="7920"/>
                     <a:p>
                       <a:pPr algn="ctr">
                         <a:lnSpc>
@@ -17376,7 +17230,7 @@
                 </a:tc>
                 <a:tc>
                   <a:txBody>
-                    <a:bodyPr lIns="7920" rIns="7920" tIns="7920" bIns="0" anchor="ctr"/>
+                    <a:bodyPr lIns="7920" rIns="7920"/>
                     <a:p>
                       <a:pPr algn="ctr">
                         <a:lnSpc>
@@ -17425,7 +17279,7 @@
                 </a:tc>
                 <a:tc>
                   <a:txBody>
-                    <a:bodyPr lIns="7920" rIns="7920" tIns="7920" bIns="0" anchor="ctr"/>
+                    <a:bodyPr lIns="7920" rIns="7920"/>
                     <a:p>
                       <a:pPr algn="ctr">
                         <a:lnSpc>
@@ -17474,7 +17328,7 @@
                 </a:tc>
                 <a:tc>
                   <a:txBody>
-                    <a:bodyPr lIns="7920" rIns="7920" tIns="7920" bIns="0" anchor="ctr"/>
+                    <a:bodyPr lIns="7920" rIns="7920"/>
                     <a:p>
                       <a:pPr algn="ctr">
                         <a:lnSpc>
@@ -17523,7 +17377,7 @@
                 </a:tc>
                 <a:tc>
                   <a:txBody>
-                    <a:bodyPr lIns="7920" rIns="7920" tIns="7920" bIns="0" anchor="ctr"/>
+                    <a:bodyPr lIns="7920" rIns="7920"/>
                     <a:p>
                       <a:pPr algn="ctr">
                         <a:lnSpc>
@@ -17599,7 +17453,7 @@
                 </a:tc>
                 <a:tc>
                   <a:txBody>
-                    <a:bodyPr lIns="7920" rIns="7920" tIns="7920" bIns="0" anchor="ctr"/>
+                    <a:bodyPr lIns="7920" rIns="7920"/>
                     <a:p>
                       <a:pPr algn="ctr">
                         <a:lnSpc>
@@ -17675,7 +17529,7 @@
                 </a:tc>
                 <a:tc>
                   <a:txBody>
-                    <a:bodyPr lIns="7920" rIns="7920" tIns="7920" bIns="0" anchor="ctr"/>
+                    <a:bodyPr lIns="7920" rIns="7920"/>
                     <a:p>
                       <a:pPr algn="ctr">
                         <a:lnSpc>
@@ -17723,10 +17577,10 @@
                   </a:tcPr>
                 </a:tc>
               </a:tr>
-              <a:tr h="276840">
-                <a:tc>
-                  <a:txBody>
-                    <a:bodyPr lIns="7920" rIns="7920" tIns="7920" bIns="0" anchor="ctr"/>
+              <a:tr h="360360">
+                <a:tc>
+                  <a:txBody>
+                    <a:bodyPr lIns="7920" rIns="7920"/>
                     <a:p>
                       <a:pPr algn="ctr">
                         <a:lnSpc>
@@ -17775,7 +17629,7 @@
                 </a:tc>
                 <a:tc>
                   <a:txBody>
-                    <a:bodyPr lIns="7920" rIns="7920" tIns="7920" bIns="0" anchor="ctr"/>
+                    <a:bodyPr lIns="7920" rIns="7920"/>
                     <a:p>
                       <a:pPr algn="ctr">
                         <a:lnSpc>
@@ -17824,7 +17678,7 @@
                 </a:tc>
                 <a:tc>
                   <a:txBody>
-                    <a:bodyPr lIns="7920" rIns="7920" tIns="7920" bIns="0" anchor="ctr"/>
+                    <a:bodyPr lIns="7920" rIns="7920"/>
                     <a:p>
                       <a:pPr algn="ctr">
                         <a:lnSpc>
@@ -17873,7 +17727,7 @@
                 </a:tc>
                 <a:tc>
                   <a:txBody>
-                    <a:bodyPr lIns="7920" rIns="7920" tIns="7920" bIns="0" anchor="ctr"/>
+                    <a:bodyPr lIns="7920" rIns="7920"/>
                     <a:p>
                       <a:pPr algn="ctr">
                         <a:lnSpc>
@@ -17922,7 +17776,7 @@
                 </a:tc>
                 <a:tc>
                   <a:txBody>
-                    <a:bodyPr lIns="7920" rIns="7920" tIns="7920" bIns="0" anchor="ctr"/>
+                    <a:bodyPr lIns="7920" rIns="7920"/>
                     <a:p>
                       <a:pPr algn="ctr">
                         <a:lnSpc>
@@ -17971,7 +17825,7 @@
                 </a:tc>
                 <a:tc>
                   <a:txBody>
-                    <a:bodyPr lIns="7920" rIns="7920" tIns="7920" bIns="0" anchor="ctr"/>
+                    <a:bodyPr lIns="7920" rIns="7920"/>
                     <a:p>
                       <a:pPr algn="ctr">
                         <a:lnSpc>
@@ -18020,7 +17874,7 @@
                 </a:tc>
                 <a:tc>
                   <a:txBody>
-                    <a:bodyPr lIns="7920" rIns="7920" tIns="7920" bIns="0" anchor="ctr"/>
+                    <a:bodyPr lIns="7920" rIns="7920"/>
                     <a:p>
                       <a:pPr algn="ctr">
                         <a:lnSpc>
@@ -18069,7 +17923,7 @@
                 </a:tc>
                 <a:tc>
                   <a:txBody>
-                    <a:bodyPr lIns="7920" rIns="7920" tIns="7920" bIns="0" anchor="ctr"/>
+                    <a:bodyPr lIns="7920" rIns="7920"/>
                     <a:p>
                       <a:pPr algn="ctr">
                         <a:lnSpc>
@@ -18145,7 +17999,7 @@
                 </a:tc>
                 <a:tc>
                   <a:txBody>
-                    <a:bodyPr lIns="7920" rIns="7920" tIns="7920" bIns="0" anchor="ctr"/>
+                    <a:bodyPr lIns="7920" rIns="7920"/>
                     <a:p>
                       <a:pPr algn="ctr">
                         <a:lnSpc>
@@ -18221,7 +18075,7 @@
                 </a:tc>
                 <a:tc>
                   <a:txBody>
-                    <a:bodyPr lIns="7920" rIns="7920" tIns="7920" bIns="0" anchor="ctr"/>
+                    <a:bodyPr lIns="7920" rIns="7920"/>
                     <a:p>
                       <a:pPr algn="ctr">
                         <a:lnSpc>
@@ -18269,10 +18123,10 @@
                   </a:tcPr>
                 </a:tc>
               </a:tr>
-              <a:tr h="276840">
-                <a:tc>
-                  <a:txBody>
-                    <a:bodyPr lIns="7920" rIns="7920" tIns="7920" bIns="0" anchor="ctr"/>
+              <a:tr h="360360">
+                <a:tc>
+                  <a:txBody>
+                    <a:bodyPr lIns="7920" rIns="7920"/>
                     <a:p>
                       <a:pPr algn="ctr">
                         <a:lnSpc>
@@ -18321,7 +18175,7 @@
                 </a:tc>
                 <a:tc>
                   <a:txBody>
-                    <a:bodyPr lIns="7920" rIns="7920" tIns="7920" bIns="0" anchor="ctr"/>
+                    <a:bodyPr lIns="7920" rIns="7920"/>
                     <a:p>
                       <a:pPr algn="ctr">
                         <a:lnSpc>
@@ -18370,7 +18224,7 @@
                 </a:tc>
                 <a:tc>
                   <a:txBody>
-                    <a:bodyPr lIns="7920" rIns="7920" tIns="7920" bIns="0" anchor="ctr"/>
+                    <a:bodyPr lIns="7920" rIns="7920"/>
                     <a:p>
                       <a:pPr algn="ctr">
                         <a:lnSpc>
@@ -18419,7 +18273,7 @@
                 </a:tc>
                 <a:tc>
                   <a:txBody>
-                    <a:bodyPr lIns="7920" rIns="7920" tIns="7920" bIns="0" anchor="ctr"/>
+                    <a:bodyPr lIns="7920" rIns="7920"/>
                     <a:p>
                       <a:pPr algn="ctr">
                         <a:lnSpc>
@@ -18468,7 +18322,7 @@
                 </a:tc>
                 <a:tc>
                   <a:txBody>
-                    <a:bodyPr lIns="7920" rIns="7920" tIns="7920" bIns="0" anchor="ctr"/>
+                    <a:bodyPr lIns="7920" rIns="7920"/>
                     <a:p>
                       <a:pPr algn="ctr">
                         <a:lnSpc>
@@ -18517,7 +18371,7 @@
                 </a:tc>
                 <a:tc>
                   <a:txBody>
-                    <a:bodyPr lIns="7920" rIns="7920" tIns="7920" bIns="0" anchor="ctr"/>
+                    <a:bodyPr lIns="7920" rIns="7920"/>
                     <a:p>
                       <a:pPr algn="ctr">
                         <a:lnSpc>
@@ -18566,7 +18420,7 @@
                 </a:tc>
                 <a:tc>
                   <a:txBody>
-                    <a:bodyPr lIns="7920" rIns="7920" tIns="7920" bIns="0" anchor="ctr"/>
+                    <a:bodyPr lIns="7920" rIns="7920"/>
                     <a:p>
                       <a:pPr algn="ctr">
                         <a:lnSpc>
@@ -18615,7 +18469,7 @@
                 </a:tc>
                 <a:tc>
                   <a:txBody>
-                    <a:bodyPr lIns="7920" rIns="7920" tIns="7920" bIns="0" anchor="ctr"/>
+                    <a:bodyPr lIns="7920" rIns="7920"/>
                     <a:p>
                       <a:pPr algn="ctr">
                         <a:lnSpc>
@@ -18691,7 +18545,7 @@
                 </a:tc>
                 <a:tc>
                   <a:txBody>
-                    <a:bodyPr lIns="7920" rIns="7920" tIns="7920" bIns="0" anchor="ctr"/>
+                    <a:bodyPr lIns="7920" rIns="7920"/>
                     <a:p>
                       <a:pPr algn="ctr">
                         <a:lnSpc>
@@ -18767,7 +18621,7 @@
                 </a:tc>
                 <a:tc>
                   <a:txBody>
-                    <a:bodyPr lIns="7920" rIns="7920" tIns="7920" bIns="0" anchor="ctr"/>
+                    <a:bodyPr lIns="7920" rIns="7920"/>
                     <a:p>
                       <a:pPr algn="ctr">
                         <a:lnSpc>
@@ -18815,10 +18669,10 @@
                   </a:tcPr>
                 </a:tc>
               </a:tr>
-              <a:tr h="276840">
-                <a:tc>
-                  <a:txBody>
-                    <a:bodyPr lIns="7920" rIns="7920" tIns="7920" bIns="0" anchor="ctr"/>
+              <a:tr h="360360">
+                <a:tc>
+                  <a:txBody>
+                    <a:bodyPr lIns="7920" rIns="7920"/>
                     <a:p>
                       <a:pPr algn="ctr">
                         <a:lnSpc>
@@ -18867,7 +18721,7 @@
                 </a:tc>
                 <a:tc>
                   <a:txBody>
-                    <a:bodyPr lIns="7920" rIns="7920" tIns="7920" bIns="0" anchor="ctr"/>
+                    <a:bodyPr lIns="7920" rIns="7920"/>
                     <a:p>
                       <a:pPr algn="ctr">
                         <a:lnSpc>
@@ -18916,7 +18770,7 @@
                 </a:tc>
                 <a:tc>
                   <a:txBody>
-                    <a:bodyPr lIns="7920" rIns="7920" tIns="7920" bIns="0" anchor="ctr"/>
+                    <a:bodyPr lIns="7920" rIns="7920"/>
                     <a:p>
                       <a:pPr algn="ctr">
                         <a:lnSpc>
@@ -18965,7 +18819,7 @@
                 </a:tc>
                 <a:tc>
                   <a:txBody>
-                    <a:bodyPr lIns="7920" rIns="7920" tIns="7920" bIns="0" anchor="ctr"/>
+                    <a:bodyPr lIns="7920" rIns="7920"/>
                     <a:p>
                       <a:pPr algn="ctr">
                         <a:lnSpc>
@@ -19014,7 +18868,7 @@
                 </a:tc>
                 <a:tc>
                   <a:txBody>
-                    <a:bodyPr lIns="7920" rIns="7920" tIns="7920" bIns="0" anchor="ctr"/>
+                    <a:bodyPr lIns="7920" rIns="7920"/>
                     <a:p>
                       <a:pPr algn="ctr">
                         <a:lnSpc>
@@ -19090,7 +18944,7 @@
                 </a:tc>
                 <a:tc>
                   <a:txBody>
-                    <a:bodyPr lIns="7920" rIns="7920" tIns="7920" bIns="0" anchor="ctr"/>
+                    <a:bodyPr lIns="7920" rIns="7920"/>
                     <a:p>
                       <a:pPr algn="ctr">
                         <a:lnSpc>
@@ -19193,7 +19047,7 @@
                 </a:tc>
                 <a:tc>
                   <a:txBody>
-                    <a:bodyPr lIns="7920" rIns="7920" tIns="7920" bIns="0" anchor="ctr"/>
+                    <a:bodyPr lIns="7920" rIns="7920"/>
                     <a:p>
                       <a:pPr algn="ctr">
                         <a:lnSpc>
@@ -19269,7 +19123,7 @@
                 </a:tc>
                 <a:tc>
                   <a:txBody>
-                    <a:bodyPr lIns="7920" rIns="7920" tIns="7920" bIns="0" anchor="ctr"/>
+                    <a:bodyPr lIns="7920" rIns="7920"/>
                     <a:p>
                       <a:pPr algn="ctr">
                         <a:lnSpc>
@@ -19317,10 +19171,10 @@
                   </a:tcPr>
                 </a:tc>
               </a:tr>
-              <a:tr h="276840">
-                <a:tc>
-                  <a:txBody>
-                    <a:bodyPr lIns="7920" rIns="7920" tIns="7920" bIns="0" anchor="ctr"/>
+              <a:tr h="360360">
+                <a:tc>
+                  <a:txBody>
+                    <a:bodyPr lIns="7920" rIns="7920"/>
                     <a:p>
                       <a:pPr algn="ctr">
                         <a:lnSpc>
@@ -19369,7 +19223,7 @@
                 </a:tc>
                 <a:tc>
                   <a:txBody>
-                    <a:bodyPr lIns="7920" rIns="7920" tIns="7920" bIns="0" anchor="ctr"/>
+                    <a:bodyPr lIns="7920" rIns="7920"/>
                     <a:p>
                       <a:pPr algn="ctr">
                         <a:lnSpc>
@@ -19418,7 +19272,7 @@
                 </a:tc>
                 <a:tc>
                   <a:txBody>
-                    <a:bodyPr lIns="7920" rIns="7920" tIns="7920" bIns="0" anchor="ctr"/>
+                    <a:bodyPr lIns="7920" rIns="7920"/>
                     <a:p>
                       <a:pPr algn="ctr">
                         <a:lnSpc>
@@ -19467,7 +19321,7 @@
                 </a:tc>
                 <a:tc>
                   <a:txBody>
-                    <a:bodyPr lIns="7920" rIns="7920" tIns="7920" bIns="0" anchor="ctr"/>
+                    <a:bodyPr lIns="7920" rIns="7920"/>
                     <a:p>
                       <a:pPr algn="ctr">
                         <a:lnSpc>
@@ -19516,7 +19370,7 @@
                 </a:tc>
                 <a:tc>
                   <a:txBody>
-                    <a:bodyPr lIns="7920" rIns="7920" tIns="7920" bIns="0" anchor="ctr"/>
+                    <a:bodyPr lIns="7920" rIns="7920"/>
                     <a:p>
                       <a:pPr algn="ctr">
                         <a:lnSpc>
@@ -19592,7 +19446,7 @@
                 </a:tc>
                 <a:tc>
                   <a:txBody>
-                    <a:bodyPr lIns="7920" rIns="7920" tIns="7920" bIns="0" anchor="ctr"/>
+                    <a:bodyPr lIns="7920" rIns="7920"/>
                     <a:p>
                       <a:pPr algn="ctr">
                         <a:lnSpc>
@@ -19641,7 +19495,7 @@
                 </a:tc>
                 <a:tc>
                   <a:txBody>
-                    <a:bodyPr lIns="7920" rIns="7920" tIns="7920" bIns="0" anchor="ctr"/>
+                    <a:bodyPr lIns="7920" rIns="7920"/>
                     <a:p>
                       <a:pPr algn="ctr">
                         <a:lnSpc>
@@ -19717,7 +19571,7 @@
                 </a:tc>
                 <a:tc>
                   <a:txBody>
-                    <a:bodyPr lIns="7920" rIns="7920" tIns="7920" bIns="0" anchor="ctr"/>
+                    <a:bodyPr lIns="7920" rIns="7920"/>
                     <a:p>
                       <a:pPr algn="ctr">
                         <a:lnSpc>
@@ -19793,7 +19647,7 @@
                 </a:tc>
                 <a:tc>
                   <a:txBody>
-                    <a:bodyPr lIns="7920" rIns="7920" tIns="7920" bIns="0" anchor="ctr"/>
+                    <a:bodyPr lIns="7920" rIns="7920"/>
                     <a:p>
                       <a:pPr algn="ctr">
                         <a:lnSpc>
@@ -19847,19 +19701,21 @@
       </p:graphicFrame>
       <p:sp>
         <p:nvSpPr>
-          <p:cNvPr id="193" name="CustomShape 10"/>
+          <p:cNvPr id="190" name="CustomShape 10"/>
           <p:cNvSpPr/>
           <p:nvPr/>
         </p:nvSpPr>
         <p:spPr>
           <a:xfrm>
             <a:off x="10485000" y="1573560"/>
-            <a:ext cx="1340640" cy="243360"/>
+            <a:ext cx="1340280" cy="243000"/>
           </a:xfrm>
           <a:prstGeom prst="rect">
             <a:avLst/>
           </a:prstGeom>
-          <a:ln/>
+          <a:ln>
+            <a:round/>
+          </a:ln>
         </p:spPr>
         <p:style>
           <a:lnRef idx="2">
@@ -19876,14 +19732,14 @@
       </p:sp>
       <p:sp>
         <p:nvSpPr>
-          <p:cNvPr id="194" name="CustomShape 11"/>
+          <p:cNvPr id="191" name="CustomShape 11"/>
           <p:cNvSpPr/>
           <p:nvPr/>
         </p:nvSpPr>
         <p:spPr>
           <a:xfrm>
             <a:off x="9832680" y="1582200"/>
-            <a:ext cx="702360" cy="272880"/>
+            <a:ext cx="702000" cy="272520"/>
           </a:xfrm>
           <a:prstGeom prst="rect">
             <a:avLst/>
@@ -19913,6 +19769,7 @@
                   <a:srgbClr val="000000"/>
                 </a:solidFill>
                 <a:latin typeface="Calibri"/>
+                <a:ea typeface="DejaVu Sans"/>
               </a:rPr>
               <a:t>Search</a:t>
             </a:r>
@@ -19924,7 +19781,7 @@
       </p:sp>
       <p:pic>
         <p:nvPicPr>
-          <p:cNvPr id="195" name="Picture 30" descr=""/>
+          <p:cNvPr id="192" name="Picture 30" descr=""/>
           <p:cNvPicPr/>
           <p:nvPr/>
         </p:nvPicPr>
@@ -19935,7 +19792,7 @@
         <p:spPr>
           <a:xfrm>
             <a:off x="2834640" y="1567440"/>
-            <a:ext cx="678960" cy="280440"/>
+            <a:ext cx="678600" cy="280080"/>
           </a:xfrm>
           <a:prstGeom prst="rect">
             <a:avLst/>
@@ -19947,7 +19804,7 @@
       </p:pic>
       <p:pic>
         <p:nvPicPr>
-          <p:cNvPr id="196" name="Picture 31" descr=""/>
+          <p:cNvPr id="193" name="Picture 31" descr=""/>
           <p:cNvPicPr/>
           <p:nvPr/>
         </p:nvPicPr>
@@ -19957,8 +19814,8 @@
         </p:blipFill>
         <p:spPr>
           <a:xfrm>
-            <a:off x="2850840" y="4261680"/>
-            <a:ext cx="1022760" cy="258840"/>
+            <a:off x="2736000" y="4925520"/>
+            <a:ext cx="1022400" cy="258480"/>
           </a:xfrm>
           <a:prstGeom prst="rect">
             <a:avLst/>
@@ -19970,7 +19827,7 @@
       </p:pic>
       <p:pic>
         <p:nvPicPr>
-          <p:cNvPr id="197" name="Picture 32" descr=""/>
+          <p:cNvPr id="194" name="Picture 32" descr=""/>
           <p:cNvPicPr/>
           <p:nvPr/>
         </p:nvPicPr>
@@ -19980,8 +19837,8 @@
         </p:blipFill>
         <p:spPr>
           <a:xfrm>
-            <a:off x="6112080" y="4301640"/>
-            <a:ext cx="5961600" cy="312840"/>
+            <a:off x="6048000" y="4824000"/>
+            <a:ext cx="5961240" cy="312480"/>
           </a:xfrm>
           <a:prstGeom prst="rect">
             <a:avLst/>
@@ -19993,7 +19850,7 @@
       </p:pic>
       <p:pic>
         <p:nvPicPr>
-          <p:cNvPr id="198" name="Picture 33" descr=""/>
+          <p:cNvPr id="195" name="Picture 33" descr=""/>
           <p:cNvPicPr/>
           <p:nvPr/>
         </p:nvPicPr>
@@ -20003,8 +19860,8 @@
         </p:blipFill>
         <p:spPr>
           <a:xfrm>
-            <a:off x="3479040" y="4672800"/>
-            <a:ext cx="2252880" cy="2000880"/>
+            <a:off x="3744000" y="4608000"/>
+            <a:ext cx="2252520" cy="2000520"/>
           </a:xfrm>
           <a:prstGeom prst="rect">
             <a:avLst/>
@@ -20065,14 +19922,14 @@
       </p:grpSpPr>
       <p:sp>
         <p:nvSpPr>
-          <p:cNvPr id="199" name="CustomShape 1"/>
+          <p:cNvPr id="196" name="CustomShape 1"/>
           <p:cNvSpPr/>
           <p:nvPr/>
         </p:nvSpPr>
         <p:spPr>
           <a:xfrm>
             <a:off x="118080" y="121680"/>
-            <a:ext cx="11965320" cy="6661080"/>
+            <a:ext cx="11964960" cy="6660720"/>
           </a:xfrm>
           <a:prstGeom prst="roundRect">
             <a:avLst>
@@ -20084,6 +19941,7 @@
             <a:solidFill>
               <a:srgbClr val="00b0f0"/>
             </a:solidFill>
+            <a:round/>
           </a:ln>
         </p:spPr>
         <p:style>
@@ -20103,7 +19961,7 @@
       </p:sp>
       <p:pic>
         <p:nvPicPr>
-          <p:cNvPr id="200" name="Picture 2" descr=""/>
+          <p:cNvPr id="197" name="Picture 2" descr=""/>
           <p:cNvPicPr/>
           <p:nvPr/>
         </p:nvPicPr>
@@ -20114,7 +19972,7 @@
         <p:spPr>
           <a:xfrm>
             <a:off x="629640" y="368640"/>
-            <a:ext cx="1208160" cy="716760"/>
+            <a:ext cx="1207800" cy="716400"/>
           </a:xfrm>
           <a:prstGeom prst="rect">
             <a:avLst/>
@@ -20126,7 +19984,7 @@
       </p:pic>
       <p:sp>
         <p:nvSpPr>
-          <p:cNvPr id="201" name="Line 2"/>
+          <p:cNvPr id="198" name="Line 2"/>
           <p:cNvSpPr/>
           <p:nvPr/>
         </p:nvSpPr>
@@ -20142,6 +20000,7 @@
             <a:solidFill>
               <a:srgbClr val="00b0f0"/>
             </a:solidFill>
+            <a:round/>
           </a:ln>
         </p:spPr>
         <p:style>
@@ -20159,14 +20018,14 @@
       </p:sp>
       <p:sp>
         <p:nvSpPr>
-          <p:cNvPr id="202" name="CustomShape 3"/>
+          <p:cNvPr id="199" name="CustomShape 3"/>
           <p:cNvSpPr/>
           <p:nvPr/>
         </p:nvSpPr>
         <p:spPr>
           <a:xfrm>
             <a:off x="10180440" y="138600"/>
-            <a:ext cx="1725120" cy="603720"/>
+            <a:ext cx="1724760" cy="603360"/>
           </a:xfrm>
           <a:prstGeom prst="rect">
             <a:avLst/>
@@ -20204,6 +20063,7 @@
                   <a:srgbClr val="00b0f0"/>
                 </a:solidFill>
                 <a:latin typeface="Calibri"/>
+                <a:ea typeface="DejaVu Sans"/>
               </a:rPr>
               <a:t>User: Arul</a:t>
             </a:r>
@@ -20223,6 +20083,7 @@
                   <a:srgbClr val="00b0f0"/>
                 </a:solidFill>
                 <a:latin typeface="Calibri"/>
+                <a:ea typeface="DejaVu Sans"/>
               </a:rPr>
               <a:t>Type: Physician</a:t>
             </a:r>
@@ -20234,7 +20095,7 @@
       </p:sp>
       <p:sp>
         <p:nvSpPr>
-          <p:cNvPr id="203" name="Line 4"/>
+          <p:cNvPr id="200" name="Line 4"/>
           <p:cNvSpPr/>
           <p:nvPr/>
         </p:nvSpPr>
@@ -20250,6 +20111,7 @@
             <a:solidFill>
               <a:srgbClr val="00b0f0"/>
             </a:solidFill>
+            <a:round/>
           </a:ln>
         </p:spPr>
         <p:style>
@@ -20267,14 +20129,14 @@
       </p:sp>
       <p:sp>
         <p:nvSpPr>
-          <p:cNvPr id="204" name="CustomShape 5"/>
+          <p:cNvPr id="201" name="CustomShape 5"/>
           <p:cNvSpPr/>
           <p:nvPr/>
         </p:nvSpPr>
         <p:spPr>
           <a:xfrm>
             <a:off x="11062080" y="793080"/>
-            <a:ext cx="843480" cy="255600"/>
+            <a:ext cx="843120" cy="255240"/>
           </a:xfrm>
           <a:prstGeom prst="roundRect">
             <a:avLst>
@@ -20318,6 +20180,7 @@
                   <a:srgbClr val="ffffff"/>
                 </a:solidFill>
                 <a:latin typeface="Calibri"/>
+                <a:ea typeface="DejaVu Sans"/>
               </a:rPr>
               <a:t>Logout</a:t>
             </a:r>
@@ -20329,14 +20192,14 @@
       </p:sp>
       <p:sp>
         <p:nvSpPr>
-          <p:cNvPr id="205" name="CustomShape 6"/>
+          <p:cNvPr id="202" name="CustomShape 6"/>
           <p:cNvSpPr/>
           <p:nvPr/>
         </p:nvSpPr>
         <p:spPr>
           <a:xfrm>
             <a:off x="489600" y="1490040"/>
-            <a:ext cx="1448640" cy="410400"/>
+            <a:ext cx="1448280" cy="410040"/>
           </a:xfrm>
           <a:prstGeom prst="roundRect">
             <a:avLst>
@@ -20380,6 +20243,7 @@
                   <a:srgbClr val="ffffff"/>
                 </a:solidFill>
                 <a:latin typeface="Calibri"/>
+                <a:ea typeface="DejaVu Sans"/>
               </a:rPr>
               <a:t>View Results</a:t>
             </a:r>
@@ -20391,19 +20255,21 @@
       </p:sp>
       <p:sp>
         <p:nvSpPr>
-          <p:cNvPr id="206" name="CustomShape 7"/>
+          <p:cNvPr id="203" name="CustomShape 7"/>
           <p:cNvSpPr/>
           <p:nvPr/>
         </p:nvSpPr>
         <p:spPr>
           <a:xfrm>
             <a:off x="10485000" y="1573560"/>
-            <a:ext cx="1340640" cy="243360"/>
+            <a:ext cx="1340280" cy="243000"/>
           </a:xfrm>
           <a:prstGeom prst="rect">
             <a:avLst/>
           </a:prstGeom>
-          <a:ln/>
+          <a:ln>
+            <a:round/>
+          </a:ln>
         </p:spPr>
         <p:style>
           <a:lnRef idx="2">
@@ -20420,14 +20286,14 @@
       </p:sp>
       <p:sp>
         <p:nvSpPr>
-          <p:cNvPr id="207" name="CustomShape 8"/>
+          <p:cNvPr id="204" name="CustomShape 8"/>
           <p:cNvSpPr/>
           <p:nvPr/>
         </p:nvSpPr>
         <p:spPr>
           <a:xfrm>
             <a:off x="9832680" y="1582200"/>
-            <a:ext cx="702360" cy="272880"/>
+            <a:ext cx="702000" cy="272520"/>
           </a:xfrm>
           <a:prstGeom prst="rect">
             <a:avLst/>
@@ -20457,6 +20323,7 @@
                   <a:srgbClr val="000000"/>
                 </a:solidFill>
                 <a:latin typeface="Calibri"/>
+                <a:ea typeface="DejaVu Sans"/>
               </a:rPr>
               <a:t>Search</a:t>
             </a:r>
@@ -20468,7 +20335,7 @@
       </p:sp>
       <p:pic>
         <p:nvPicPr>
-          <p:cNvPr id="208" name="Picture 8" descr=""/>
+          <p:cNvPr id="205" name="Picture 8" descr=""/>
           <p:cNvPicPr/>
           <p:nvPr/>
         </p:nvPicPr>
@@ -20479,7 +20346,7 @@
         <p:spPr>
           <a:xfrm>
             <a:off x="2850840" y="4261680"/>
-            <a:ext cx="1022760" cy="258840"/>
+            <a:ext cx="1022400" cy="258480"/>
           </a:xfrm>
           <a:prstGeom prst="rect">
             <a:avLst/>
@@ -20491,7 +20358,7 @@
       </p:pic>
       <p:pic>
         <p:nvPicPr>
-          <p:cNvPr id="209" name="Picture 9" descr=""/>
+          <p:cNvPr id="206" name="Picture 9" descr=""/>
           <p:cNvPicPr/>
           <p:nvPr/>
         </p:nvPicPr>
@@ -20502,7 +20369,7 @@
         <p:spPr>
           <a:xfrm>
             <a:off x="6112080" y="4301640"/>
-            <a:ext cx="5961600" cy="312840"/>
+            <a:ext cx="5961240" cy="312480"/>
           </a:xfrm>
           <a:prstGeom prst="rect">
             <a:avLst/>
@@ -20514,7 +20381,7 @@
       </p:pic>
       <p:pic>
         <p:nvPicPr>
-          <p:cNvPr id="210" name="Picture 13" descr=""/>
+          <p:cNvPr id="207" name="Picture 13" descr=""/>
           <p:cNvPicPr/>
           <p:nvPr/>
         </p:nvPicPr>
@@ -20525,7 +20392,7 @@
         <p:spPr>
           <a:xfrm>
             <a:off x="3479040" y="4672800"/>
-            <a:ext cx="2252880" cy="2000880"/>
+            <a:ext cx="2252520" cy="2000520"/>
           </a:xfrm>
           <a:prstGeom prst="rect">
             <a:avLst/>
@@ -20537,7 +20404,7 @@
       </p:pic>
       <p:pic>
         <p:nvPicPr>
-          <p:cNvPr id="211" name="Picture 15" descr=""/>
+          <p:cNvPr id="208" name="Picture 15" descr=""/>
           <p:cNvPicPr/>
           <p:nvPr/>
         </p:nvPicPr>
@@ -20548,7 +20415,7 @@
         <p:spPr>
           <a:xfrm>
             <a:off x="2834640" y="1567440"/>
-            <a:ext cx="678960" cy="280440"/>
+            <a:ext cx="678600" cy="280080"/>
           </a:xfrm>
           <a:prstGeom prst="rect">
             <a:avLst/>
@@ -20560,13 +20427,13 @@
       </p:pic>
       <p:graphicFrame>
         <p:nvGraphicFramePr>
-          <p:cNvPr id="212" name="Table 9"/>
+          <p:cNvPr id="209" name="Table 9"/>
           <p:cNvGraphicFramePr/>
           <p:nvPr/>
         </p:nvGraphicFramePr>
         <p:xfrm>
           <a:off x="2850840" y="1924200"/>
-          <a:ext cx="9037080" cy="2261160"/>
+          <a:ext cx="9036720" cy="2261520"/>
         </p:xfrm>
         <a:graphic>
           <a:graphicData uri="http://schemas.openxmlformats.org/drawingml/2006/table">
@@ -20585,10 +20452,10 @@
                 <a:gridCol w="774720"/>
                 <a:gridCol w="594720"/>
               </a:tblGrid>
-              <a:tr h="376560">
-                <a:tc>
-                  <a:txBody>
-                    <a:bodyPr lIns="8640" rIns="8640" tIns="8640" bIns="0" anchor="ctr"/>
+              <a:tr h="387720">
+                <a:tc>
+                  <a:txBody>
+                    <a:bodyPr lIns="8640" rIns="8640"/>
                     <a:p>
                       <a:pPr algn="ctr">
                         <a:lnSpc>
@@ -20637,7 +20504,7 @@
                 </a:tc>
                 <a:tc>
                   <a:txBody>
-                    <a:bodyPr lIns="8640" rIns="8640" tIns="8640" bIns="0" anchor="ctr"/>
+                    <a:bodyPr lIns="8640" rIns="8640"/>
                     <a:p>
                       <a:pPr algn="ctr">
                         <a:lnSpc>
@@ -20686,7 +20553,7 @@
                 </a:tc>
                 <a:tc>
                   <a:txBody>
-                    <a:bodyPr lIns="8640" rIns="8640" tIns="8640" bIns="0" anchor="ctr"/>
+                    <a:bodyPr lIns="8640" rIns="8640"/>
                     <a:p>
                       <a:pPr algn="ctr">
                         <a:lnSpc>
@@ -20735,7 +20602,7 @@
                 </a:tc>
                 <a:tc>
                   <a:txBody>
-                    <a:bodyPr lIns="8640" rIns="8640" tIns="8640" bIns="0" anchor="ctr"/>
+                    <a:bodyPr lIns="8640" rIns="8640"/>
                     <a:p>
                       <a:pPr algn="ctr">
                         <a:lnSpc>
@@ -20784,7 +20651,7 @@
                 </a:tc>
                 <a:tc>
                   <a:txBody>
-                    <a:bodyPr lIns="8640" rIns="8640" tIns="8640" bIns="0" anchor="ctr"/>
+                    <a:bodyPr lIns="8640" rIns="8640"/>
                     <a:p>
                       <a:pPr algn="ctr">
                         <a:lnSpc>
@@ -20833,7 +20700,7 @@
                 </a:tc>
                 <a:tc>
                   <a:txBody>
-                    <a:bodyPr lIns="8640" rIns="8640" tIns="8640" bIns="0" anchor="ctr"/>
+                    <a:bodyPr lIns="8640" rIns="8640"/>
                     <a:p>
                       <a:pPr algn="ctr">
                         <a:lnSpc>
@@ -20882,7 +20749,7 @@
                 </a:tc>
                 <a:tc>
                   <a:txBody>
-                    <a:bodyPr lIns="8640" rIns="8640" tIns="8640" bIns="0" anchor="ctr"/>
+                    <a:bodyPr lIns="8640" rIns="8640"/>
                     <a:p>
                       <a:pPr algn="ctr">
                         <a:lnSpc>
@@ -20931,7 +20798,7 @@
                 </a:tc>
                 <a:tc>
                   <a:txBody>
-                    <a:bodyPr lIns="8640" rIns="8640" tIns="8640" bIns="0" anchor="ctr"/>
+                    <a:bodyPr lIns="8640" rIns="8640"/>
                     <a:p>
                       <a:pPr algn="ctr">
                         <a:lnSpc>
@@ -20980,7 +20847,7 @@
                 </a:tc>
                 <a:tc>
                   <a:txBody>
-                    <a:bodyPr lIns="8640" rIns="8640" tIns="8640" bIns="0" anchor="ctr"/>
+                    <a:bodyPr lIns="8640" rIns="8640"/>
                     <a:p>
                       <a:pPr algn="ctr">
                         <a:lnSpc>
@@ -21029,7 +20896,7 @@
                 </a:tc>
                 <a:tc>
                   <a:txBody>
-                    <a:bodyPr lIns="8640" rIns="8640" tIns="8640" bIns="0" anchor="ctr"/>
+                    <a:bodyPr lIns="8640" rIns="8640"/>
                     <a:p>
                       <a:pPr algn="ctr">
                         <a:lnSpc>
@@ -21078,7 +20945,7 @@
                 </a:tc>
                 <a:tc>
                   <a:txBody>
-                    <a:bodyPr lIns="8640" rIns="8640" tIns="8640" bIns="0" anchor="ctr"/>
+                    <a:bodyPr lIns="8640" rIns="8640"/>
                     <a:p>
                       <a:pPr algn="ctr">
                         <a:lnSpc>
@@ -21126,10 +20993,10 @@
                   </a:tcPr>
                 </a:tc>
               </a:tr>
-              <a:tr h="559080">
-                <a:tc>
-                  <a:txBody>
-                    <a:bodyPr lIns="8640" rIns="8640" tIns="8640" bIns="0" anchor="ctr"/>
+              <a:tr h="458280">
+                <a:tc>
+                  <a:txBody>
+                    <a:bodyPr lIns="8640" rIns="8640"/>
                     <a:p>
                       <a:pPr algn="ctr">
                         <a:lnSpc>
@@ -21178,7 +21045,7 @@
                 </a:tc>
                 <a:tc>
                   <a:txBody>
-                    <a:bodyPr lIns="8640" rIns="8640" tIns="8640" bIns="0" anchor="ctr"/>
+                    <a:bodyPr lIns="8640" rIns="8640"/>
                     <a:p>
                       <a:pPr algn="ctr">
                         <a:lnSpc>
@@ -21227,7 +21094,7 @@
                 </a:tc>
                 <a:tc>
                   <a:txBody>
-                    <a:bodyPr lIns="8640" rIns="8640" tIns="8640" bIns="0" anchor="ctr"/>
+                    <a:bodyPr lIns="8640" rIns="8640"/>
                     <a:p>
                       <a:pPr algn="ctr">
                         <a:lnSpc>
@@ -21276,7 +21143,7 @@
                 </a:tc>
                 <a:tc>
                   <a:txBody>
-                    <a:bodyPr lIns="8640" rIns="8640" tIns="8640" bIns="0" anchor="ctr"/>
+                    <a:bodyPr lIns="8640" rIns="8640"/>
                     <a:p>
                       <a:pPr algn="ctr">
                         <a:lnSpc>
@@ -21325,7 +21192,7 @@
                 </a:tc>
                 <a:tc>
                   <a:txBody>
-                    <a:bodyPr lIns="8640" rIns="8640" tIns="8640" bIns="0" anchor="ctr"/>
+                    <a:bodyPr lIns="8640" rIns="8640"/>
                     <a:p>
                       <a:pPr algn="ctr">
                         <a:lnSpc>
@@ -21374,7 +21241,7 @@
                 </a:tc>
                 <a:tc>
                   <a:txBody>
-                    <a:bodyPr lIns="8640" rIns="8640" tIns="8640" bIns="0" anchor="ctr"/>
+                    <a:bodyPr lIns="8640" rIns="8640"/>
                     <a:p>
                       <a:pPr algn="ctr">
                         <a:lnSpc>
@@ -21423,7 +21290,7 @@
                 </a:tc>
                 <a:tc>
                   <a:txBody>
-                    <a:bodyPr lIns="8640" rIns="8640" tIns="8640" bIns="0" anchor="ctr"/>
+                    <a:bodyPr lIns="8640" rIns="8640"/>
                     <a:p>
                       <a:pPr algn="ctr">
                         <a:lnSpc>
@@ -21472,7 +21339,7 @@
                 </a:tc>
                 <a:tc>
                   <a:txBody>
-                    <a:bodyPr lIns="8640" rIns="8640" tIns="8640" bIns="0" anchor="ctr"/>
+                    <a:bodyPr lIns="8640" rIns="8640"/>
                     <a:p>
                       <a:pPr algn="ctr">
                         <a:lnSpc>
@@ -21601,10 +21468,10 @@
                   </a:tcPr>
                 </a:tc>
               </a:tr>
-              <a:tr h="212040">
-                <a:tc>
-                  <a:txBody>
-                    <a:bodyPr lIns="8640" rIns="8640" tIns="8640" bIns="0" anchor="ctr"/>
+              <a:tr h="239760">
+                <a:tc>
+                  <a:txBody>
+                    <a:bodyPr lIns="8640" rIns="8640"/>
                     <a:p>
                       <a:pPr algn="ctr">
                         <a:lnSpc>
@@ -21653,7 +21520,7 @@
                 </a:tc>
                 <a:tc>
                   <a:txBody>
-                    <a:bodyPr lIns="8640" rIns="8640" tIns="8640" bIns="0" anchor="ctr"/>
+                    <a:bodyPr lIns="8640" rIns="8640"/>
                     <a:p>
                       <a:pPr algn="ctr">
                         <a:lnSpc>
@@ -21702,7 +21569,7 @@
                 </a:tc>
                 <a:tc>
                   <a:txBody>
-                    <a:bodyPr lIns="8640" rIns="8640" tIns="8640" bIns="0" anchor="ctr"/>
+                    <a:bodyPr lIns="8640" rIns="8640"/>
                     <a:p>
                       <a:pPr algn="ctr">
                         <a:lnSpc>
@@ -21751,7 +21618,7 @@
                 </a:tc>
                 <a:tc>
                   <a:txBody>
-                    <a:bodyPr lIns="8640" rIns="8640" tIns="8640" bIns="0" anchor="ctr"/>
+                    <a:bodyPr lIns="8640" rIns="8640"/>
                     <a:p>
                       <a:pPr algn="ctr">
                         <a:lnSpc>
@@ -21800,7 +21667,7 @@
                 </a:tc>
                 <a:tc>
                   <a:txBody>
-                    <a:bodyPr lIns="8640" rIns="8640" tIns="8640" bIns="0" anchor="ctr"/>
+                    <a:bodyPr lIns="8640" rIns="8640"/>
                     <a:p>
                       <a:pPr algn="ctr">
                         <a:lnSpc>
@@ -21849,7 +21716,7 @@
                 </a:tc>
                 <a:tc>
                   <a:txBody>
-                    <a:bodyPr lIns="8640" rIns="8640" tIns="8640" bIns="0" anchor="ctr"/>
+                    <a:bodyPr lIns="8640" rIns="8640"/>
                     <a:p>
                       <a:pPr algn="ctr">
                         <a:lnSpc>
@@ -21898,7 +21765,7 @@
                 </a:tc>
                 <a:tc>
                   <a:txBody>
-                    <a:bodyPr lIns="8640" rIns="8640" tIns="8640" bIns="0" anchor="ctr"/>
+                    <a:bodyPr lIns="8640" rIns="8640"/>
                     <a:p>
                       <a:pPr algn="ctr">
                         <a:lnSpc>
@@ -21947,7 +21814,7 @@
                 </a:tc>
                 <a:tc>
                   <a:txBody>
-                    <a:bodyPr lIns="8640" rIns="8640" tIns="8640" bIns="0" anchor="ctr"/>
+                    <a:bodyPr lIns="8640" rIns="8640"/>
                     <a:p>
                       <a:pPr algn="ctr">
                         <a:lnSpc>
@@ -22076,10 +21943,10 @@
                   </a:tcPr>
                 </a:tc>
               </a:tr>
-              <a:tr h="212040">
-                <a:tc>
-                  <a:txBody>
-                    <a:bodyPr lIns="8640" rIns="8640" tIns="8640" bIns="0" anchor="ctr"/>
+              <a:tr h="239760">
+                <a:tc>
+                  <a:txBody>
+                    <a:bodyPr lIns="8640" rIns="8640"/>
                     <a:p>
                       <a:pPr algn="ctr">
                         <a:lnSpc>
@@ -22128,7 +21995,7 @@
                 </a:tc>
                 <a:tc>
                   <a:txBody>
-                    <a:bodyPr lIns="8640" rIns="8640" tIns="8640" bIns="0" anchor="ctr"/>
+                    <a:bodyPr lIns="8640" rIns="8640"/>
                     <a:p>
                       <a:pPr algn="ctr">
                         <a:lnSpc>
@@ -22177,7 +22044,7 @@
                 </a:tc>
                 <a:tc>
                   <a:txBody>
-                    <a:bodyPr lIns="8640" rIns="8640" tIns="8640" bIns="0" anchor="ctr"/>
+                    <a:bodyPr lIns="8640" rIns="8640"/>
                     <a:p>
                       <a:pPr algn="ctr">
                         <a:lnSpc>
@@ -22226,7 +22093,7 @@
                 </a:tc>
                 <a:tc>
                   <a:txBody>
-                    <a:bodyPr lIns="8640" rIns="8640" tIns="8640" bIns="0" anchor="ctr"/>
+                    <a:bodyPr lIns="8640" rIns="8640"/>
                     <a:p>
                       <a:pPr algn="ctr">
                         <a:lnSpc>
@@ -22275,7 +22142,7 @@
                 </a:tc>
                 <a:tc>
                   <a:txBody>
-                    <a:bodyPr lIns="8640" rIns="8640" tIns="8640" bIns="0" anchor="ctr"/>
+                    <a:bodyPr lIns="8640" rIns="8640"/>
                     <a:p>
                       <a:pPr algn="ctr">
                         <a:lnSpc>
@@ -22324,7 +22191,7 @@
                 </a:tc>
                 <a:tc>
                   <a:txBody>
-                    <a:bodyPr lIns="8640" rIns="8640" tIns="8640" bIns="0" anchor="ctr"/>
+                    <a:bodyPr lIns="8640" rIns="8640"/>
                     <a:p>
                       <a:pPr algn="ctr">
                         <a:lnSpc>
@@ -22373,7 +22240,7 @@
                 </a:tc>
                 <a:tc>
                   <a:txBody>
-                    <a:bodyPr lIns="8640" rIns="8640" tIns="8640" bIns="0" anchor="ctr"/>
+                    <a:bodyPr lIns="8640" rIns="8640"/>
                     <a:p>
                       <a:pPr algn="ctr">
                         <a:lnSpc>
@@ -22422,7 +22289,7 @@
                 </a:tc>
                 <a:tc>
                   <a:txBody>
-                    <a:bodyPr lIns="8640" rIns="8640" tIns="8640" bIns="0" anchor="ctr"/>
+                    <a:bodyPr lIns="8640" rIns="8640"/>
                     <a:p>
                       <a:pPr algn="ctr">
                         <a:lnSpc>
@@ -22551,10 +22418,10 @@
                   </a:tcPr>
                 </a:tc>
               </a:tr>
-              <a:tr h="212040">
-                <a:tc>
-                  <a:txBody>
-                    <a:bodyPr lIns="8640" rIns="8640" tIns="8640" bIns="0" anchor="ctr"/>
+              <a:tr h="239760">
+                <a:tc>
+                  <a:txBody>
+                    <a:bodyPr lIns="8640" rIns="8640"/>
                     <a:p>
                       <a:pPr algn="ctr">
                         <a:lnSpc>
@@ -22603,7 +22470,7 @@
                 </a:tc>
                 <a:tc>
                   <a:txBody>
-                    <a:bodyPr lIns="8640" rIns="8640" tIns="8640" bIns="0" anchor="ctr"/>
+                    <a:bodyPr lIns="8640" rIns="8640"/>
                     <a:p>
                       <a:pPr algn="ctr">
                         <a:lnSpc>
@@ -22652,7 +22519,7 @@
                 </a:tc>
                 <a:tc>
                   <a:txBody>
-                    <a:bodyPr lIns="8640" rIns="8640" tIns="8640" bIns="0" anchor="ctr"/>
+                    <a:bodyPr lIns="8640" rIns="8640"/>
                     <a:p>
                       <a:pPr algn="ctr">
                         <a:lnSpc>
@@ -22701,7 +22568,7 @@
                 </a:tc>
                 <a:tc>
                   <a:txBody>
-                    <a:bodyPr lIns="8640" rIns="8640" tIns="8640" bIns="0" anchor="ctr"/>
+                    <a:bodyPr lIns="8640" rIns="8640"/>
                     <a:p>
                       <a:pPr algn="ctr">
                         <a:lnSpc>
@@ -22750,7 +22617,7 @@
                 </a:tc>
                 <a:tc>
                   <a:txBody>
-                    <a:bodyPr lIns="8640" rIns="8640" tIns="8640" bIns="0" anchor="ctr"/>
+                    <a:bodyPr lIns="8640" rIns="8640"/>
                     <a:p>
                       <a:pPr algn="ctr">
                         <a:lnSpc>
@@ -22799,7 +22666,7 @@
                 </a:tc>
                 <a:tc>
                   <a:txBody>
-                    <a:bodyPr lIns="8640" rIns="8640" tIns="8640" bIns="0" anchor="ctr"/>
+                    <a:bodyPr lIns="8640" rIns="8640"/>
                     <a:p>
                       <a:pPr algn="ctr">
                         <a:lnSpc>
@@ -22848,7 +22715,7 @@
                 </a:tc>
                 <a:tc>
                   <a:txBody>
-                    <a:bodyPr lIns="8640" rIns="8640" tIns="8640" bIns="0" anchor="ctr"/>
+                    <a:bodyPr lIns="8640" rIns="8640"/>
                     <a:p>
                       <a:pPr algn="ctr">
                         <a:lnSpc>
@@ -22897,7 +22764,7 @@
                 </a:tc>
                 <a:tc>
                   <a:txBody>
-                    <a:bodyPr lIns="8640" rIns="8640" tIns="8640" bIns="0" anchor="ctr"/>
+                    <a:bodyPr lIns="8640" rIns="8640"/>
                     <a:p>
                       <a:pPr algn="ctr">
                         <a:lnSpc>
@@ -23026,10 +22893,10 @@
                   </a:tcPr>
                 </a:tc>
               </a:tr>
-              <a:tr h="376560">
-                <a:tc>
-                  <a:txBody>
-                    <a:bodyPr lIns="8640" rIns="8640" tIns="8640" bIns="0" anchor="ctr"/>
+              <a:tr h="308880">
+                <a:tc>
+                  <a:txBody>
+                    <a:bodyPr lIns="8640" rIns="8640"/>
                     <a:p>
                       <a:pPr algn="ctr">
                         <a:lnSpc>
@@ -23078,7 +22945,7 @@
                 </a:tc>
                 <a:tc>
                   <a:txBody>
-                    <a:bodyPr lIns="8640" rIns="8640" tIns="8640" bIns="0" anchor="ctr"/>
+                    <a:bodyPr lIns="8640" rIns="8640"/>
                     <a:p>
                       <a:pPr algn="ctr">
                         <a:lnSpc>
@@ -23127,7 +22994,7 @@
                 </a:tc>
                 <a:tc>
                   <a:txBody>
-                    <a:bodyPr lIns="8640" rIns="8640" tIns="8640" bIns="0" anchor="ctr"/>
+                    <a:bodyPr lIns="8640" rIns="8640"/>
                     <a:p>
                       <a:pPr algn="ctr">
                         <a:lnSpc>
@@ -23176,7 +23043,7 @@
                 </a:tc>
                 <a:tc>
                   <a:txBody>
-                    <a:bodyPr lIns="8640" rIns="8640" tIns="8640" bIns="0" anchor="ctr"/>
+                    <a:bodyPr lIns="8640" rIns="8640"/>
                     <a:p>
                       <a:pPr algn="ctr">
                         <a:lnSpc>
@@ -23225,7 +23092,7 @@
                 </a:tc>
                 <a:tc>
                   <a:txBody>
-                    <a:bodyPr lIns="8640" rIns="8640" tIns="8640" bIns="0" anchor="ctr"/>
+                    <a:bodyPr lIns="8640" rIns="8640"/>
                     <a:p>
                       <a:pPr algn="ctr">
                         <a:lnSpc>
@@ -23274,7 +23141,7 @@
                 </a:tc>
                 <a:tc>
                   <a:txBody>
-                    <a:bodyPr lIns="8640" rIns="8640" tIns="8640" bIns="0" anchor="ctr"/>
+                    <a:bodyPr lIns="8640" rIns="8640"/>
                     <a:p>
                       <a:pPr algn="ctr">
                         <a:lnSpc>
@@ -23323,7 +23190,7 @@
                 </a:tc>
                 <a:tc>
                   <a:txBody>
-                    <a:bodyPr lIns="8640" rIns="8640" tIns="8640" bIns="0" anchor="ctr"/>
+                    <a:bodyPr lIns="8640" rIns="8640"/>
                     <a:p>
                       <a:pPr algn="ctr">
                         <a:lnSpc>
@@ -23372,7 +23239,7 @@
                 </a:tc>
                 <a:tc>
                   <a:txBody>
-                    <a:bodyPr lIns="8640" rIns="8640" tIns="8640" bIns="0" anchor="ctr"/>
+                    <a:bodyPr lIns="8640" rIns="8640"/>
                     <a:p>
                       <a:pPr algn="ctr">
                         <a:lnSpc>
@@ -23501,10 +23368,10 @@
                   </a:tcPr>
                 </a:tc>
               </a:tr>
-              <a:tr h="313560">
-                <a:tc>
-                  <a:txBody>
-                    <a:bodyPr lIns="8640" rIns="8640" tIns="8640" bIns="0" anchor="ctr"/>
+              <a:tr h="387720">
+                <a:tc>
+                  <a:txBody>
+                    <a:bodyPr lIns="8640" rIns="8640"/>
                     <a:p>
                       <a:pPr algn="ctr">
                         <a:lnSpc>
@@ -23553,7 +23420,7 @@
                 </a:tc>
                 <a:tc>
                   <a:txBody>
-                    <a:bodyPr lIns="8640" rIns="8640" tIns="8640" bIns="0" anchor="ctr"/>
+                    <a:bodyPr lIns="8640" rIns="8640"/>
                     <a:p>
                       <a:pPr algn="ctr">
                         <a:lnSpc>
@@ -23602,7 +23469,7 @@
                 </a:tc>
                 <a:tc>
                   <a:txBody>
-                    <a:bodyPr lIns="8640" rIns="8640" tIns="8640" bIns="0" anchor="ctr"/>
+                    <a:bodyPr lIns="8640" rIns="8640"/>
                     <a:p>
                       <a:pPr algn="ctr">
                         <a:lnSpc>
@@ -23651,7 +23518,7 @@
                 </a:tc>
                 <a:tc>
                   <a:txBody>
-                    <a:bodyPr lIns="8640" rIns="8640" tIns="8640" bIns="0" anchor="ctr"/>
+                    <a:bodyPr lIns="8640" rIns="8640"/>
                     <a:p>
                       <a:pPr algn="ctr">
                         <a:lnSpc>
@@ -23700,7 +23567,7 @@
                 </a:tc>
                 <a:tc>
                   <a:txBody>
-                    <a:bodyPr lIns="8640" rIns="8640" tIns="8640" bIns="0" anchor="ctr"/>
+                    <a:bodyPr lIns="8640" rIns="8640"/>
                     <a:p>
                       <a:pPr algn="ctr">
                         <a:lnSpc>
@@ -23749,7 +23616,7 @@
                 </a:tc>
                 <a:tc>
                   <a:txBody>
-                    <a:bodyPr lIns="8640" rIns="8640" tIns="8640" bIns="0" anchor="ctr"/>
+                    <a:bodyPr lIns="8640" rIns="8640"/>
                     <a:p>
                       <a:pPr algn="ctr">
                         <a:lnSpc>
@@ -23798,7 +23665,7 @@
                 </a:tc>
                 <a:tc>
                   <a:txBody>
-                    <a:bodyPr lIns="8640" rIns="8640" tIns="8640" bIns="0" anchor="ctr"/>
+                    <a:bodyPr lIns="8640" rIns="8640"/>
                     <a:p>
                       <a:pPr algn="ctr">
                         <a:lnSpc>
@@ -23847,7 +23714,7 @@
                 </a:tc>
                 <a:tc>
                   <a:txBody>
-                    <a:bodyPr lIns="8640" rIns="8640" tIns="8640" bIns="0" anchor="ctr"/>
+                    <a:bodyPr lIns="8640" rIns="8640"/>
                     <a:p>
                       <a:pPr algn="ctr">
                         <a:lnSpc>
@@ -24031,14 +23898,14 @@
       </p:grpSpPr>
       <p:sp>
         <p:nvSpPr>
-          <p:cNvPr id="213" name="CustomShape 1"/>
+          <p:cNvPr id="210" name="CustomShape 1"/>
           <p:cNvSpPr/>
           <p:nvPr/>
         </p:nvSpPr>
         <p:spPr>
           <a:xfrm>
             <a:off x="118080" y="121680"/>
-            <a:ext cx="11965320" cy="6661080"/>
+            <a:ext cx="11964960" cy="6660720"/>
           </a:xfrm>
           <a:prstGeom prst="roundRect">
             <a:avLst>
@@ -24050,6 +23917,7 @@
             <a:solidFill>
               <a:srgbClr val="c00000"/>
             </a:solidFill>
+            <a:round/>
           </a:ln>
         </p:spPr>
         <p:style>
@@ -24069,7 +23937,7 @@
       </p:sp>
       <p:pic>
         <p:nvPicPr>
-          <p:cNvPr id="214" name="Picture 2" descr=""/>
+          <p:cNvPr id="211" name="Picture 2" descr=""/>
           <p:cNvPicPr/>
           <p:nvPr/>
         </p:nvPicPr>
@@ -24080,7 +23948,7 @@
         <p:spPr>
           <a:xfrm>
             <a:off x="629640" y="368640"/>
-            <a:ext cx="1208160" cy="716760"/>
+            <a:ext cx="1207800" cy="716400"/>
           </a:xfrm>
           <a:prstGeom prst="rect">
             <a:avLst/>
@@ -24092,7 +23960,7 @@
       </p:pic>
       <p:sp>
         <p:nvSpPr>
-          <p:cNvPr id="215" name="Line 2"/>
+          <p:cNvPr id="212" name="Line 2"/>
           <p:cNvSpPr/>
           <p:nvPr/>
         </p:nvSpPr>
@@ -24108,6 +23976,7 @@
             <a:solidFill>
               <a:srgbClr val="c00000"/>
             </a:solidFill>
+            <a:round/>
           </a:ln>
         </p:spPr>
         <p:style>
@@ -24125,14 +23994,14 @@
       </p:sp>
       <p:sp>
         <p:nvSpPr>
-          <p:cNvPr id="216" name="CustomShape 3"/>
+          <p:cNvPr id="213" name="CustomShape 3"/>
           <p:cNvSpPr/>
           <p:nvPr/>
         </p:nvSpPr>
         <p:spPr>
           <a:xfrm>
             <a:off x="10180440" y="138600"/>
-            <a:ext cx="1725120" cy="603720"/>
+            <a:ext cx="1724760" cy="603360"/>
           </a:xfrm>
           <a:prstGeom prst="rect">
             <a:avLst/>
@@ -24170,6 +24039,7 @@
                   <a:srgbClr val="843c0b"/>
                 </a:solidFill>
                 <a:latin typeface="Calibri"/>
+                <a:ea typeface="DejaVu Sans"/>
               </a:rPr>
               <a:t>User: Arul</a:t>
             </a:r>
@@ -24189,6 +24059,7 @@
                   <a:srgbClr val="843c0b"/>
                 </a:solidFill>
                 <a:latin typeface="Calibri"/>
+                <a:ea typeface="DejaVu Sans"/>
               </a:rPr>
               <a:t>Type: Admin</a:t>
             </a:r>
@@ -24200,7 +24071,7 @@
       </p:sp>
       <p:sp>
         <p:nvSpPr>
-          <p:cNvPr id="217" name="Line 4"/>
+          <p:cNvPr id="214" name="Line 4"/>
           <p:cNvSpPr/>
           <p:nvPr/>
         </p:nvSpPr>
@@ -24216,6 +24087,7 @@
             <a:solidFill>
               <a:srgbClr val="c00000"/>
             </a:solidFill>
+            <a:round/>
           </a:ln>
         </p:spPr>
         <p:style>
@@ -24233,14 +24105,14 @@
       </p:sp>
       <p:sp>
         <p:nvSpPr>
-          <p:cNvPr id="218" name="CustomShape 5"/>
+          <p:cNvPr id="215" name="CustomShape 5"/>
           <p:cNvSpPr/>
           <p:nvPr/>
         </p:nvSpPr>
         <p:spPr>
           <a:xfrm>
             <a:off x="11062080" y="793080"/>
-            <a:ext cx="843480" cy="255600"/>
+            <a:ext cx="843120" cy="255240"/>
           </a:xfrm>
           <a:prstGeom prst="roundRect">
             <a:avLst>
@@ -24284,6 +24156,7 @@
                   <a:srgbClr val="ffffff"/>
                 </a:solidFill>
                 <a:latin typeface="Calibri"/>
+                <a:ea typeface="DejaVu Sans"/>
               </a:rPr>
               <a:t>Logout</a:t>
             </a:r>
@@ -24295,14 +24168,14 @@
       </p:sp>
       <p:sp>
         <p:nvSpPr>
-          <p:cNvPr id="219" name="CustomShape 6"/>
+          <p:cNvPr id="216" name="CustomShape 6"/>
           <p:cNvSpPr/>
           <p:nvPr/>
         </p:nvSpPr>
         <p:spPr>
           <a:xfrm>
             <a:off x="509400" y="1556280"/>
-            <a:ext cx="1448640" cy="410400"/>
+            <a:ext cx="1448280" cy="410040"/>
           </a:xfrm>
           <a:prstGeom prst="roundRect">
             <a:avLst>
@@ -24346,6 +24219,7 @@
                   <a:srgbClr val="ffffff"/>
                 </a:solidFill>
                 <a:latin typeface="Calibri"/>
+                <a:ea typeface="DejaVu Sans"/>
               </a:rPr>
               <a:t>User List</a:t>
             </a:r>
@@ -24357,13 +24231,13 @@
       </p:sp>
       <p:graphicFrame>
         <p:nvGraphicFramePr>
-          <p:cNvPr id="220" name="Table 7"/>
+          <p:cNvPr id="217" name="Table 7"/>
           <p:cNvGraphicFramePr/>
           <p:nvPr/>
         </p:nvGraphicFramePr>
         <p:xfrm>
           <a:off x="2837520" y="1587600"/>
-          <a:ext cx="9002160" cy="761760"/>
+          <a:ext cx="9001800" cy="761400"/>
         </p:xfrm>
         <a:graphic>
           <a:graphicData uri="http://schemas.openxmlformats.org/drawingml/2006/table">
@@ -24379,10 +24253,10 @@
                 <a:gridCol w="570240"/>
                 <a:gridCol w="571680"/>
               </a:tblGrid>
-              <a:tr h="190440">
-                <a:tc>
-                  <a:txBody>
-                    <a:bodyPr lIns="9360" rIns="9360" tIns="9360" bIns="0" anchor="ctr"/>
+              <a:tr h="254880">
+                <a:tc>
+                  <a:txBody>
+                    <a:bodyPr lIns="9360" rIns="9360"/>
                     <a:p>
                       <a:pPr algn="ctr">
                         <a:lnSpc>
@@ -24431,7 +24305,7 @@
                 </a:tc>
                 <a:tc>
                   <a:txBody>
-                    <a:bodyPr lIns="9360" rIns="9360" tIns="9360" bIns="0" anchor="ctr"/>
+                    <a:bodyPr lIns="9360" rIns="9360"/>
                     <a:p>
                       <a:pPr algn="ctr">
                         <a:lnSpc>
@@ -24480,7 +24354,7 @@
                 </a:tc>
                 <a:tc>
                   <a:txBody>
-                    <a:bodyPr lIns="9360" rIns="9360" tIns="9360" bIns="0" anchor="ctr"/>
+                    <a:bodyPr lIns="9360" rIns="9360"/>
                     <a:p>
                       <a:pPr algn="ctr">
                         <a:lnSpc>
@@ -24529,7 +24403,7 @@
                 </a:tc>
                 <a:tc>
                   <a:txBody>
-                    <a:bodyPr lIns="9360" rIns="9360" tIns="9360" bIns="0" anchor="ctr"/>
+                    <a:bodyPr lIns="9360" rIns="9360"/>
                     <a:p>
                       <a:pPr algn="ctr">
                         <a:lnSpc>
@@ -24578,7 +24452,7 @@
                 </a:tc>
                 <a:tc>
                   <a:txBody>
-                    <a:bodyPr lIns="9360" rIns="9360" tIns="9360" bIns="0" anchor="ctr"/>
+                    <a:bodyPr lIns="9360" rIns="9360"/>
                     <a:p>
                       <a:pPr algn="ctr">
                         <a:lnSpc>
@@ -24627,7 +24501,7 @@
                 </a:tc>
                 <a:tc>
                   <a:txBody>
-                    <a:bodyPr lIns="9360" rIns="9360" tIns="9360" bIns="0" anchor="ctr"/>
+                    <a:bodyPr lIns="9360" rIns="9360"/>
                     <a:p>
                       <a:pPr algn="ctr">
                         <a:lnSpc>
@@ -24676,7 +24550,7 @@
                 </a:tc>
                 <a:tc>
                   <a:txBody>
-                    <a:bodyPr lIns="9360" rIns="9360" tIns="9360" bIns="0" anchor="ctr"/>
+                    <a:bodyPr lIns="9360" rIns="9360"/>
                     <a:p>
                       <a:pPr algn="ctr">
                         <a:lnSpc>
@@ -24725,7 +24599,7 @@
                 </a:tc>
                 <a:tc>
                   <a:txBody>
-                    <a:bodyPr lIns="9360" rIns="9360" tIns="9360" bIns="0" anchor="ctr"/>
+                    <a:bodyPr lIns="9360" rIns="9360"/>
                     <a:p>
                       <a:pPr algn="ctr">
                         <a:lnSpc>
@@ -24773,10 +24647,10 @@
                   </a:tcPr>
                 </a:tc>
               </a:tr>
-              <a:tr h="190440">
-                <a:tc>
-                  <a:txBody>
-                    <a:bodyPr lIns="9360" rIns="9360" tIns="9360" bIns="0" anchor="ctr"/>
+              <a:tr h="254880">
+                <a:tc>
+                  <a:txBody>
+                    <a:bodyPr lIns="9360" rIns="9360"/>
                     <a:p>
                       <a:pPr algn="ctr">
                         <a:lnSpc>
@@ -24825,7 +24699,7 @@
                 </a:tc>
                 <a:tc>
                   <a:txBody>
-                    <a:bodyPr lIns="9360" rIns="9360" tIns="9360" bIns="0" anchor="ctr"/>
+                    <a:bodyPr lIns="9360" rIns="9360"/>
                     <a:p>
                       <a:pPr algn="ctr">
                         <a:lnSpc>
@@ -24874,7 +24748,7 @@
                 </a:tc>
                 <a:tc>
                   <a:txBody>
-                    <a:bodyPr lIns="9360" rIns="9360" tIns="9360" bIns="0" anchor="ctr"/>
+                    <a:bodyPr lIns="9360" rIns="9360"/>
                     <a:p>
                       <a:pPr algn="ctr">
                         <a:lnSpc>
@@ -24923,7 +24797,7 @@
                 </a:tc>
                 <a:tc>
                   <a:txBody>
-                    <a:bodyPr lIns="9360" rIns="9360" tIns="9360" bIns="0" anchor="ctr"/>
+                    <a:bodyPr lIns="9360" rIns="9360"/>
                     <a:p>
                       <a:pPr algn="ctr">
                         <a:lnSpc>
@@ -24974,7 +24848,7 @@
                 </a:tc>
                 <a:tc>
                   <a:txBody>
-                    <a:bodyPr lIns="9360" rIns="9360" tIns="9360" bIns="0" anchor="ctr"/>
+                    <a:bodyPr lIns="9360" rIns="9360"/>
                     <a:p>
                       <a:pPr algn="ctr">
                         <a:lnSpc>
@@ -25023,7 +24897,7 @@
                 </a:tc>
                 <a:tc>
                   <a:txBody>
-                    <a:bodyPr lIns="9360" rIns="9360" tIns="9360" bIns="0" anchor="ctr"/>
+                    <a:bodyPr lIns="9360" rIns="9360"/>
                     <a:p>
                       <a:pPr algn="ctr">
                         <a:lnSpc>
@@ -25072,7 +24946,7 @@
                 </a:tc>
                 <a:tc>
                   <a:txBody>
-                    <a:bodyPr lIns="9360" rIns="9360" tIns="9360" bIns="0" anchor="ctr"/>
+                    <a:bodyPr lIns="9360" rIns="9360"/>
                     <a:p>
                       <a:pPr algn="ctr">
                         <a:lnSpc>
@@ -25121,7 +24995,7 @@
                 </a:tc>
                 <a:tc>
                   <a:txBody>
-                    <a:bodyPr lIns="9360" rIns="9360" tIns="9360" bIns="0" anchor="ctr"/>
+                    <a:bodyPr lIns="9360" rIns="9360"/>
                     <a:p>
                       <a:pPr algn="ctr">
                         <a:lnSpc>
@@ -25169,10 +25043,10 @@
                   </a:tcPr>
                 </a:tc>
               </a:tr>
-              <a:tr h="190440">
-                <a:tc>
-                  <a:txBody>
-                    <a:bodyPr lIns="9360" rIns="9360" tIns="9360" bIns="0" anchor="ctr"/>
+              <a:tr h="254880">
+                <a:tc>
+                  <a:txBody>
+                    <a:bodyPr lIns="9360" rIns="9360"/>
                     <a:p>
                       <a:pPr algn="ctr">
                         <a:lnSpc>
@@ -25221,7 +25095,7 @@
                 </a:tc>
                 <a:tc>
                   <a:txBody>
-                    <a:bodyPr lIns="9360" rIns="9360" tIns="9360" bIns="0" anchor="ctr"/>
+                    <a:bodyPr lIns="9360" rIns="9360"/>
                     <a:p>
                       <a:pPr algn="ctr">
                         <a:lnSpc>
@@ -25270,7 +25144,7 @@
                 </a:tc>
                 <a:tc>
                   <a:txBody>
-                    <a:bodyPr lIns="9360" rIns="9360" tIns="9360" bIns="0" anchor="ctr"/>
+                    <a:bodyPr lIns="9360" rIns="9360"/>
                     <a:p>
                       <a:pPr algn="ctr">
                         <a:lnSpc>
@@ -25319,7 +25193,7 @@
                 </a:tc>
                 <a:tc>
                   <a:txBody>
-                    <a:bodyPr lIns="9360" rIns="9360" tIns="9360" bIns="0" anchor="ctr"/>
+                    <a:bodyPr lIns="9360" rIns="9360"/>
                     <a:p>
                       <a:pPr algn="ctr">
                         <a:lnSpc>
@@ -25370,7 +25244,7 @@
                 </a:tc>
                 <a:tc>
                   <a:txBody>
-                    <a:bodyPr lIns="9360" rIns="9360" tIns="9360" bIns="0" anchor="ctr"/>
+                    <a:bodyPr lIns="9360" rIns="9360"/>
                     <a:p>
                       <a:pPr algn="ctr">
                         <a:lnSpc>
@@ -25419,7 +25293,7 @@
                 </a:tc>
                 <a:tc>
                   <a:txBody>
-                    <a:bodyPr lIns="9360" rIns="9360" tIns="9360" bIns="0" anchor="ctr"/>
+                    <a:bodyPr lIns="9360" rIns="9360"/>
                     <a:p>
                       <a:pPr algn="ctr">
                         <a:lnSpc>
@@ -25468,7 +25342,7 @@
                 </a:tc>
                 <a:tc>
                   <a:txBody>
-                    <a:bodyPr lIns="9360" rIns="9360" tIns="9360" bIns="0" anchor="ctr"/>
+                    <a:bodyPr lIns="9360" rIns="9360"/>
                     <a:p>
                       <a:pPr algn="ctr">
                         <a:lnSpc>
@@ -25517,7 +25391,7 @@
                 </a:tc>
                 <a:tc>
                   <a:txBody>
-                    <a:bodyPr lIns="9360" rIns="9360" tIns="9360" bIns="0" anchor="ctr"/>
+                    <a:bodyPr lIns="9360" rIns="9360"/>
                     <a:p>
                       <a:pPr algn="ctr">
                         <a:lnSpc>
@@ -25565,10 +25439,10 @@
                   </a:tcPr>
                 </a:tc>
               </a:tr>
-              <a:tr h="190440">
-                <a:tc>
-                  <a:txBody>
-                    <a:bodyPr lIns="9360" rIns="9360" tIns="9360" bIns="0" anchor="ctr"/>
+              <a:tr h="254880">
+                <a:tc>
+                  <a:txBody>
+                    <a:bodyPr lIns="9360" rIns="9360"/>
                     <a:p>
                       <a:pPr algn="ctr">
                         <a:lnSpc>
@@ -25617,7 +25491,7 @@
                 </a:tc>
                 <a:tc>
                   <a:txBody>
-                    <a:bodyPr lIns="9360" rIns="9360" tIns="9360" bIns="0" anchor="ctr"/>
+                    <a:bodyPr lIns="9360" rIns="9360"/>
                     <a:p>
                       <a:pPr algn="ctr">
                         <a:lnSpc>
@@ -25666,7 +25540,7 @@
                 </a:tc>
                 <a:tc>
                   <a:txBody>
-                    <a:bodyPr lIns="9360" rIns="9360" tIns="9360" bIns="0" anchor="ctr"/>
+                    <a:bodyPr lIns="9360" rIns="9360"/>
                     <a:p>
                       <a:pPr algn="ctr">
                         <a:lnSpc>
@@ -25715,7 +25589,7 @@
                 </a:tc>
                 <a:tc>
                   <a:txBody>
-                    <a:bodyPr lIns="9360" rIns="9360" tIns="9360" bIns="0" anchor="ctr"/>
+                    <a:bodyPr lIns="9360" rIns="9360"/>
                     <a:p>
                       <a:pPr algn="ctr">
                         <a:lnSpc>
@@ -25766,7 +25640,7 @@
                 </a:tc>
                 <a:tc>
                   <a:txBody>
-                    <a:bodyPr lIns="9360" rIns="9360" tIns="9360" bIns="0" anchor="ctr"/>
+                    <a:bodyPr lIns="9360" rIns="9360"/>
                     <a:p>
                       <a:pPr algn="ctr">
                         <a:lnSpc>
@@ -25815,7 +25689,7 @@
                 </a:tc>
                 <a:tc>
                   <a:txBody>
-                    <a:bodyPr lIns="9360" rIns="9360" tIns="9360" bIns="0" anchor="ctr"/>
+                    <a:bodyPr lIns="9360" rIns="9360"/>
                     <a:p>
                       <a:pPr algn="ctr">
                         <a:lnSpc>
@@ -25864,7 +25738,7 @@
                 </a:tc>
                 <a:tc>
                   <a:txBody>
-                    <a:bodyPr lIns="9360" rIns="9360" tIns="9360" bIns="0" anchor="ctr"/>
+                    <a:bodyPr lIns="9360" rIns="9360"/>
                     <a:p>
                       <a:pPr algn="ctr">
                         <a:lnSpc>
@@ -25913,7 +25787,7 @@
                 </a:tc>
                 <a:tc>
                   <a:txBody>
-                    <a:bodyPr lIns="9360" rIns="9360" tIns="9360" bIns="0" anchor="ctr"/>
+                    <a:bodyPr lIns="9360" rIns="9360"/>
                     <a:p>
                       <a:pPr algn="ctr">
                         <a:lnSpc>
@@ -26016,14 +25890,14 @@
       </p:grpSpPr>
       <p:sp>
         <p:nvSpPr>
-          <p:cNvPr id="221" name="CustomShape 1"/>
+          <p:cNvPr id="218" name="CustomShape 1"/>
           <p:cNvSpPr/>
           <p:nvPr/>
         </p:nvSpPr>
         <p:spPr>
           <a:xfrm>
             <a:off x="118080" y="121680"/>
-            <a:ext cx="11965320" cy="6661080"/>
+            <a:ext cx="11964960" cy="6660720"/>
           </a:xfrm>
           <a:prstGeom prst="roundRect">
             <a:avLst>
@@ -26035,6 +25909,7 @@
             <a:solidFill>
               <a:srgbClr val="c00000"/>
             </a:solidFill>
+            <a:round/>
           </a:ln>
         </p:spPr>
         <p:style>
@@ -26054,7 +25929,7 @@
       </p:sp>
       <p:pic>
         <p:nvPicPr>
-          <p:cNvPr id="222" name="Picture 2" descr=""/>
+          <p:cNvPr id="219" name="Picture 2" descr=""/>
           <p:cNvPicPr/>
           <p:nvPr/>
         </p:nvPicPr>
@@ -26065,7 +25940,7 @@
         <p:spPr>
           <a:xfrm>
             <a:off x="629640" y="368640"/>
-            <a:ext cx="1208160" cy="716760"/>
+            <a:ext cx="1207800" cy="716400"/>
           </a:xfrm>
           <a:prstGeom prst="rect">
             <a:avLst/>
@@ -26077,7 +25952,7 @@
       </p:pic>
       <p:sp>
         <p:nvSpPr>
-          <p:cNvPr id="223" name="Line 2"/>
+          <p:cNvPr id="220" name="Line 2"/>
           <p:cNvSpPr/>
           <p:nvPr/>
         </p:nvSpPr>
@@ -26093,6 +25968,7 @@
             <a:solidFill>
               <a:srgbClr val="c00000"/>
             </a:solidFill>
+            <a:round/>
           </a:ln>
         </p:spPr>
         <p:style>
@@ -26110,14 +25986,14 @@
       </p:sp>
       <p:sp>
         <p:nvSpPr>
-          <p:cNvPr id="224" name="CustomShape 3"/>
+          <p:cNvPr id="221" name="CustomShape 3"/>
           <p:cNvSpPr/>
           <p:nvPr/>
         </p:nvSpPr>
         <p:spPr>
           <a:xfrm>
             <a:off x="10180440" y="138600"/>
-            <a:ext cx="1725120" cy="603720"/>
+            <a:ext cx="1724760" cy="603360"/>
           </a:xfrm>
           <a:prstGeom prst="rect">
             <a:avLst/>
@@ -26155,6 +26031,7 @@
                   <a:srgbClr val="843c0b"/>
                 </a:solidFill>
                 <a:latin typeface="Calibri"/>
+                <a:ea typeface="DejaVu Sans"/>
               </a:rPr>
               <a:t>User: Arul</a:t>
             </a:r>
@@ -26174,6 +26051,7 @@
                   <a:srgbClr val="843c0b"/>
                 </a:solidFill>
                 <a:latin typeface="Calibri"/>
+                <a:ea typeface="DejaVu Sans"/>
               </a:rPr>
               <a:t>Type: Admin</a:t>
             </a:r>
@@ -26185,7 +26063,7 @@
       </p:sp>
       <p:sp>
         <p:nvSpPr>
-          <p:cNvPr id="225" name="Line 4"/>
+          <p:cNvPr id="222" name="Line 4"/>
           <p:cNvSpPr/>
           <p:nvPr/>
         </p:nvSpPr>
@@ -26203,6 +26081,7 @@
                 <a:lumMod val="75000"/>
               </a:schemeClr>
             </a:solidFill>
+            <a:round/>
           </a:ln>
         </p:spPr>
         <p:style>
@@ -26220,14 +26099,14 @@
       </p:sp>
       <p:sp>
         <p:nvSpPr>
-          <p:cNvPr id="226" name="CustomShape 5"/>
+          <p:cNvPr id="223" name="CustomShape 5"/>
           <p:cNvSpPr/>
           <p:nvPr/>
         </p:nvSpPr>
         <p:spPr>
           <a:xfrm>
             <a:off x="11062080" y="793080"/>
-            <a:ext cx="843480" cy="255600"/>
+            <a:ext cx="843120" cy="255240"/>
           </a:xfrm>
           <a:prstGeom prst="roundRect">
             <a:avLst>
@@ -26271,6 +26150,7 @@
                   <a:srgbClr val="ffffff"/>
                 </a:solidFill>
                 <a:latin typeface="Calibri"/>
+                <a:ea typeface="DejaVu Sans"/>
               </a:rPr>
               <a:t>Logout</a:t>
             </a:r>
@@ -26282,14 +26162,14 @@
       </p:sp>
       <p:sp>
         <p:nvSpPr>
-          <p:cNvPr id="227" name="CustomShape 6"/>
+          <p:cNvPr id="224" name="CustomShape 6"/>
           <p:cNvSpPr/>
           <p:nvPr/>
         </p:nvSpPr>
         <p:spPr>
           <a:xfrm>
             <a:off x="509400" y="1556280"/>
-            <a:ext cx="1448640" cy="410400"/>
+            <a:ext cx="1448280" cy="410040"/>
           </a:xfrm>
           <a:prstGeom prst="roundRect">
             <a:avLst>
@@ -26333,6 +26213,7 @@
                   <a:srgbClr val="ffffff"/>
                 </a:solidFill>
                 <a:latin typeface="Calibri"/>
+                <a:ea typeface="DejaVu Sans"/>
               </a:rPr>
               <a:t>User List</a:t>
             </a:r>
@@ -26344,14 +26225,14 @@
       </p:sp>
       <p:sp>
         <p:nvSpPr>
-          <p:cNvPr id="228" name="CustomShape 7"/>
+          <p:cNvPr id="225" name="CustomShape 7"/>
           <p:cNvSpPr/>
           <p:nvPr/>
         </p:nvSpPr>
         <p:spPr>
           <a:xfrm>
             <a:off x="542520" y="2098800"/>
-            <a:ext cx="1448640" cy="410400"/>
+            <a:ext cx="1448280" cy="410040"/>
           </a:xfrm>
           <a:prstGeom prst="roundRect">
             <a:avLst>
@@ -26395,6 +26276,7 @@
                   <a:srgbClr val="ffffff"/>
                 </a:solidFill>
                 <a:latin typeface="Calibri"/>
+                <a:ea typeface="DejaVu Sans"/>
               </a:rPr>
               <a:t>Add user</a:t>
             </a:r>
@@ -26406,14 +26288,14 @@
       </p:sp>
       <p:sp>
         <p:nvSpPr>
-          <p:cNvPr id="229" name="CustomShape 8"/>
+          <p:cNvPr id="226" name="CustomShape 8"/>
           <p:cNvSpPr/>
           <p:nvPr/>
         </p:nvSpPr>
         <p:spPr>
           <a:xfrm>
             <a:off x="2793240" y="1377000"/>
-            <a:ext cx="8913240" cy="5042160"/>
+            <a:ext cx="8912880" cy="5041800"/>
           </a:xfrm>
           <a:prstGeom prst="roundRect">
             <a:avLst>
@@ -26427,6 +26309,7 @@
                 <a:lumMod val="75000"/>
               </a:schemeClr>
             </a:solidFill>
+            <a:round/>
           </a:ln>
         </p:spPr>
         <p:style>
@@ -26446,14 +26329,14 @@
       </p:sp>
       <p:sp>
         <p:nvSpPr>
-          <p:cNvPr id="230" name="CustomShape 9"/>
+          <p:cNvPr id="227" name="CustomShape 9"/>
           <p:cNvSpPr/>
           <p:nvPr/>
         </p:nvSpPr>
         <p:spPr>
           <a:xfrm>
             <a:off x="2926800" y="1446120"/>
-            <a:ext cx="2752200" cy="272880"/>
+            <a:ext cx="2751840" cy="272520"/>
           </a:xfrm>
           <a:prstGeom prst="rect">
             <a:avLst/>
@@ -26483,6 +26366,7 @@
                   <a:srgbClr val="c55a11"/>
                 </a:solidFill>
                 <a:latin typeface="Georgia"/>
+                <a:ea typeface="DejaVu Sans"/>
               </a:rPr>
               <a:t>PERSONAL DETAILS</a:t>
             </a:r>
@@ -26494,14 +26378,14 @@
       </p:sp>
       <p:sp>
         <p:nvSpPr>
-          <p:cNvPr id="231" name="CustomShape 10"/>
+          <p:cNvPr id="228" name="CustomShape 10"/>
           <p:cNvSpPr/>
           <p:nvPr/>
         </p:nvSpPr>
         <p:spPr>
           <a:xfrm>
             <a:off x="3004200" y="1828440"/>
-            <a:ext cx="1769400" cy="272880"/>
+            <a:ext cx="1769040" cy="272520"/>
           </a:xfrm>
           <a:prstGeom prst="rect">
             <a:avLst/>
@@ -26531,6 +26415,7 @@
                   <a:srgbClr val="000000"/>
                 </a:solidFill>
                 <a:latin typeface="Calibri"/>
+                <a:ea typeface="DejaVu Sans"/>
               </a:rPr>
               <a:t>Username :</a:t>
             </a:r>
@@ -26542,14 +26427,14 @@
       </p:sp>
       <p:sp>
         <p:nvSpPr>
-          <p:cNvPr id="232" name="CustomShape 11"/>
+          <p:cNvPr id="229" name="CustomShape 11"/>
           <p:cNvSpPr/>
           <p:nvPr/>
         </p:nvSpPr>
         <p:spPr>
           <a:xfrm>
             <a:off x="3004200" y="2535840"/>
-            <a:ext cx="1769400" cy="272880"/>
+            <a:ext cx="1769040" cy="272520"/>
           </a:xfrm>
           <a:prstGeom prst="rect">
             <a:avLst/>
@@ -26579,6 +26464,7 @@
                   <a:srgbClr val="000000"/>
                 </a:solidFill>
                 <a:latin typeface="Calibri"/>
+                <a:ea typeface="DejaVu Sans"/>
               </a:rPr>
               <a:t>DOB: </a:t>
             </a:r>
@@ -26590,14 +26476,14 @@
       </p:sp>
       <p:sp>
         <p:nvSpPr>
-          <p:cNvPr id="233" name="CustomShape 12"/>
+          <p:cNvPr id="230" name="CustomShape 12"/>
           <p:cNvSpPr/>
           <p:nvPr/>
         </p:nvSpPr>
         <p:spPr>
           <a:xfrm>
             <a:off x="3004200" y="2197800"/>
-            <a:ext cx="1769400" cy="272880"/>
+            <a:ext cx="1769040" cy="272520"/>
           </a:xfrm>
           <a:prstGeom prst="rect">
             <a:avLst/>
@@ -26627,6 +26513,7 @@
                   <a:srgbClr val="000000"/>
                 </a:solidFill>
                 <a:latin typeface="Calibri"/>
+                <a:ea typeface="DejaVu Sans"/>
               </a:rPr>
               <a:t>Gender:</a:t>
             </a:r>
@@ -26638,14 +26525,14 @@
       </p:sp>
       <p:sp>
         <p:nvSpPr>
-          <p:cNvPr id="234" name="CustomShape 13"/>
+          <p:cNvPr id="231" name="CustomShape 13"/>
           <p:cNvSpPr/>
           <p:nvPr/>
         </p:nvSpPr>
         <p:spPr>
           <a:xfrm>
             <a:off x="3424320" y="2902320"/>
-            <a:ext cx="1461240" cy="272880"/>
+            <a:ext cx="1460880" cy="272520"/>
           </a:xfrm>
           <a:prstGeom prst="rect">
             <a:avLst/>
@@ -26675,6 +26562,7 @@
                   <a:srgbClr val="000000"/>
                 </a:solidFill>
                 <a:latin typeface="Calibri"/>
+                <a:ea typeface="DejaVu Sans"/>
               </a:rPr>
               <a:t>Contact number:</a:t>
             </a:r>
@@ -26686,14 +26574,14 @@
       </p:sp>
       <p:sp>
         <p:nvSpPr>
-          <p:cNvPr id="235" name="CustomShape 14"/>
+          <p:cNvPr id="232" name="CustomShape 14"/>
           <p:cNvSpPr/>
           <p:nvPr/>
         </p:nvSpPr>
         <p:spPr>
           <a:xfrm>
             <a:off x="3004200" y="3274560"/>
-            <a:ext cx="1769400" cy="272880"/>
+            <a:ext cx="1769040" cy="272520"/>
           </a:xfrm>
           <a:prstGeom prst="rect">
             <a:avLst/>
@@ -26723,6 +26611,7 @@
                   <a:srgbClr val="000000"/>
                 </a:solidFill>
                 <a:latin typeface="Calibri"/>
+                <a:ea typeface="DejaVu Sans"/>
               </a:rPr>
               <a:t>Email ID:</a:t>
             </a:r>
@@ -26734,14 +26623,14 @@
       </p:sp>
       <p:sp>
         <p:nvSpPr>
-          <p:cNvPr id="236" name="CustomShape 15"/>
+          <p:cNvPr id="233" name="CustomShape 15"/>
           <p:cNvSpPr/>
           <p:nvPr/>
         </p:nvSpPr>
         <p:spPr>
           <a:xfrm>
             <a:off x="3004200" y="3650040"/>
-            <a:ext cx="1769400" cy="272880"/>
+            <a:ext cx="1769040" cy="272520"/>
           </a:xfrm>
           <a:prstGeom prst="rect">
             <a:avLst/>
@@ -26771,6 +26660,7 @@
                   <a:srgbClr val="000000"/>
                 </a:solidFill>
                 <a:latin typeface="Calibri"/>
+                <a:ea typeface="DejaVu Sans"/>
               </a:rPr>
               <a:t>Address:</a:t>
             </a:r>
@@ -26782,14 +26672,14 @@
       </p:sp>
       <p:sp>
         <p:nvSpPr>
-          <p:cNvPr id="237" name="CustomShape 16"/>
+          <p:cNvPr id="234" name="CustomShape 16"/>
           <p:cNvSpPr/>
           <p:nvPr/>
         </p:nvSpPr>
         <p:spPr>
           <a:xfrm>
             <a:off x="4935600" y="1828440"/>
-            <a:ext cx="1769400" cy="272880"/>
+            <a:ext cx="1769040" cy="272520"/>
           </a:xfrm>
           <a:prstGeom prst="rect">
             <a:avLst/>
@@ -26823,6 +26713,7 @@
                   <a:srgbClr val="000000"/>
                 </a:solidFill>
                 <a:latin typeface="Calibri"/>
+                <a:ea typeface="DejaVu Sans"/>
               </a:rPr>
               <a:t>First name</a:t>
             </a:r>
@@ -26834,14 +26725,14 @@
       </p:sp>
       <p:sp>
         <p:nvSpPr>
-          <p:cNvPr id="238" name="CustomShape 17"/>
+          <p:cNvPr id="235" name="CustomShape 17"/>
           <p:cNvSpPr/>
           <p:nvPr/>
         </p:nvSpPr>
         <p:spPr>
           <a:xfrm>
             <a:off x="4935600" y="2535840"/>
-            <a:ext cx="1769400" cy="276480"/>
+            <a:ext cx="1769040" cy="276120"/>
           </a:xfrm>
           <a:prstGeom prst="rect">
             <a:avLst/>
@@ -26864,14 +26755,14 @@
       </p:sp>
       <p:sp>
         <p:nvSpPr>
-          <p:cNvPr id="239" name="CustomShape 18"/>
+          <p:cNvPr id="236" name="CustomShape 18"/>
           <p:cNvSpPr/>
           <p:nvPr/>
         </p:nvSpPr>
         <p:spPr>
           <a:xfrm>
             <a:off x="4935600" y="2197800"/>
-            <a:ext cx="1769400" cy="276480"/>
+            <a:ext cx="1769040" cy="276120"/>
           </a:xfrm>
           <a:prstGeom prst="rect">
             <a:avLst/>
@@ -26894,14 +26785,14 @@
       </p:sp>
       <p:sp>
         <p:nvSpPr>
-          <p:cNvPr id="240" name="CustomShape 19"/>
+          <p:cNvPr id="237" name="CustomShape 19"/>
           <p:cNvSpPr/>
           <p:nvPr/>
         </p:nvSpPr>
         <p:spPr>
           <a:xfrm>
             <a:off x="4935600" y="2902320"/>
-            <a:ext cx="1769400" cy="276480"/>
+            <a:ext cx="1769040" cy="276120"/>
           </a:xfrm>
           <a:prstGeom prst="rect">
             <a:avLst/>
@@ -26924,14 +26815,14 @@
       </p:sp>
       <p:sp>
         <p:nvSpPr>
-          <p:cNvPr id="241" name="CustomShape 20"/>
+          <p:cNvPr id="238" name="CustomShape 20"/>
           <p:cNvSpPr/>
           <p:nvPr/>
         </p:nvSpPr>
         <p:spPr>
           <a:xfrm>
             <a:off x="4935600" y="3274560"/>
-            <a:ext cx="1769400" cy="276480"/>
+            <a:ext cx="1769040" cy="276120"/>
           </a:xfrm>
           <a:prstGeom prst="rect">
             <a:avLst/>
@@ -26954,14 +26845,14 @@
       </p:sp>
       <p:sp>
         <p:nvSpPr>
-          <p:cNvPr id="242" name="CustomShape 21"/>
+          <p:cNvPr id="239" name="CustomShape 21"/>
           <p:cNvSpPr/>
           <p:nvPr/>
         </p:nvSpPr>
         <p:spPr>
           <a:xfrm>
             <a:off x="4935600" y="3650040"/>
-            <a:ext cx="1769400" cy="276480"/>
+            <a:ext cx="1769040" cy="276120"/>
           </a:xfrm>
           <a:prstGeom prst="rect">
             <a:avLst/>
@@ -26984,14 +26875,14 @@
       </p:sp>
       <p:sp>
         <p:nvSpPr>
-          <p:cNvPr id="243" name="CustomShape 22"/>
+          <p:cNvPr id="240" name="CustomShape 22"/>
           <p:cNvSpPr/>
           <p:nvPr/>
         </p:nvSpPr>
         <p:spPr>
           <a:xfrm>
             <a:off x="5778360" y="1828440"/>
-            <a:ext cx="924480" cy="282600"/>
+            <a:ext cx="924120" cy="282240"/>
           </a:xfrm>
           <a:prstGeom prst="rect">
             <a:avLst/>
@@ -27025,6 +26916,7 @@
                   <a:srgbClr val="000000"/>
                 </a:solidFill>
                 <a:latin typeface="Calibri"/>
+                <a:ea typeface="DejaVu Sans"/>
               </a:rPr>
               <a:t>Last name</a:t>
             </a:r>
@@ -27036,14 +26928,14 @@
       </p:sp>
       <p:sp>
         <p:nvSpPr>
-          <p:cNvPr id="244" name="CustomShape 23"/>
+          <p:cNvPr id="241" name="CustomShape 23"/>
           <p:cNvSpPr/>
           <p:nvPr/>
         </p:nvSpPr>
         <p:spPr>
           <a:xfrm>
             <a:off x="3004200" y="4003200"/>
-            <a:ext cx="1769400" cy="272880"/>
+            <a:ext cx="1769040" cy="272520"/>
           </a:xfrm>
           <a:prstGeom prst="rect">
             <a:avLst/>
@@ -27073,6 +26965,7 @@
                   <a:srgbClr val="000000"/>
                 </a:solidFill>
                 <a:latin typeface="Calibri"/>
+                <a:ea typeface="DejaVu Sans"/>
               </a:rPr>
               <a:t>User role :</a:t>
             </a:r>
@@ -27084,14 +26977,14 @@
       </p:sp>
       <p:sp>
         <p:nvSpPr>
-          <p:cNvPr id="245" name="CustomShape 24"/>
+          <p:cNvPr id="242" name="CustomShape 24"/>
           <p:cNvSpPr/>
           <p:nvPr/>
         </p:nvSpPr>
         <p:spPr>
           <a:xfrm>
             <a:off x="4941360" y="4028400"/>
-            <a:ext cx="1725840" cy="316800"/>
+            <a:ext cx="1725480" cy="316440"/>
           </a:xfrm>
           <a:prstGeom prst="rect">
             <a:avLst/>
@@ -27105,6 +26998,7 @@
                 <a:lumMod val="75000"/>
               </a:schemeClr>
             </a:solidFill>
+            <a:round/>
           </a:ln>
         </p:spPr>
         <p:style>
@@ -27135,6 +27029,7 @@
                   <a:srgbClr val="000000"/>
                 </a:solidFill>
                 <a:latin typeface="Calibri"/>
+                <a:ea typeface="DejaVu Sans"/>
               </a:rPr>
               <a:t>Select User type</a:t>
             </a:r>
@@ -27146,14 +27041,14 @@
       </p:sp>
       <p:sp>
         <p:nvSpPr>
-          <p:cNvPr id="246" name="CustomShape 25"/>
+          <p:cNvPr id="243" name="CustomShape 25"/>
           <p:cNvSpPr/>
           <p:nvPr/>
         </p:nvSpPr>
         <p:spPr>
           <a:xfrm>
             <a:off x="6410520" y="4104360"/>
-            <a:ext cx="167040" cy="155880"/>
+            <a:ext cx="166680" cy="155520"/>
           </a:xfrm>
           <a:prstGeom prst="flowChartMerge">
             <a:avLst/>
@@ -27164,6 +27059,7 @@
                 <a:lumMod val="75000"/>
               </a:schemeClr>
             </a:solidFill>
+            <a:round/>
           </a:ln>
         </p:spPr>
         <p:style>
@@ -27183,14 +27079,14 @@
       </p:sp>
       <p:sp>
         <p:nvSpPr>
-          <p:cNvPr id="247" name="CustomShape 26"/>
+          <p:cNvPr id="244" name="CustomShape 26"/>
           <p:cNvSpPr/>
           <p:nvPr/>
         </p:nvSpPr>
         <p:spPr>
           <a:xfrm>
             <a:off x="6353640" y="4023720"/>
-            <a:ext cx="313560" cy="316800"/>
+            <a:ext cx="313200" cy="316440"/>
           </a:xfrm>
           <a:prstGeom prst="rect">
             <a:avLst/>
@@ -27202,6 +27098,7 @@
                 <a:lumMod val="75000"/>
               </a:schemeClr>
             </a:solidFill>
+            <a:round/>
           </a:ln>
         </p:spPr>
         <p:style>
@@ -27221,14 +27118,14 @@
       </p:sp>
       <p:sp>
         <p:nvSpPr>
-          <p:cNvPr id="248" name="CustomShape 27"/>
+          <p:cNvPr id="245" name="CustomShape 27"/>
           <p:cNvSpPr/>
           <p:nvPr/>
         </p:nvSpPr>
         <p:spPr>
           <a:xfrm>
             <a:off x="10180440" y="5645160"/>
-            <a:ext cx="964800" cy="275400"/>
+            <a:ext cx="964440" cy="275040"/>
           </a:xfrm>
           <a:prstGeom prst="roundRect">
             <a:avLst>
@@ -27276,6 +27173,7 @@
                   <a:srgbClr val="ffffff"/>
                 </a:solidFill>
                 <a:latin typeface="Calibri"/>
+                <a:ea typeface="DejaVu Sans"/>
               </a:rPr>
               <a:t>Submit</a:t>
             </a:r>
@@ -27287,6 +27185,33 @@
       </p:sp>
     </p:spTree>
   </p:cSld>
+  <p:timing>
+    <p:tnLst>
+      <p:par>
+        <p:cTn id="13" dur="indefinite" restart="never" nodeType="tmRoot">
+          <p:childTnLst>
+            <p:seq>
+              <p:cTn id="14" dur="indefinite" nodeType="mainSeq"/>
+              <p:prevCondLst>
+                <p:cond delay="0" evt="onPrev">
+                  <p:tgtEl>
+                    <p:sldTgt/>
+                  </p:tgtEl>
+                </p:cond>
+              </p:prevCondLst>
+              <p:nextCondLst>
+                <p:cond delay="0" evt="onNext">
+                  <p:tgtEl>
+                    <p:sldTgt/>
+                  </p:tgtEl>
+                </p:cond>
+              </p:nextCondLst>
+            </p:seq>
+          </p:childTnLst>
+        </p:cTn>
+      </p:par>
+    </p:tnLst>
+  </p:timing>
 </p:sld>
 </file>
 
